--- a/Electron.pptx
+++ b/Electron.pptx
@@ -5,10 +5,10 @@
     <p:sldMasterId id="2147483648" r:id="rId1"/>
   </p:sldMasterIdLst>
   <p:notesMasterIdLst>
-    <p:notesMasterId r:id="rId18"/>
+    <p:notesMasterId r:id="rId21"/>
   </p:notesMasterIdLst>
   <p:handoutMasterIdLst>
-    <p:handoutMasterId r:id="rId19"/>
+    <p:handoutMasterId r:id="rId22"/>
   </p:handoutMasterIdLst>
   <p:sldIdLst>
     <p:sldId id="256" r:id="rId2"/>
@@ -20,13 +20,16 @@
     <p:sldId id="305" r:id="rId8"/>
     <p:sldId id="438" r:id="rId9"/>
     <p:sldId id="443" r:id="rId10"/>
-    <p:sldId id="303" r:id="rId11"/>
-    <p:sldId id="307" r:id="rId12"/>
-    <p:sldId id="375" r:id="rId13"/>
-    <p:sldId id="441" r:id="rId14"/>
-    <p:sldId id="442" r:id="rId15"/>
-    <p:sldId id="271" r:id="rId16"/>
-    <p:sldId id="373" r:id="rId17"/>
+    <p:sldId id="446" r:id="rId11"/>
+    <p:sldId id="303" r:id="rId12"/>
+    <p:sldId id="307" r:id="rId13"/>
+    <p:sldId id="375" r:id="rId14"/>
+    <p:sldId id="441" r:id="rId15"/>
+    <p:sldId id="442" r:id="rId16"/>
+    <p:sldId id="444" r:id="rId17"/>
+    <p:sldId id="447" r:id="rId18"/>
+    <p:sldId id="271" r:id="rId19"/>
+    <p:sldId id="373" r:id="rId20"/>
   </p:sldIdLst>
   <p:sldSz cx="14630400" cy="8229600"/>
   <p:notesSz cx="6858000" cy="9144000"/>
@@ -306,7 +309,7 @@
                 <a:latin typeface="Arial"/>
                 <a:cs typeface="Arial"/>
               </a:rPr>
-              <a:t>2/12/2019</a:t>
+              <a:t>2/13/19</a:t>
             </a:fld>
             <a:endParaRPr lang="en-US">
               <a:latin typeface="Arial"/>
@@ -491,7 +494,7 @@
             <a:fld id="{73B26A0F-F4D6-9B4F-A87B-D8948CDE3BB4}" type="datetimeFigureOut">
               <a:rPr lang="en-US" smtClean="0"/>
               <a:pPr/>
-              <a:t>2/12/2019</a:t>
+              <a:t>2/13/19</a:t>
             </a:fld>
             <a:endParaRPr lang="en-US"/>
           </a:p>
@@ -851,6 +854,117 @@
 </p:notes>
 </file>
 
+<file path=ppt/notesSlides/notesSlide10.xml><?xml version="1.0" encoding="utf-8"?>
+<p:notes xmlns:a="http://schemas.openxmlformats.org/drawingml/2006/main" xmlns:r="http://schemas.openxmlformats.org/officeDocument/2006/relationships" xmlns:p="http://schemas.openxmlformats.org/presentationml/2006/main">
+  <p:cSld>
+    <p:spTree>
+      <p:nvGrpSpPr>
+        <p:cNvPr id="1" name=""/>
+        <p:cNvGrpSpPr/>
+        <p:nvPr/>
+      </p:nvGrpSpPr>
+      <p:grpSpPr>
+        <a:xfrm>
+          <a:off x="0" y="0"/>
+          <a:ext cx="0" cy="0"/>
+          <a:chOff x="0" y="0"/>
+          <a:chExt cx="0" cy="0"/>
+        </a:xfrm>
+      </p:grpSpPr>
+      <p:sp>
+        <p:nvSpPr>
+          <p:cNvPr id="2" name="Slide Image Placeholder 1"/>
+          <p:cNvSpPr>
+            <a:spLocks noGrp="1" noRot="1" noChangeAspect="1"/>
+          </p:cNvSpPr>
+          <p:nvPr>
+            <p:ph type="sldImg"/>
+          </p:nvPr>
+        </p:nvSpPr>
+        <p:spPr/>
+      </p:sp>
+      <p:sp>
+        <p:nvSpPr>
+          <p:cNvPr id="3" name="Notes Placeholder 2"/>
+          <p:cNvSpPr>
+            <a:spLocks noGrp="1"/>
+          </p:cNvSpPr>
+          <p:nvPr>
+            <p:ph type="body" idx="1"/>
+          </p:nvPr>
+        </p:nvSpPr>
+        <p:spPr/>
+        <p:txBody>
+          <a:bodyPr/>
+          <a:lstStyle/>
+          <a:p>
+            <a:r>
+              <a:rPr lang="en-US" sz="1920" b="0" i="0" kern="1200" dirty="0">
+                <a:solidFill>
+                  <a:schemeClr val="tx1"/>
+                </a:solidFill>
+                <a:effectLst/>
+                <a:latin typeface="Arial"/>
+                <a:ea typeface="+mn-ea"/>
+                <a:cs typeface="Arial"/>
+              </a:rPr>
+              <a:t>Chromium’s rendering library</a:t>
+            </a:r>
+          </a:p>
+          <a:p>
+            <a:r>
+              <a:rPr lang="en-US" sz="1920" b="0" i="0" kern="1200" dirty="0">
+                <a:solidFill>
+                  <a:schemeClr val="tx1"/>
+                </a:solidFill>
+                <a:effectLst/>
+                <a:latin typeface="Arial"/>
+                <a:ea typeface="+mn-ea"/>
+                <a:cs typeface="Arial"/>
+              </a:rPr>
+              <a:t>The third component is a thick layer of C++, extending the usual set of available APIs with native implementations for common operating system operations such as sending native notifications, accessing system preferences, and creating native dialog</a:t>
+            </a:r>
+            <a:endParaRPr lang="en-US" dirty="0"/>
+          </a:p>
+        </p:txBody>
+      </p:sp>
+      <p:sp>
+        <p:nvSpPr>
+          <p:cNvPr id="4" name="Slide Number Placeholder 3"/>
+          <p:cNvSpPr>
+            <a:spLocks noGrp="1"/>
+          </p:cNvSpPr>
+          <p:nvPr>
+            <p:ph type="sldNum" sz="quarter" idx="10"/>
+          </p:nvPr>
+        </p:nvSpPr>
+        <p:spPr/>
+        <p:txBody>
+          <a:bodyPr/>
+          <a:lstStyle/>
+          <a:p>
+            <a:fld id="{7DE2E8FF-3D0C-9D4D-B4D1-3089215958A5}" type="slidenum">
+              <a:rPr lang="en-US" smtClean="0"/>
+              <a:pPr/>
+              <a:t>17</a:t>
+            </a:fld>
+            <a:endParaRPr lang="en-US"/>
+          </a:p>
+        </p:txBody>
+      </p:sp>
+    </p:spTree>
+    <p:extLst>
+      <p:ext uri="{BB962C8B-B14F-4D97-AF65-F5344CB8AC3E}">
+        <p14:creationId xmlns:p14="http://schemas.microsoft.com/office/powerpoint/2010/main" val="706450171"/>
+      </p:ext>
+    </p:extLst>
+  </p:cSld>
+  <p:clrMapOvr>
+    <a:masterClrMapping/>
+  </p:clrMapOvr>
+</p:notes>
+</file>
+
 <file path=ppt/notesSlides/notesSlide2.xml><?xml version="1.0" encoding="utf-8"?>
 <p:notes xmlns:a="http://schemas.openxmlformats.org/drawingml/2006/main" xmlns:r="http://schemas.openxmlformats.org/officeDocument/2006/relationships" xmlns:p="http://schemas.openxmlformats.org/presentationml/2006/main">
   <p:cSld>
@@ -990,56 +1104,7 @@
                 <a:ea typeface="+mn-ea"/>
                 <a:cs typeface="Arial"/>
               </a:rPr>
-              <a:t>Chromium’s rendering library (UI display)</a:t>
-            </a:r>
-          </a:p>
-          <a:p>
-            <a:r>
-              <a:rPr lang="en-US" sz="1920" b="0" i="0" kern="1200" dirty="0">
-                <a:solidFill>
-                  <a:schemeClr val="tx1"/>
-                </a:solidFill>
-                <a:effectLst/>
-                <a:latin typeface="Arial"/>
-                <a:ea typeface="+mn-ea"/>
-                <a:cs typeface="Arial"/>
-              </a:rPr>
-              <a:t>JS engine for runtime </a:t>
-            </a:r>
-            <a:r>
-              <a:rPr lang="en-US" sz="1920" b="0" i="0" kern="1200" dirty="0" err="1">
-                <a:solidFill>
-                  <a:schemeClr val="tx1"/>
-                </a:solidFill>
-                <a:effectLst/>
-                <a:latin typeface="Arial"/>
-                <a:ea typeface="+mn-ea"/>
-                <a:cs typeface="Arial"/>
-              </a:rPr>
-              <a:t>enviroment</a:t>
-            </a:r>
-            <a:endParaRPr lang="en-US" sz="1920" b="0" i="0" kern="1200" dirty="0">
-              <a:solidFill>
-                <a:schemeClr val="tx1"/>
-              </a:solidFill>
-              <a:effectLst/>
-              <a:latin typeface="Arial"/>
-              <a:ea typeface="+mn-ea"/>
-              <a:cs typeface="Arial"/>
-            </a:endParaRPr>
-          </a:p>
-          <a:p>
-            <a:r>
-              <a:rPr lang="en-US" sz="1920" b="0" i="0" kern="1200" dirty="0">
-                <a:solidFill>
-                  <a:schemeClr val="tx1"/>
-                </a:solidFill>
-                <a:effectLst/>
-                <a:latin typeface="Arial"/>
-                <a:ea typeface="+mn-ea"/>
-                <a:cs typeface="Arial"/>
-              </a:rPr>
-              <a:t>The third component is a thick layer of C++, extending the usual set of available APIs with native implementations for common operating system operations such as sending native notifications, accessing system preferences, and creating native dialog</a:t>
+              <a:t>framework created by Cheng Zhao</a:t>
             </a:r>
             <a:endParaRPr lang="en-US" dirty="0"/>
           </a:p>
@@ -1460,7 +1525,7 @@
           <a:lstStyle/>
           <a:p>
             <a:r>
-              <a:rPr lang="en-US" sz="1920" kern="1200" dirty="0">
+              <a:rPr lang="en-US" sz="1920" b="0" i="0" kern="1200" dirty="0">
                 <a:solidFill>
                   <a:schemeClr val="tx1"/>
                 </a:solidFill>
@@ -1469,12 +1534,12 @@
                 <a:ea typeface="+mn-ea"/>
                 <a:cs typeface="Arial"/>
               </a:rPr>
-              <a:t>Why? Impossible to build the rendering engine that never crashes or hangs, perfectly secure</a:t>
-            </a:r>
-          </a:p>
-          <a:p>
-            <a:r>
-              <a:rPr lang="en-US" sz="1920" kern="1200" dirty="0">
+              <a:t>Chromium’s rendering library</a:t>
+            </a:r>
+          </a:p>
+          <a:p>
+            <a:r>
+              <a:rPr lang="en-US" sz="1920" b="0" i="0" kern="1200" dirty="0">
                 <a:solidFill>
                   <a:schemeClr val="tx1"/>
                 </a:solidFill>
@@ -1483,253 +1548,8 @@
                 <a:ea typeface="+mn-ea"/>
                 <a:cs typeface="Arial"/>
               </a:rPr>
-              <a:t>Process -&gt; instance of a computer program that is being executed.</a:t>
-            </a:r>
-          </a:p>
-          <a:p>
-            <a:r>
-              <a:rPr lang="en-US" sz="1920" kern="1200" dirty="0">
-                <a:solidFill>
-                  <a:schemeClr val="tx1"/>
-                </a:solidFill>
-                <a:effectLst/>
-                <a:latin typeface="Arial"/>
-                <a:ea typeface="+mn-ea"/>
-                <a:cs typeface="Arial"/>
-              </a:rPr>
-              <a:t>Misbehaving: all it took is one browser or plug-in bug to bring down the entire browser and all of the currently running tabs</a:t>
-            </a:r>
-          </a:p>
-          <a:p>
-            <a:r>
-              <a:rPr lang="en-US" sz="1920" kern="1200" dirty="0">
-                <a:solidFill>
-                  <a:schemeClr val="tx1"/>
-                </a:solidFill>
-                <a:effectLst/>
-                <a:latin typeface="Arial"/>
-                <a:ea typeface="+mn-ea"/>
-                <a:cs typeface="Arial"/>
-              </a:rPr>
-              <a:t>In a separate processes don't share memory or state so that if one tab runs into fatal error, it doesn't bring down the entire application</a:t>
-            </a:r>
-          </a:p>
-          <a:p>
-            <a:r>
-              <a:rPr lang="en-US" sz="1920" kern="1200" dirty="0">
-                <a:solidFill>
-                  <a:schemeClr val="tx1"/>
-                </a:solidFill>
-                <a:effectLst/>
-                <a:latin typeface="Arial"/>
-                <a:ea typeface="+mn-ea"/>
-                <a:cs typeface="Arial"/>
-              </a:rPr>
-              <a:t> </a:t>
-            </a:r>
-          </a:p>
-          <a:p>
-            <a:r>
-              <a:rPr lang="en-US" sz="1920" kern="1200" dirty="0">
-                <a:solidFill>
-                  <a:schemeClr val="tx1"/>
-                </a:solidFill>
-                <a:effectLst/>
-                <a:latin typeface="Arial"/>
-                <a:ea typeface="+mn-ea"/>
-                <a:cs typeface="Arial"/>
-              </a:rPr>
-              <a:t>What? Protect the overall application from bug and glitches in the rendering engine</a:t>
-            </a:r>
-          </a:p>
-          <a:p>
-            <a:r>
-              <a:rPr lang="en-US" sz="1920" kern="1200" dirty="0">
-                <a:solidFill>
-                  <a:schemeClr val="tx1"/>
-                </a:solidFill>
-                <a:effectLst/>
-                <a:latin typeface="Arial"/>
-                <a:ea typeface="+mn-ea"/>
-                <a:cs typeface="Arial"/>
-              </a:rPr>
-              <a:t>Processes' memory and resources are isolate from each other</a:t>
-            </a:r>
-            <a:br>
-              <a:rPr lang="en-US" sz="1920" kern="1200" dirty="0">
-                <a:solidFill>
-                  <a:schemeClr val="tx1"/>
-                </a:solidFill>
-                <a:effectLst/>
-                <a:latin typeface="Arial"/>
-                <a:ea typeface="+mn-ea"/>
-                <a:cs typeface="Arial"/>
-              </a:rPr>
-            </a:br>
-            <a:r>
-              <a:rPr lang="en-US" sz="1920" kern="1200" dirty="0">
-                <a:solidFill>
-                  <a:schemeClr val="tx1"/>
-                </a:solidFill>
-                <a:effectLst/>
-                <a:latin typeface="Arial"/>
-                <a:ea typeface="+mn-ea"/>
-                <a:cs typeface="Arial"/>
-              </a:rPr>
-              <a:t> </a:t>
-            </a:r>
-          </a:p>
-          <a:p>
-            <a:r>
-              <a:rPr lang="en-US" sz="1920" kern="1200" dirty="0">
-                <a:solidFill>
-                  <a:schemeClr val="tx1"/>
-                </a:solidFill>
-                <a:effectLst/>
-                <a:latin typeface="Arial"/>
-                <a:ea typeface="+mn-ea"/>
-                <a:cs typeface="Arial"/>
-              </a:rPr>
-              <a:t>How? Refer the main process that runs the UI and manages tab and plugin processes as the browser </a:t>
-            </a:r>
-          </a:p>
-          <a:p>
-            <a:r>
-              <a:rPr lang="en-US" sz="1920" kern="1200" dirty="0">
-                <a:solidFill>
-                  <a:schemeClr val="tx1"/>
-                </a:solidFill>
-                <a:effectLst/>
-                <a:latin typeface="Arial"/>
-                <a:ea typeface="+mn-ea"/>
-                <a:cs typeface="Arial"/>
-              </a:rPr>
-              <a:t>The tab-specific process are called render processes </a:t>
-            </a:r>
-          </a:p>
-          <a:p>
-            <a:r>
-              <a:rPr lang="en-US" sz="1920" kern="1200" dirty="0">
-                <a:solidFill>
-                  <a:schemeClr val="tx1"/>
-                </a:solidFill>
-                <a:effectLst/>
-                <a:latin typeface="Arial"/>
-                <a:ea typeface="+mn-ea"/>
-                <a:cs typeface="Arial"/>
-              </a:rPr>
-              <a:t> </a:t>
-            </a:r>
-          </a:p>
-          <a:p>
-            <a:r>
-              <a:rPr lang="en-US" sz="1920" kern="1200" dirty="0">
-                <a:solidFill>
-                  <a:schemeClr val="tx1"/>
-                </a:solidFill>
-                <a:effectLst/>
-                <a:latin typeface="Arial"/>
-                <a:ea typeface="+mn-ea"/>
-                <a:cs typeface="Arial"/>
-              </a:rPr>
-              <a:t>Process -&gt; instance of a computer program that is being executed.</a:t>
-            </a:r>
-          </a:p>
-          <a:p>
-            <a:r>
-              <a:rPr lang="en-US" sz="1920" kern="1200" dirty="0">
-                <a:solidFill>
-                  <a:schemeClr val="tx1"/>
-                </a:solidFill>
-                <a:effectLst/>
-                <a:latin typeface="Arial"/>
-                <a:ea typeface="+mn-ea"/>
-                <a:cs typeface="Arial"/>
-              </a:rPr>
-              <a:t> </a:t>
-            </a:r>
-          </a:p>
-          <a:p>
-            <a:r>
-              <a:rPr lang="en-US" sz="1920" kern="1200" dirty="0">
-                <a:solidFill>
-                  <a:schemeClr val="tx1"/>
-                </a:solidFill>
-                <a:effectLst/>
-                <a:latin typeface="Arial"/>
-                <a:ea typeface="+mn-ea"/>
-                <a:cs typeface="Arial"/>
-              </a:rPr>
-              <a:t>Processes' memory and resources are isolate from each other</a:t>
-            </a:r>
-          </a:p>
-          <a:p>
-            <a:r>
-              <a:rPr lang="en-US" sz="1920" kern="1200" dirty="0">
-                <a:solidFill>
-                  <a:schemeClr val="tx1"/>
-                </a:solidFill>
-                <a:effectLst/>
-                <a:latin typeface="Arial"/>
-                <a:ea typeface="+mn-ea"/>
-                <a:cs typeface="Arial"/>
-              </a:rPr>
-              <a:t> </a:t>
-            </a:r>
-          </a:p>
-          <a:p>
-            <a:r>
-              <a:rPr lang="en-US" sz="1920" kern="1200" dirty="0">
-                <a:solidFill>
-                  <a:schemeClr val="tx1"/>
-                </a:solidFill>
-                <a:effectLst/>
-                <a:latin typeface="Arial"/>
-                <a:ea typeface="+mn-ea"/>
-                <a:cs typeface="Arial"/>
-              </a:rPr>
-              <a:t>Main: native menu and dialogs, auto update event, creates </a:t>
-            </a:r>
-            <a:r>
-              <a:rPr lang="en-US" sz="1920" kern="1200" dirty="0" err="1">
-                <a:solidFill>
-                  <a:schemeClr val="tx1"/>
-                </a:solidFill>
-                <a:effectLst/>
-                <a:latin typeface="Arial"/>
-                <a:ea typeface="+mn-ea"/>
-                <a:cs typeface="Arial"/>
-              </a:rPr>
-              <a:t>BrowserWindow</a:t>
-            </a:r>
-            <a:r>
-              <a:rPr lang="en-US" sz="1920" kern="1200" dirty="0">
-                <a:solidFill>
-                  <a:schemeClr val="tx1"/>
-                </a:solidFill>
-                <a:effectLst/>
-                <a:latin typeface="Arial"/>
-                <a:ea typeface="+mn-ea"/>
-                <a:cs typeface="Arial"/>
-              </a:rPr>
-              <a:t> instances to run web pages</a:t>
-            </a:r>
-          </a:p>
-          <a:p>
-            <a:r>
-              <a:rPr lang="en-US" sz="1920" kern="1200" dirty="0">
-                <a:solidFill>
-                  <a:schemeClr val="tx1"/>
-                </a:solidFill>
-                <a:effectLst/>
-                <a:latin typeface="Arial"/>
-                <a:ea typeface="+mn-ea"/>
-                <a:cs typeface="Arial"/>
-              </a:rPr>
-              <a:t>Render: responsible for running the user-interface of your app</a:t>
-            </a:r>
-          </a:p>
-          <a:p>
+              <a:t>The third component is a thick layer of C++, extending the usual set of available APIs with native implementations for common operating system operations such as sending native notifications, accessing system preferences, and creating native dialog</a:t>
+            </a:r>
             <a:endParaRPr lang="en-US" dirty="0"/>
           </a:p>
         </p:txBody>
@@ -1752,7 +1572,7 @@
             <a:fld id="{7DE2E8FF-3D0C-9D4D-B4D1-3089215958A5}" type="slidenum">
               <a:rPr lang="en-US" smtClean="0"/>
               <a:pPr/>
-              <a:t>11</a:t>
+              <a:t>10</a:t>
             </a:fld>
             <a:endParaRPr lang="en-US"/>
           </a:p>
@@ -1761,7 +1581,7 @@
     </p:spTree>
     <p:extLst>
       <p:ext uri="{BB962C8B-B14F-4D97-AF65-F5344CB8AC3E}">
-        <p14:creationId xmlns:p14="http://schemas.microsoft.com/office/powerpoint/2010/main" val="3747825194"/>
+        <p14:creationId xmlns:p14="http://schemas.microsoft.com/office/powerpoint/2010/main" val="556588646"/>
       </p:ext>
     </p:extLst>
   </p:cSld>
@@ -1816,7 +1636,7 @@
           <a:lstStyle/>
           <a:p>
             <a:r>
-              <a:rPr lang="en-US" sz="1920" b="0" i="0" kern="1200" dirty="0">
+              <a:rPr lang="en-US" sz="1920" kern="1200" dirty="0">
                 <a:solidFill>
                   <a:schemeClr val="tx1"/>
                 </a:solidFill>
@@ -1825,10 +1645,12 @@
                 <a:ea typeface="+mn-ea"/>
                 <a:cs typeface="Arial"/>
               </a:rPr>
-              <a:t>Main Process: This is responsible to send and receive request, transfer data between different windows, you can think of it as a central exchange for all the windows. </a:t>
-            </a:r>
-            <a:r>
-              <a:rPr lang="en-US" sz="1920" b="0" i="0" kern="1200">
+              <a:t>Why? Impossible to build the rendering engine that never crashes or hangs, perfectly secure</a:t>
+            </a:r>
+          </a:p>
+          <a:p>
+            <a:r>
+              <a:rPr lang="en-US" sz="1920" kern="1200" dirty="0">
                 <a:solidFill>
                   <a:schemeClr val="tx1"/>
                 </a:solidFill>
@@ -1837,9 +1659,199 @@
                 <a:ea typeface="+mn-ea"/>
                 <a:cs typeface="Arial"/>
               </a:rPr>
-              <a:t>All the memory management like creation and destruction of windows are handled here.</a:t>
-            </a:r>
-            <a:endParaRPr lang="en-US"/>
+              <a:t>Process -&gt; instance of a computer program that is being executed.</a:t>
+            </a:r>
+          </a:p>
+          <a:p>
+            <a:r>
+              <a:rPr lang="en-US" sz="1920" kern="1200" dirty="0">
+                <a:solidFill>
+                  <a:schemeClr val="tx1"/>
+                </a:solidFill>
+                <a:effectLst/>
+                <a:latin typeface="Arial"/>
+                <a:ea typeface="+mn-ea"/>
+                <a:cs typeface="Arial"/>
+              </a:rPr>
+              <a:t>Misbehaving: all it took is one browser or plug-in bug to bring down the entire browser and all of the currently running tabs</a:t>
+            </a:r>
+          </a:p>
+          <a:p>
+            <a:r>
+              <a:rPr lang="en-US" sz="1920" kern="1200" dirty="0">
+                <a:solidFill>
+                  <a:schemeClr val="tx1"/>
+                </a:solidFill>
+                <a:effectLst/>
+                <a:latin typeface="Arial"/>
+                <a:ea typeface="+mn-ea"/>
+                <a:cs typeface="Arial"/>
+              </a:rPr>
+              <a:t>In a separate processes don't share memory or state so that if one tab runs into fatal error, it doesn't bring down the entire application</a:t>
+            </a:r>
+          </a:p>
+          <a:p>
+            <a:r>
+              <a:rPr lang="en-US" sz="1920" kern="1200" dirty="0">
+                <a:solidFill>
+                  <a:schemeClr val="tx1"/>
+                </a:solidFill>
+                <a:effectLst/>
+                <a:latin typeface="Arial"/>
+                <a:ea typeface="+mn-ea"/>
+                <a:cs typeface="Arial"/>
+              </a:rPr>
+              <a:t> </a:t>
+            </a:r>
+          </a:p>
+          <a:p>
+            <a:r>
+              <a:rPr lang="en-US" sz="1920" kern="1200" dirty="0">
+                <a:solidFill>
+                  <a:schemeClr val="tx1"/>
+                </a:solidFill>
+                <a:effectLst/>
+                <a:latin typeface="Arial"/>
+                <a:ea typeface="+mn-ea"/>
+                <a:cs typeface="Arial"/>
+              </a:rPr>
+              <a:t>What? Protect the overall application from bug and glitches in the rendering engine</a:t>
+            </a:r>
+          </a:p>
+          <a:p>
+            <a:r>
+              <a:rPr lang="en-US" sz="1920" kern="1200" dirty="0">
+                <a:solidFill>
+                  <a:schemeClr val="tx1"/>
+                </a:solidFill>
+                <a:effectLst/>
+                <a:latin typeface="Arial"/>
+                <a:ea typeface="+mn-ea"/>
+                <a:cs typeface="Arial"/>
+              </a:rPr>
+              <a:t>Processes' memory and resources are isolate from each other</a:t>
+            </a:r>
+            <a:br>
+              <a:rPr lang="en-US" sz="1920" kern="1200" dirty="0">
+                <a:solidFill>
+                  <a:schemeClr val="tx1"/>
+                </a:solidFill>
+                <a:effectLst/>
+                <a:latin typeface="Arial"/>
+                <a:ea typeface="+mn-ea"/>
+                <a:cs typeface="Arial"/>
+              </a:rPr>
+            </a:br>
+            <a:r>
+              <a:rPr lang="en-US" sz="1920" kern="1200" dirty="0">
+                <a:solidFill>
+                  <a:schemeClr val="tx1"/>
+                </a:solidFill>
+                <a:effectLst/>
+                <a:latin typeface="Arial"/>
+                <a:ea typeface="+mn-ea"/>
+                <a:cs typeface="Arial"/>
+              </a:rPr>
+              <a:t> </a:t>
+            </a:r>
+          </a:p>
+          <a:p>
+            <a:r>
+              <a:rPr lang="en-US" sz="1920" kern="1200" dirty="0">
+                <a:solidFill>
+                  <a:schemeClr val="tx1"/>
+                </a:solidFill>
+                <a:effectLst/>
+                <a:latin typeface="Arial"/>
+                <a:ea typeface="+mn-ea"/>
+                <a:cs typeface="Arial"/>
+              </a:rPr>
+              <a:t>How? Refer the main process that runs the UI and manages tab and plugin processes as the browser </a:t>
+            </a:r>
+          </a:p>
+          <a:p>
+            <a:r>
+              <a:rPr lang="en-US" sz="1920" kern="1200" dirty="0">
+                <a:solidFill>
+                  <a:schemeClr val="tx1"/>
+                </a:solidFill>
+                <a:effectLst/>
+                <a:latin typeface="Arial"/>
+                <a:ea typeface="+mn-ea"/>
+                <a:cs typeface="Arial"/>
+              </a:rPr>
+              <a:t>The tab-specific process are called render processes </a:t>
+            </a:r>
+          </a:p>
+          <a:p>
+            <a:r>
+              <a:rPr lang="en-US" sz="1920" kern="1200" dirty="0">
+                <a:solidFill>
+                  <a:schemeClr val="tx1"/>
+                </a:solidFill>
+                <a:effectLst/>
+                <a:latin typeface="Arial"/>
+                <a:ea typeface="+mn-ea"/>
+                <a:cs typeface="Arial"/>
+              </a:rPr>
+              <a:t> </a:t>
+            </a:r>
+          </a:p>
+          <a:p>
+            <a:r>
+              <a:rPr lang="en-US" sz="1920" kern="1200" dirty="0">
+                <a:solidFill>
+                  <a:schemeClr val="tx1"/>
+                </a:solidFill>
+                <a:effectLst/>
+                <a:latin typeface="Arial"/>
+                <a:ea typeface="+mn-ea"/>
+                <a:cs typeface="Arial"/>
+              </a:rPr>
+              <a:t>Process -&gt; instance of a computer program that is being executed.</a:t>
+            </a:r>
+          </a:p>
+          <a:p>
+            <a:r>
+              <a:rPr lang="en-US" sz="1920" kern="1200" dirty="0">
+                <a:solidFill>
+                  <a:schemeClr val="tx1"/>
+                </a:solidFill>
+                <a:effectLst/>
+                <a:latin typeface="Arial"/>
+                <a:ea typeface="+mn-ea"/>
+                <a:cs typeface="Arial"/>
+              </a:rPr>
+              <a:t> </a:t>
+            </a:r>
+          </a:p>
+          <a:p>
+            <a:r>
+              <a:rPr lang="en-US" sz="1920" kern="1200" dirty="0">
+                <a:solidFill>
+                  <a:schemeClr val="tx1"/>
+                </a:solidFill>
+                <a:effectLst/>
+                <a:latin typeface="Arial"/>
+                <a:ea typeface="+mn-ea"/>
+                <a:cs typeface="Arial"/>
+              </a:rPr>
+              <a:t>Processes' memory and resources are isolate from each other</a:t>
+            </a:r>
+          </a:p>
+          <a:p>
+            <a:r>
+              <a:rPr lang="en-US" sz="1920" kern="1200" dirty="0">
+                <a:solidFill>
+                  <a:schemeClr val="tx1"/>
+                </a:solidFill>
+                <a:effectLst/>
+                <a:latin typeface="Arial"/>
+                <a:ea typeface="+mn-ea"/>
+                <a:cs typeface="Arial"/>
+              </a:rPr>
+              <a:t> </a:t>
+            </a:r>
           </a:p>
         </p:txBody>
       </p:sp>
@@ -1862,6 +1874,234 @@
               <a:rPr lang="en-US" smtClean="0"/>
               <a:pPr/>
               <a:t>12</a:t>
+            </a:fld>
+            <a:endParaRPr lang="en-US"/>
+          </a:p>
+        </p:txBody>
+      </p:sp>
+    </p:spTree>
+    <p:extLst>
+      <p:ext uri="{BB962C8B-B14F-4D97-AF65-F5344CB8AC3E}">
+        <p14:creationId xmlns:p14="http://schemas.microsoft.com/office/powerpoint/2010/main" val="3747825194"/>
+      </p:ext>
+    </p:extLst>
+  </p:cSld>
+  <p:clrMapOvr>
+    <a:masterClrMapping/>
+  </p:clrMapOvr>
+</p:notes>
+</file>
+
+<file path=ppt/notesSlides/notesSlide9.xml><?xml version="1.0" encoding="utf-8"?>
+<p:notes xmlns:a="http://schemas.openxmlformats.org/drawingml/2006/main" xmlns:r="http://schemas.openxmlformats.org/officeDocument/2006/relationships" xmlns:p="http://schemas.openxmlformats.org/presentationml/2006/main">
+  <p:cSld>
+    <p:spTree>
+      <p:nvGrpSpPr>
+        <p:cNvPr id="1" name=""/>
+        <p:cNvGrpSpPr/>
+        <p:nvPr/>
+      </p:nvGrpSpPr>
+      <p:grpSpPr>
+        <a:xfrm>
+          <a:off x="0" y="0"/>
+          <a:ext cx="0" cy="0"/>
+          <a:chOff x="0" y="0"/>
+          <a:chExt cx="0" cy="0"/>
+        </a:xfrm>
+      </p:grpSpPr>
+      <p:sp>
+        <p:nvSpPr>
+          <p:cNvPr id="2" name="Slide Image Placeholder 1"/>
+          <p:cNvSpPr>
+            <a:spLocks noGrp="1" noRot="1" noChangeAspect="1"/>
+          </p:cNvSpPr>
+          <p:nvPr>
+            <p:ph type="sldImg"/>
+          </p:nvPr>
+        </p:nvSpPr>
+        <p:spPr/>
+      </p:sp>
+      <p:sp>
+        <p:nvSpPr>
+          <p:cNvPr id="3" name="Notes Placeholder 2"/>
+          <p:cNvSpPr>
+            <a:spLocks noGrp="1"/>
+          </p:cNvSpPr>
+          <p:nvPr>
+            <p:ph type="body" idx="1"/>
+          </p:nvPr>
+        </p:nvSpPr>
+        <p:spPr/>
+        <p:txBody>
+          <a:bodyPr/>
+          <a:lstStyle/>
+          <a:p>
+            <a:r>
+              <a:rPr lang="en-US" sz="1920" b="0" i="0" kern="1200" dirty="0">
+                <a:solidFill>
+                  <a:schemeClr val="tx1"/>
+                </a:solidFill>
+                <a:effectLst/>
+                <a:latin typeface="Arial"/>
+                <a:ea typeface="+mn-ea"/>
+                <a:cs typeface="Arial"/>
+              </a:rPr>
+              <a:t>Main Process: This is responsible to send and receive request, transfer data between different windows, you can think of it as a central exchange for all the windows. All the memory management like creation and destruction of windows are handled here.</a:t>
+            </a:r>
+          </a:p>
+          <a:p>
+            <a:r>
+              <a:rPr lang="en-US" sz="1920" b="0" i="0" kern="1200" dirty="0">
+                <a:solidFill>
+                  <a:schemeClr val="tx1"/>
+                </a:solidFill>
+                <a:effectLst/>
+                <a:latin typeface="Arial"/>
+                <a:ea typeface="+mn-ea"/>
+                <a:cs typeface="Arial"/>
+              </a:rPr>
+              <a:t>exactly one main process aka “browser process”.</a:t>
+            </a:r>
+          </a:p>
+          <a:p>
+            <a:endParaRPr lang="en-US" sz="1920" b="0" i="0" kern="1200" dirty="0">
+              <a:solidFill>
+                <a:schemeClr val="tx1"/>
+              </a:solidFill>
+              <a:effectLst/>
+              <a:latin typeface="Arial"/>
+              <a:ea typeface="+mn-ea"/>
+              <a:cs typeface="Arial"/>
+            </a:endParaRPr>
+          </a:p>
+          <a:p>
+            <a:endParaRPr lang="en-US" sz="1920" b="0" i="0" kern="1200" dirty="0">
+              <a:solidFill>
+                <a:schemeClr val="tx1"/>
+              </a:solidFill>
+              <a:effectLst/>
+              <a:latin typeface="Arial"/>
+              <a:ea typeface="+mn-ea"/>
+              <a:cs typeface="Arial"/>
+            </a:endParaRPr>
+          </a:p>
+          <a:p>
+            <a:pPr marL="0" marR="0" lvl="0" indent="0" algn="l" defTabSz="731520" rtl="0" eaLnBrk="1" fontAlgn="auto" latinLnBrk="0" hangingPunct="1">
+              <a:lnSpc>
+                <a:spcPct val="100000"/>
+              </a:lnSpc>
+              <a:spcBef>
+                <a:spcPts val="0"/>
+              </a:spcBef>
+              <a:spcAft>
+                <a:spcPts val="0"/>
+              </a:spcAft>
+              <a:buClrTx/>
+              <a:buSzTx/>
+              <a:buFontTx/>
+              <a:buNone/>
+              <a:tabLst/>
+              <a:defRPr/>
+            </a:pPr>
+            <a:r>
+              <a:rPr lang="en-US" sz="1920" kern="1200" dirty="0">
+                <a:solidFill>
+                  <a:schemeClr val="tx1"/>
+                </a:solidFill>
+                <a:effectLst/>
+                <a:latin typeface="Arial"/>
+                <a:ea typeface="+mn-ea"/>
+                <a:cs typeface="Arial"/>
+              </a:rPr>
+              <a:t>Main: native menu and dialogs, auto update </a:t>
+            </a:r>
+            <a:r>
+              <a:rPr lang="en-US" sz="1920" kern="1200" dirty="0" err="1">
+                <a:solidFill>
+                  <a:schemeClr val="tx1"/>
+                </a:solidFill>
+                <a:effectLst/>
+                <a:latin typeface="Arial"/>
+                <a:ea typeface="+mn-ea"/>
+                <a:cs typeface="Arial"/>
+              </a:rPr>
+              <a:t>event,</a:t>
+            </a:r>
+            <a:r>
+              <a:rPr lang="en-US" sz="1920" b="0" i="0" kern="1200" dirty="0" err="1">
+                <a:solidFill>
+                  <a:schemeClr val="tx1"/>
+                </a:solidFill>
+                <a:effectLst/>
+                <a:latin typeface="Arial"/>
+                <a:ea typeface="+mn-ea"/>
+                <a:cs typeface="Arial"/>
+              </a:rPr>
+              <a:t>Creating</a:t>
+            </a:r>
+            <a:r>
+              <a:rPr lang="en-US" sz="1920" b="0" i="0" kern="1200" dirty="0">
+                <a:solidFill>
+                  <a:schemeClr val="tx1"/>
+                </a:solidFill>
+                <a:effectLst/>
+                <a:latin typeface="Arial"/>
+                <a:ea typeface="+mn-ea"/>
+                <a:cs typeface="Arial"/>
+              </a:rPr>
+              <a:t> renderer processes</a:t>
+            </a:r>
+            <a:r>
+              <a:rPr lang="en-US" sz="1920" kern="1200" dirty="0">
+                <a:solidFill>
+                  <a:schemeClr val="tx1"/>
+                </a:solidFill>
+                <a:effectLst/>
+                <a:latin typeface="Arial"/>
+                <a:ea typeface="+mn-ea"/>
+                <a:cs typeface="Arial"/>
+              </a:rPr>
+              <a:t> instances to run web pages</a:t>
+            </a:r>
+          </a:p>
+          <a:p>
+            <a:r>
+              <a:rPr lang="en-US" sz="1920" kern="1200" dirty="0">
+                <a:solidFill>
+                  <a:schemeClr val="tx1"/>
+                </a:solidFill>
+                <a:effectLst/>
+                <a:latin typeface="Arial"/>
+                <a:ea typeface="+mn-ea"/>
+                <a:cs typeface="Arial"/>
+              </a:rPr>
+              <a:t>Render: responsible for running the user-interface of your app</a:t>
+            </a:r>
+          </a:p>
+          <a:p>
+            <a:endParaRPr lang="en-US" dirty="0"/>
+          </a:p>
+        </p:txBody>
+      </p:sp>
+      <p:sp>
+        <p:nvSpPr>
+          <p:cNvPr id="4" name="Slide Number Placeholder 3"/>
+          <p:cNvSpPr>
+            <a:spLocks noGrp="1"/>
+          </p:cNvSpPr>
+          <p:nvPr>
+            <p:ph type="sldNum" sz="quarter" idx="10"/>
+          </p:nvPr>
+        </p:nvSpPr>
+        <p:spPr/>
+        <p:txBody>
+          <a:bodyPr/>
+          <a:lstStyle/>
+          <a:p>
+            <a:fld id="{7DE2E8FF-3D0C-9D4D-B4D1-3089215958A5}" type="slidenum">
+              <a:rPr lang="en-US" smtClean="0"/>
+              <a:pPr/>
+              <a:t>13</a:t>
             </a:fld>
             <a:endParaRPr lang="en-US"/>
           </a:p>
@@ -3249,7 +3489,7 @@
                   <a:spcPts val="0"/>
                 </a:spcBef>
               </a:pPr>
-              <a:t>February 12, 2019</a:t>
+              <a:t>February 13, 2019</a:t>
             </a:fld>
             <a:endParaRPr lang="en-US" sz="1400" b="0" dirty="0">
               <a:solidFill>
@@ -5099,7 +5339,7 @@
                   <a:spcPct val="50000"/>
                 </a:spcBef>
               </a:pPr>
-              <a:t>February 12, 2019</a:t>
+              <a:t>February 13, 2019</a:t>
             </a:fld>
             <a:endParaRPr lang="en-US" sz="1100" b="0" dirty="0">
               <a:solidFill>
@@ -8000,7 +8240,7 @@
                   <a:spcPts val="0"/>
                 </a:spcBef>
               </a:pPr>
-              <a:t>February 12, 2019</a:t>
+              <a:t>February 13, 2019</a:t>
             </a:fld>
             <a:endParaRPr lang="en-US" sz="1400" b="0" dirty="0">
               <a:solidFill>
@@ -9391,7 +9631,7 @@
                   <a:spcPts val="0"/>
                 </a:spcBef>
               </a:pPr>
-              <a:t>February 12, 2019</a:t>
+              <a:t>February 13, 2019</a:t>
             </a:fld>
             <a:endParaRPr lang="en-US" sz="1400" b="0" dirty="0">
               <a:solidFill>
@@ -10952,7 +11192,7 @@
                   <a:spcPts val="0"/>
                 </a:spcBef>
               </a:pPr>
-              <a:t>February 12, 2019</a:t>
+              <a:t>February 13, 2019</a:t>
             </a:fld>
             <a:endParaRPr lang="en-US" sz="1400" b="0" dirty="0">
               <a:solidFill>
@@ -12962,7 +13202,7 @@
                   <a:spcPts val="0"/>
                 </a:spcBef>
               </a:pPr>
-              <a:t>February 12, 2019</a:t>
+              <a:t>February 13, 2019</a:t>
             </a:fld>
             <a:endParaRPr lang="en-US" sz="1100" b="0" dirty="0">
               <a:solidFill>
@@ -13651,34 +13891,273 @@
           <a:p>
             <a:r>
               <a:rPr lang="en-US" dirty="0"/>
-              <a:t>Electron under the hood</a:t>
+              <a:t>installation and preference</a:t>
             </a:r>
           </a:p>
         </p:txBody>
       </p:sp>
       <p:sp>
         <p:nvSpPr>
-          <p:cNvPr id="10" name="Subtitle 9"/>
+          <p:cNvPr id="7" name="Content Placeholder 2">
+            <a:extLst>
+              <a:ext uri="{FF2B5EF4-FFF2-40B4-BE49-F238E27FC236}">
+                <a16:creationId xmlns:a16="http://schemas.microsoft.com/office/drawing/2014/main" id="{56891CAE-92E3-44D1-9A27-CD1EE1450C93}"/>
+              </a:ext>
+            </a:extLst>
+          </p:cNvPr>
           <p:cNvSpPr>
             <a:spLocks noGrp="1"/>
           </p:cNvSpPr>
           <p:nvPr>
-            <p:ph type="subTitle" idx="1"/>
+            <p:ph idx="1"/>
           </p:nvPr>
         </p:nvSpPr>
-        <p:spPr/>
+        <p:spPr>
+          <a:xfrm>
+            <a:off x="681318" y="1752600"/>
+            <a:ext cx="9300882" cy="5121275"/>
+          </a:xfrm>
+        </p:spPr>
         <p:txBody>
-          <a:bodyPr/>
+          <a:bodyPr>
+            <a:noAutofit/>
+          </a:bodyPr>
           <a:lstStyle/>
           <a:p>
-            <a:endParaRPr lang="en-US" dirty="0"/>
+            <a:r>
+              <a:rPr lang="en-US" dirty="0">
+                <a:latin typeface="+mj-lt"/>
+              </a:rPr>
+              <a:t>Prerequisites</a:t>
+            </a:r>
+          </a:p>
+          <a:p>
+            <a:pPr lvl="1"/>
+            <a:r>
+              <a:rPr lang="en-US" dirty="0" err="1"/>
+              <a:t>Nodejs</a:t>
+            </a:r>
+            <a:r>
+              <a:rPr lang="en-US" dirty="0"/>
+              <a:t> </a:t>
+            </a:r>
+            <a:endParaRPr lang="en-US" dirty="0">
+              <a:latin typeface="+mj-lt"/>
+            </a:endParaRPr>
+          </a:p>
+          <a:p>
+            <a:r>
+              <a:rPr lang="en-US" dirty="0">
+                <a:latin typeface="+mj-lt"/>
+              </a:rPr>
+              <a:t>Installing Electron</a:t>
+            </a:r>
+          </a:p>
+          <a:p>
+            <a:pPr lvl="1"/>
+            <a:r>
+              <a:rPr lang="en-US" dirty="0" err="1">
+                <a:latin typeface="+mj-lt"/>
+              </a:rPr>
+              <a:t>npm</a:t>
+            </a:r>
+            <a:r>
+              <a:rPr lang="en-US" dirty="0">
+                <a:latin typeface="+mj-lt"/>
+              </a:rPr>
+              <a:t> install electron –g</a:t>
+            </a:r>
+          </a:p>
+          <a:p>
+            <a:pPr lvl="1"/>
+            <a:r>
+              <a:rPr lang="en-US" dirty="0" err="1">
+                <a:latin typeface="+mj-lt"/>
+              </a:rPr>
+              <a:t>npm</a:t>
+            </a:r>
+            <a:r>
+              <a:rPr lang="en-US" dirty="0">
+                <a:latin typeface="+mj-lt"/>
+              </a:rPr>
+              <a:t> install electron --save-dev --save-exact</a:t>
+            </a:r>
+          </a:p>
+          <a:p>
+            <a:r>
+              <a:rPr lang="en-US" dirty="0">
+                <a:latin typeface="+mj-lt"/>
+              </a:rPr>
+              <a:t>Preference</a:t>
+            </a:r>
+          </a:p>
+          <a:p>
+            <a:pPr lvl="1"/>
+            <a:r>
+              <a:rPr lang="en-US" dirty="0" err="1">
+                <a:latin typeface="+mj-lt"/>
+              </a:rPr>
+              <a:t>npm</a:t>
+            </a:r>
+            <a:r>
+              <a:rPr lang="en-US" dirty="0">
+                <a:latin typeface="+mj-lt"/>
+              </a:rPr>
+              <a:t> install --save-dev </a:t>
+            </a:r>
+            <a:r>
+              <a:rPr lang="en-US" dirty="0" err="1">
+                <a:latin typeface="+mj-lt"/>
+              </a:rPr>
+              <a:t>devtron</a:t>
+            </a:r>
+            <a:endParaRPr lang="en-US" dirty="0">
+              <a:latin typeface="+mj-lt"/>
+            </a:endParaRPr>
+          </a:p>
+        </p:txBody>
+      </p:sp>
+      <p:sp>
+        <p:nvSpPr>
+          <p:cNvPr id="3" name="Rectangle 3"/>
+          <p:cNvSpPr>
+            <a:spLocks noChangeArrowheads="1"/>
+          </p:cNvSpPr>
+          <p:nvPr/>
+        </p:nvSpPr>
+        <p:spPr bwMode="auto">
+          <a:xfrm>
+            <a:off x="0" y="0"/>
+            <a:ext cx="14630400" cy="457200"/>
+          </a:xfrm>
+          <a:prstGeom prst="rect">
+            <a:avLst/>
+          </a:prstGeom>
+          <a:solidFill>
+            <a:srgbClr val="F7F7F7"/>
+          </a:solidFill>
+          <a:ln>
+            <a:noFill/>
+          </a:ln>
+          <a:effectLst/>
+          <a:extLst>
+            <a:ext uri="{91240B29-F687-4F45-9708-019B960494DF}">
+              <a14:hiddenLine xmlns:a14="http://schemas.microsoft.com/office/drawing/2010/main" w="9525">
+                <a:solidFill>
+                  <a:schemeClr val="tx1"/>
+                </a:solidFill>
+                <a:miter lim="800000"/>
+                <a:headEnd/>
+                <a:tailEnd/>
+              </a14:hiddenLine>
+            </a:ext>
+            <a:ext uri="{AF507438-7753-43E0-B8FC-AC1667EBCBE1}">
+              <a14:hiddenEffects xmlns:a14="http://schemas.microsoft.com/office/drawing/2010/main">
+                <a:effectLst>
+                  <a:outerShdw dist="35921" dir="2700000" algn="ctr" rotWithShape="0">
+                    <a:schemeClr val="bg2"/>
+                  </a:outerShdw>
+                </a:effectLst>
+              </a14:hiddenEffects>
+            </a:ext>
+          </a:extLst>
+        </p:spPr>
+        <p:txBody>
+          <a:bodyPr vert="horz" wrap="none" lIns="91440" tIns="0" rIns="91440" bIns="193614" numCol="1" anchor="ctr" anchorCtr="0" compatLnSpc="1">
+            <a:prstTxWarp prst="textNoShape">
+              <a:avLst/>
+            </a:prstTxWarp>
+            <a:spAutoFit/>
+          </a:bodyPr>
+          <a:lstStyle/>
+          <a:p>
+            <a:pPr marL="0" marR="0" lvl="0" indent="0" algn="l" defTabSz="914400" rtl="0" eaLnBrk="0" fontAlgn="base" latinLnBrk="0" hangingPunct="0">
+              <a:lnSpc>
+                <a:spcPct val="100000"/>
+              </a:lnSpc>
+              <a:spcBef>
+                <a:spcPct val="0"/>
+              </a:spcBef>
+              <a:spcAft>
+                <a:spcPct val="0"/>
+              </a:spcAft>
+              <a:buClrTx/>
+              <a:buSzTx/>
+              <a:buFontTx/>
+              <a:buNone/>
+              <a:tabLst/>
+            </a:pPr>
+            <a:r>
+              <a:rPr kumimoji="0" lang="en-US" altLang="en-US" sz="1000" b="0" i="0" u="none" strike="noStrike" cap="none" normalizeH="0" baseline="0">
+                <a:ln>
+                  <a:noFill/>
+                </a:ln>
+                <a:solidFill>
+                  <a:srgbClr val="000000"/>
+                </a:solidFill>
+                <a:effectLst/>
+                <a:latin typeface="Courier New" panose="02070309020205020404" pitchFamily="49" charset="0"/>
+                <a:ea typeface="Source Sans Pro"/>
+                <a:cs typeface="Courier New" panose="02070309020205020404" pitchFamily="49" charset="0"/>
+              </a:rPr>
+              <a:t>npm install --save-dev devtron</a:t>
+            </a:r>
+            <a:endParaRPr kumimoji="0" lang="en-US" altLang="en-US" sz="1400" b="0" i="0" u="none" strike="noStrike" cap="none" normalizeH="0" baseline="0">
+              <a:ln>
+                <a:noFill/>
+              </a:ln>
+              <a:solidFill>
+                <a:schemeClr val="tx1"/>
+              </a:solidFill>
+              <a:effectLst/>
+            </a:endParaRPr>
+          </a:p>
+          <a:p>
+            <a:pPr marL="0" marR="0" lvl="0" indent="0" algn="l" defTabSz="914400" rtl="0" eaLnBrk="0" fontAlgn="base" latinLnBrk="0" hangingPunct="0">
+              <a:lnSpc>
+                <a:spcPct val="100000"/>
+              </a:lnSpc>
+              <a:spcBef>
+                <a:spcPct val="0"/>
+              </a:spcBef>
+              <a:spcAft>
+                <a:spcPct val="0"/>
+              </a:spcAft>
+              <a:buClrTx/>
+              <a:buSzTx/>
+              <a:buFontTx/>
+              <a:buNone/>
+              <a:tabLst/>
+            </a:pPr>
+            <a:br>
+              <a:rPr kumimoji="0" lang="en-US" altLang="en-US" sz="1800" b="0" i="0" u="none" strike="noStrike" cap="none" normalizeH="0" baseline="0">
+                <a:ln>
+                  <a:noFill/>
+                </a:ln>
+                <a:solidFill>
+                  <a:schemeClr val="tx1"/>
+                </a:solidFill>
+                <a:effectLst/>
+                <a:latin typeface="Arial" panose="020B0604020202020204" pitchFamily="34" charset="0"/>
+              </a:rPr>
+            </a:br>
+            <a:endParaRPr kumimoji="0" lang="en-US" altLang="en-US" sz="1800" b="0" i="0" u="none" strike="noStrike" cap="none" normalizeH="0" baseline="0">
+              <a:ln>
+                <a:noFill/>
+              </a:ln>
+              <a:solidFill>
+                <a:schemeClr val="tx1"/>
+              </a:solidFill>
+              <a:effectLst/>
+              <a:latin typeface="Arial" panose="020B0604020202020204" pitchFamily="34" charset="0"/>
+            </a:endParaRPr>
           </a:p>
         </p:txBody>
       </p:sp>
     </p:spTree>
     <p:extLst>
       <p:ext uri="{BB962C8B-B14F-4D97-AF65-F5344CB8AC3E}">
-        <p14:creationId xmlns:p14="http://schemas.microsoft.com/office/powerpoint/2010/main" val="2169011245"/>
+        <p14:creationId xmlns:p14="http://schemas.microsoft.com/office/powerpoint/2010/main" val="2381936710"/>
       </p:ext>
     </p:extLst>
   </p:cSld>
@@ -13732,6 +14211,89 @@
           <a:bodyPr/>
           <a:lstStyle/>
           <a:p>
+            <a:r>
+              <a:rPr lang="en-US" dirty="0"/>
+              <a:t>Electron under the hood</a:t>
+            </a:r>
+          </a:p>
+        </p:txBody>
+      </p:sp>
+      <p:sp>
+        <p:nvSpPr>
+          <p:cNvPr id="10" name="Subtitle 9"/>
+          <p:cNvSpPr>
+            <a:spLocks noGrp="1"/>
+          </p:cNvSpPr>
+          <p:nvPr>
+            <p:ph type="subTitle" idx="1"/>
+          </p:nvPr>
+        </p:nvSpPr>
+        <p:spPr/>
+        <p:txBody>
+          <a:bodyPr/>
+          <a:lstStyle/>
+          <a:p>
+            <a:endParaRPr lang="en-US" dirty="0"/>
+          </a:p>
+        </p:txBody>
+      </p:sp>
+    </p:spTree>
+    <p:extLst>
+      <p:ext uri="{BB962C8B-B14F-4D97-AF65-F5344CB8AC3E}">
+        <p14:creationId xmlns:p14="http://schemas.microsoft.com/office/powerpoint/2010/main" val="2169011245"/>
+      </p:ext>
+    </p:extLst>
+  </p:cSld>
+  <p:clrMapOvr>
+    <a:masterClrMapping/>
+  </p:clrMapOvr>
+  <mc:AlternateContent xmlns:mc="http://schemas.openxmlformats.org/markup-compatibility/2006" xmlns:p14="http://schemas.microsoft.com/office/powerpoint/2010/main">
+    <mc:Choice Requires="p14">
+      <p:transition spd="med" p14:dur="700">
+        <p:fade/>
+      </p:transition>
+    </mc:Choice>
+    <mc:Fallback xmlns="">
+      <p:transition spd="med">
+        <p:fade/>
+      </p:transition>
+    </mc:Fallback>
+  </mc:AlternateContent>
+</p:sld>
+</file>
+
+<file path=ppt/slides/slide12.xml><?xml version="1.0" encoding="utf-8"?>
+<p:sld xmlns:a="http://schemas.openxmlformats.org/drawingml/2006/main" xmlns:r="http://schemas.openxmlformats.org/officeDocument/2006/relationships" xmlns:p="http://schemas.openxmlformats.org/presentationml/2006/main">
+  <p:cSld>
+    <p:spTree>
+      <p:nvGrpSpPr>
+        <p:cNvPr id="1" name=""/>
+        <p:cNvGrpSpPr/>
+        <p:nvPr/>
+      </p:nvGrpSpPr>
+      <p:grpSpPr>
+        <a:xfrm>
+          <a:off x="0" y="0"/>
+          <a:ext cx="0" cy="0"/>
+          <a:chOff x="0" y="0"/>
+          <a:chExt cx="0" cy="0"/>
+        </a:xfrm>
+      </p:grpSpPr>
+      <p:sp>
+        <p:nvSpPr>
+          <p:cNvPr id="5" name="Title 4"/>
+          <p:cNvSpPr>
+            <a:spLocks noGrp="1"/>
+          </p:cNvSpPr>
+          <p:nvPr>
+            <p:ph type="title"/>
+          </p:nvPr>
+        </p:nvSpPr>
+        <p:spPr/>
+        <p:txBody>
+          <a:bodyPr/>
+          <a:lstStyle/>
+          <a:p>
             <a:endParaRPr lang="en-US" dirty="0"/>
           </a:p>
         </p:txBody>
@@ -13804,7 +14366,7 @@
 </p:sld>
 </file>
 
-<file path=ppt/slides/slide12.xml><?xml version="1.0" encoding="utf-8"?>
+<file path=ppt/slides/slide13.xml><?xml version="1.0" encoding="utf-8"?>
 <p:sld xmlns:a="http://schemas.openxmlformats.org/drawingml/2006/main" xmlns:r="http://schemas.openxmlformats.org/officeDocument/2006/relationships" xmlns:p="http://schemas.openxmlformats.org/presentationml/2006/main">
   <p:cSld>
     <p:spTree>
@@ -13897,130 +14459,6 @@
 </p:sld>
 </file>
 
-<file path=ppt/slides/slide13.xml><?xml version="1.0" encoding="utf-8"?>
-<p:sld xmlns:a="http://schemas.openxmlformats.org/drawingml/2006/main" xmlns:r="http://schemas.openxmlformats.org/officeDocument/2006/relationships" xmlns:p="http://schemas.openxmlformats.org/presentationml/2006/main">
-  <p:cSld>
-    <p:spTree>
-      <p:nvGrpSpPr>
-        <p:cNvPr id="1" name=""/>
-        <p:cNvGrpSpPr/>
-        <p:nvPr/>
-      </p:nvGrpSpPr>
-      <p:grpSpPr>
-        <a:xfrm>
-          <a:off x="0" y="0"/>
-          <a:ext cx="0" cy="0"/>
-          <a:chOff x="0" y="0"/>
-          <a:chExt cx="0" cy="0"/>
-        </a:xfrm>
-      </p:grpSpPr>
-      <p:sp>
-        <p:nvSpPr>
-          <p:cNvPr id="5" name="Title 4"/>
-          <p:cNvSpPr>
-            <a:spLocks noGrp="1"/>
-          </p:cNvSpPr>
-          <p:nvPr>
-            <p:ph type="title"/>
-          </p:nvPr>
-        </p:nvSpPr>
-        <p:spPr/>
-        <p:txBody>
-          <a:bodyPr/>
-          <a:lstStyle/>
-          <a:p>
-            <a:r>
-              <a:rPr lang="en-US" b="0" dirty="0"/>
-              <a:t>Greeting the world</a:t>
-            </a:r>
-          </a:p>
-        </p:txBody>
-      </p:sp>
-      <p:sp>
-        <p:nvSpPr>
-          <p:cNvPr id="10" name="Subtitle 9"/>
-          <p:cNvSpPr>
-            <a:spLocks noGrp="1"/>
-          </p:cNvSpPr>
-          <p:nvPr>
-            <p:ph type="subTitle" idx="1"/>
-          </p:nvPr>
-        </p:nvSpPr>
-        <p:spPr/>
-        <p:txBody>
-          <a:bodyPr/>
-          <a:lstStyle/>
-          <a:p>
-            <a:endParaRPr lang="en-US" dirty="0"/>
-          </a:p>
-        </p:txBody>
-      </p:sp>
-      <p:sp>
-        <p:nvSpPr>
-          <p:cNvPr id="2" name="Rectangle 1">
-            <a:extLst>
-              <a:ext uri="{FF2B5EF4-FFF2-40B4-BE49-F238E27FC236}">
-                <a16:creationId xmlns:a16="http://schemas.microsoft.com/office/drawing/2014/main" id="{AF72AEEC-90DC-4748-BDCC-9F30B5F0D00B}"/>
-              </a:ext>
-            </a:extLst>
-          </p:cNvPr>
-          <p:cNvSpPr/>
-          <p:nvPr/>
-        </p:nvSpPr>
-        <p:spPr>
-          <a:xfrm>
-            <a:off x="3657600" y="3403836"/>
-            <a:ext cx="7315200" cy="1421928"/>
-          </a:xfrm>
-          <a:prstGeom prst="rect">
-            <a:avLst/>
-          </a:prstGeom>
-        </p:spPr>
-        <p:txBody>
-          <a:bodyPr>
-            <a:spAutoFit/>
-          </a:bodyPr>
-          <a:lstStyle/>
-          <a:p>
-            <a:r>
-              <a:rPr lang="en-US" dirty="0"/>
-              <a:t>Greeting the world</a:t>
-            </a:r>
-            <a:br>
-              <a:rPr lang="en-US" dirty="0"/>
-            </a:br>
-            <a:br>
-              <a:rPr lang="en-US" dirty="0"/>
-            </a:br>
-            <a:endParaRPr lang="en-US" dirty="0"/>
-          </a:p>
-        </p:txBody>
-      </p:sp>
-    </p:spTree>
-    <p:extLst>
-      <p:ext uri="{BB962C8B-B14F-4D97-AF65-F5344CB8AC3E}">
-        <p14:creationId xmlns:p14="http://schemas.microsoft.com/office/powerpoint/2010/main" val="1852140378"/>
-      </p:ext>
-    </p:extLst>
-  </p:cSld>
-  <p:clrMapOvr>
-    <a:masterClrMapping/>
-  </p:clrMapOvr>
-  <mc:AlternateContent xmlns:mc="http://schemas.openxmlformats.org/markup-compatibility/2006" xmlns:p14="http://schemas.microsoft.com/office/powerpoint/2010/main">
-    <mc:Choice Requires="p14">
-      <p:transition spd="med" p14:dur="700">
-        <p:fade/>
-      </p:transition>
-    </mc:Choice>
-    <mc:Fallback xmlns="">
-      <p:transition spd="med">
-        <p:fade/>
-      </p:transition>
-    </mc:Fallback>
-  </mc:AlternateContent>
-</p:sld>
-</file>
-
 <file path=ppt/slides/slide14.xml><?xml version="1.0" encoding="utf-8"?>
 <p:sld xmlns:a="http://schemas.openxmlformats.org/drawingml/2006/main" xmlns:r="http://schemas.openxmlformats.org/officeDocument/2006/relationships" xmlns:p="http://schemas.openxmlformats.org/presentationml/2006/main">
   <p:cSld>
@@ -14055,7 +14493,7 @@
           <a:p>
             <a:r>
               <a:rPr lang="en-US" b="0" dirty="0"/>
-              <a:t>Demo main and Renderer Process</a:t>
+              <a:t>Greeting the world</a:t>
             </a:r>
           </a:p>
         </p:txBody>
@@ -14079,10 +14517,51 @@
           </a:p>
         </p:txBody>
       </p:sp>
+      <p:sp>
+        <p:nvSpPr>
+          <p:cNvPr id="2" name="Rectangle 1">
+            <a:extLst>
+              <a:ext uri="{FF2B5EF4-FFF2-40B4-BE49-F238E27FC236}">
+                <a16:creationId xmlns:a16="http://schemas.microsoft.com/office/drawing/2014/main" id="{AF72AEEC-90DC-4748-BDCC-9F30B5F0D00B}"/>
+              </a:ext>
+            </a:extLst>
+          </p:cNvPr>
+          <p:cNvSpPr/>
+          <p:nvPr/>
+        </p:nvSpPr>
+        <p:spPr>
+          <a:xfrm>
+            <a:off x="3657600" y="3403836"/>
+            <a:ext cx="7315200" cy="1421928"/>
+          </a:xfrm>
+          <a:prstGeom prst="rect">
+            <a:avLst/>
+          </a:prstGeom>
+        </p:spPr>
+        <p:txBody>
+          <a:bodyPr>
+            <a:spAutoFit/>
+          </a:bodyPr>
+          <a:lstStyle/>
+          <a:p>
+            <a:r>
+              <a:rPr lang="en-US" dirty="0"/>
+              <a:t>Greeting the world</a:t>
+            </a:r>
+            <a:br>
+              <a:rPr lang="en-US" dirty="0"/>
+            </a:br>
+            <a:br>
+              <a:rPr lang="en-US" dirty="0"/>
+            </a:br>
+            <a:endParaRPr lang="en-US" dirty="0"/>
+          </a:p>
+        </p:txBody>
+      </p:sp>
     </p:spTree>
     <p:extLst>
       <p:ext uri="{BB962C8B-B14F-4D97-AF65-F5344CB8AC3E}">
-        <p14:creationId xmlns:p14="http://schemas.microsoft.com/office/powerpoint/2010/main" val="1431418592"/>
+        <p14:creationId xmlns:p14="http://schemas.microsoft.com/office/powerpoint/2010/main" val="1852140378"/>
       </p:ext>
     </p:extLst>
   </p:cSld>
@@ -14123,6 +14602,632 @@
       </p:grpSpPr>
       <p:sp>
         <p:nvSpPr>
+          <p:cNvPr id="5" name="Title 4"/>
+          <p:cNvSpPr>
+            <a:spLocks noGrp="1"/>
+          </p:cNvSpPr>
+          <p:nvPr>
+            <p:ph type="title"/>
+          </p:nvPr>
+        </p:nvSpPr>
+        <p:spPr/>
+        <p:txBody>
+          <a:bodyPr/>
+          <a:lstStyle/>
+          <a:p>
+            <a:r>
+              <a:rPr lang="en-US" b="0" dirty="0"/>
+              <a:t>Demo Main and Renderer Process</a:t>
+            </a:r>
+          </a:p>
+        </p:txBody>
+      </p:sp>
+      <p:sp>
+        <p:nvSpPr>
+          <p:cNvPr id="10" name="Subtitle 9"/>
+          <p:cNvSpPr>
+            <a:spLocks noGrp="1"/>
+          </p:cNvSpPr>
+          <p:nvPr>
+            <p:ph type="subTitle" idx="1"/>
+          </p:nvPr>
+        </p:nvSpPr>
+        <p:spPr/>
+        <p:txBody>
+          <a:bodyPr/>
+          <a:lstStyle/>
+          <a:p>
+            <a:endParaRPr lang="en-US" dirty="0"/>
+          </a:p>
+        </p:txBody>
+      </p:sp>
+    </p:spTree>
+    <p:extLst>
+      <p:ext uri="{BB962C8B-B14F-4D97-AF65-F5344CB8AC3E}">
+        <p14:creationId xmlns:p14="http://schemas.microsoft.com/office/powerpoint/2010/main" val="1431418592"/>
+      </p:ext>
+    </p:extLst>
+  </p:cSld>
+  <p:clrMapOvr>
+    <a:masterClrMapping/>
+  </p:clrMapOvr>
+  <mc:AlternateContent xmlns:mc="http://schemas.openxmlformats.org/markup-compatibility/2006" xmlns:p14="http://schemas.microsoft.com/office/powerpoint/2010/main">
+    <mc:Choice Requires="p14">
+      <p:transition spd="med" p14:dur="700">
+        <p:fade/>
+      </p:transition>
+    </mc:Choice>
+    <mc:Fallback xmlns="">
+      <p:transition spd="med">
+        <p:fade/>
+      </p:transition>
+    </mc:Fallback>
+  </mc:AlternateContent>
+</p:sld>
+</file>
+
+<file path=ppt/slides/slide16.xml><?xml version="1.0" encoding="utf-8"?>
+<p:sld xmlns:a="http://schemas.openxmlformats.org/drawingml/2006/main" xmlns:r="http://schemas.openxmlformats.org/officeDocument/2006/relationships" xmlns:p="http://schemas.openxmlformats.org/presentationml/2006/main">
+  <p:cSld>
+    <p:spTree>
+      <p:nvGrpSpPr>
+        <p:cNvPr id="1" name=""/>
+        <p:cNvGrpSpPr/>
+        <p:nvPr/>
+      </p:nvGrpSpPr>
+      <p:grpSpPr>
+        <a:xfrm>
+          <a:off x="0" y="0"/>
+          <a:ext cx="0" cy="0"/>
+          <a:chOff x="0" y="0"/>
+          <a:chExt cx="0" cy="0"/>
+        </a:xfrm>
+      </p:grpSpPr>
+      <p:sp>
+        <p:nvSpPr>
+          <p:cNvPr id="5" name="Title 4"/>
+          <p:cNvSpPr>
+            <a:spLocks noGrp="1"/>
+          </p:cNvSpPr>
+          <p:nvPr>
+            <p:ph type="title"/>
+          </p:nvPr>
+        </p:nvSpPr>
+        <p:spPr/>
+        <p:txBody>
+          <a:bodyPr/>
+          <a:lstStyle/>
+          <a:p>
+            <a:r>
+              <a:rPr lang="en-US" b="0" dirty="0"/>
+              <a:t>IPC</a:t>
+            </a:r>
+          </a:p>
+        </p:txBody>
+      </p:sp>
+      <p:sp>
+        <p:nvSpPr>
+          <p:cNvPr id="10" name="Subtitle 9"/>
+          <p:cNvSpPr>
+            <a:spLocks noGrp="1"/>
+          </p:cNvSpPr>
+          <p:nvPr>
+            <p:ph type="subTitle" idx="1"/>
+          </p:nvPr>
+        </p:nvSpPr>
+        <p:spPr/>
+        <p:txBody>
+          <a:bodyPr/>
+          <a:lstStyle/>
+          <a:p>
+            <a:endParaRPr lang="en-US" dirty="0"/>
+          </a:p>
+        </p:txBody>
+      </p:sp>
+    </p:spTree>
+    <p:extLst>
+      <p:ext uri="{BB962C8B-B14F-4D97-AF65-F5344CB8AC3E}">
+        <p14:creationId xmlns:p14="http://schemas.microsoft.com/office/powerpoint/2010/main" val="3440344944"/>
+      </p:ext>
+    </p:extLst>
+  </p:cSld>
+  <p:clrMapOvr>
+    <a:masterClrMapping/>
+  </p:clrMapOvr>
+  <mc:AlternateContent xmlns:mc="http://schemas.openxmlformats.org/markup-compatibility/2006" xmlns:p14="http://schemas.microsoft.com/office/powerpoint/2010/main">
+    <mc:Choice Requires="p14">
+      <p:transition spd="med" p14:dur="700">
+        <p:fade/>
+      </p:transition>
+    </mc:Choice>
+    <mc:Fallback xmlns="">
+      <p:transition spd="med">
+        <p:fade/>
+      </p:transition>
+    </mc:Fallback>
+  </mc:AlternateContent>
+</p:sld>
+</file>
+
+<file path=ppt/slides/slide17.xml><?xml version="1.0" encoding="utf-8"?>
+<p:sld xmlns:a="http://schemas.openxmlformats.org/drawingml/2006/main" xmlns:r="http://schemas.openxmlformats.org/officeDocument/2006/relationships" xmlns:p="http://schemas.openxmlformats.org/presentationml/2006/main">
+  <p:cSld>
+    <p:spTree>
+      <p:nvGrpSpPr>
+        <p:cNvPr id="1" name=""/>
+        <p:cNvGrpSpPr/>
+        <p:nvPr/>
+      </p:nvGrpSpPr>
+      <p:grpSpPr>
+        <a:xfrm>
+          <a:off x="0" y="0"/>
+          <a:ext cx="0" cy="0"/>
+          <a:chOff x="0" y="0"/>
+          <a:chExt cx="0" cy="0"/>
+        </a:xfrm>
+      </p:grpSpPr>
+      <p:sp>
+        <p:nvSpPr>
+          <p:cNvPr id="5" name="Title 4"/>
+          <p:cNvSpPr>
+            <a:spLocks noGrp="1"/>
+          </p:cNvSpPr>
+          <p:nvPr>
+            <p:ph type="title"/>
+          </p:nvPr>
+        </p:nvSpPr>
+        <p:spPr/>
+        <p:txBody>
+          <a:bodyPr/>
+          <a:lstStyle/>
+          <a:p>
+            <a:r>
+              <a:rPr lang="en-US" dirty="0"/>
+              <a:t>Sync IPC</a:t>
+            </a:r>
+          </a:p>
+        </p:txBody>
+      </p:sp>
+      <p:sp>
+        <p:nvSpPr>
+          <p:cNvPr id="7" name="Content Placeholder 2">
+            <a:extLst>
+              <a:ext uri="{FF2B5EF4-FFF2-40B4-BE49-F238E27FC236}">
+                <a16:creationId xmlns:a16="http://schemas.microsoft.com/office/drawing/2014/main" id="{56891CAE-92E3-44D1-9A27-CD1EE1450C93}"/>
+              </a:ext>
+            </a:extLst>
+          </p:cNvPr>
+          <p:cNvSpPr>
+            <a:spLocks noGrp="1"/>
+          </p:cNvSpPr>
+          <p:nvPr>
+            <p:ph idx="1"/>
+          </p:nvPr>
+        </p:nvSpPr>
+        <p:spPr>
+          <a:xfrm>
+            <a:off x="681318" y="1752600"/>
+            <a:ext cx="9300882" cy="5121275"/>
+          </a:xfrm>
+        </p:spPr>
+        <p:txBody>
+          <a:bodyPr>
+            <a:noAutofit/>
+          </a:bodyPr>
+          <a:lstStyle/>
+          <a:p>
+            <a:pPr marL="0" indent="0">
+              <a:buNone/>
+            </a:pPr>
+            <a:r>
+              <a:rPr lang="en-US" dirty="0">
+                <a:latin typeface="+mj-lt"/>
+              </a:rPr>
+              <a:t>Main process:</a:t>
+            </a:r>
+          </a:p>
+          <a:p>
+            <a:pPr marL="228600" lvl="1" indent="0">
+              <a:buNone/>
+            </a:pPr>
+            <a:r>
+              <a:rPr lang="en-US" dirty="0" err="1"/>
+              <a:t>ipc.on</a:t>
+            </a:r>
+            <a:r>
+              <a:rPr lang="en-US" dirty="0"/>
+              <a:t>('sync-message', function (event, </a:t>
+            </a:r>
+            <a:r>
+              <a:rPr lang="en-US" dirty="0" err="1"/>
+              <a:t>arg</a:t>
+            </a:r>
+            <a:r>
+              <a:rPr lang="en-US" dirty="0"/>
+              <a:t>) {</a:t>
+            </a:r>
+          </a:p>
+          <a:p>
+            <a:pPr marL="228600" lvl="1" indent="0">
+              <a:buNone/>
+            </a:pPr>
+            <a:r>
+              <a:rPr lang="en-US" dirty="0"/>
+              <a:t>  </a:t>
+            </a:r>
+            <a:r>
+              <a:rPr lang="en-US" dirty="0" err="1"/>
+              <a:t>event.returnValue</a:t>
+            </a:r>
+            <a:r>
+              <a:rPr lang="en-US" dirty="0"/>
+              <a:t> = 'sync-reply';</a:t>
+            </a:r>
+          </a:p>
+          <a:p>
+            <a:pPr marL="228600" lvl="1" indent="0">
+              <a:buNone/>
+            </a:pPr>
+            <a:r>
+              <a:rPr lang="en-US" dirty="0"/>
+              <a:t>})</a:t>
+            </a:r>
+            <a:endParaRPr lang="en-US" dirty="0">
+              <a:latin typeface="+mj-lt"/>
+            </a:endParaRPr>
+          </a:p>
+          <a:p>
+            <a:pPr marL="0" indent="0">
+              <a:buNone/>
+            </a:pPr>
+            <a:r>
+              <a:rPr lang="en-US" dirty="0">
+                <a:latin typeface="+mj-lt"/>
+              </a:rPr>
+              <a:t>Render process:</a:t>
+            </a:r>
+          </a:p>
+          <a:p>
+            <a:pPr marL="228600" lvl="1" indent="0">
+              <a:buNone/>
+            </a:pPr>
+            <a:r>
+              <a:rPr lang="en-US" dirty="0" err="1">
+                <a:latin typeface="+mj-lt"/>
+              </a:rPr>
+              <a:t>syncBtn.addEventListener</a:t>
+            </a:r>
+            <a:r>
+              <a:rPr lang="en-US" dirty="0">
+                <a:latin typeface="+mj-lt"/>
+              </a:rPr>
+              <a:t>('click', () =&gt; {</a:t>
+            </a:r>
+          </a:p>
+          <a:p>
+            <a:pPr marL="228600" lvl="1" indent="0">
+              <a:buNone/>
+            </a:pPr>
+            <a:r>
+              <a:rPr lang="en-US" dirty="0">
+                <a:latin typeface="+mj-lt"/>
+              </a:rPr>
+              <a:t>    console.log('sync </a:t>
+            </a:r>
+            <a:r>
+              <a:rPr lang="en-US" dirty="0" err="1">
+                <a:latin typeface="+mj-lt"/>
+              </a:rPr>
+              <a:t>msg</a:t>
+            </a:r>
+            <a:r>
+              <a:rPr lang="en-US" dirty="0">
+                <a:latin typeface="+mj-lt"/>
+              </a:rPr>
+              <a:t> 1')</a:t>
+            </a:r>
+          </a:p>
+          <a:p>
+            <a:pPr marL="228600" lvl="1" indent="0">
+              <a:buNone/>
+            </a:pPr>
+            <a:r>
+              <a:rPr lang="en-US" dirty="0">
+                <a:latin typeface="+mj-lt"/>
+              </a:rPr>
+              <a:t>    </a:t>
+            </a:r>
+            <a:r>
+              <a:rPr lang="en-US" dirty="0" err="1">
+                <a:latin typeface="+mj-lt"/>
+              </a:rPr>
+              <a:t>const</a:t>
+            </a:r>
+            <a:r>
+              <a:rPr lang="en-US" dirty="0">
+                <a:latin typeface="+mj-lt"/>
+              </a:rPr>
+              <a:t> reply = </a:t>
+            </a:r>
+            <a:r>
+              <a:rPr lang="en-US" dirty="0" err="1">
+                <a:latin typeface="+mj-lt"/>
+              </a:rPr>
+              <a:t>ipc.sendSync</a:t>
+            </a:r>
+            <a:r>
+              <a:rPr lang="en-US" dirty="0">
+                <a:latin typeface="+mj-lt"/>
+              </a:rPr>
+              <a:t>('sync-message');</a:t>
+            </a:r>
+          </a:p>
+          <a:p>
+            <a:pPr marL="228600" lvl="1" indent="0">
+              <a:buNone/>
+            </a:pPr>
+            <a:r>
+              <a:rPr lang="en-US" dirty="0">
+                <a:latin typeface="+mj-lt"/>
+              </a:rPr>
+              <a:t>    console.log(reply);</a:t>
+            </a:r>
+          </a:p>
+          <a:p>
+            <a:pPr marL="228600" lvl="1" indent="0">
+              <a:buNone/>
+            </a:pPr>
+            <a:r>
+              <a:rPr lang="en-US" dirty="0">
+                <a:latin typeface="+mj-lt"/>
+              </a:rPr>
+              <a:t>    console.log('sync </a:t>
+            </a:r>
+            <a:r>
+              <a:rPr lang="en-US" dirty="0" err="1">
+                <a:latin typeface="+mj-lt"/>
+              </a:rPr>
+              <a:t>msg</a:t>
+            </a:r>
+            <a:r>
+              <a:rPr lang="en-US" dirty="0">
+                <a:latin typeface="+mj-lt"/>
+              </a:rPr>
+              <a:t> 2')  </a:t>
+            </a:r>
+          </a:p>
+          <a:p>
+            <a:pPr marL="228600" lvl="1" indent="0">
+              <a:buNone/>
+            </a:pPr>
+            <a:r>
+              <a:rPr lang="en-US" dirty="0">
+                <a:latin typeface="+mj-lt"/>
+              </a:rPr>
+              <a:t>})</a:t>
+            </a:r>
+          </a:p>
+          <a:p>
+            <a:pPr marL="0" indent="0">
+              <a:buNone/>
+            </a:pPr>
+            <a:r>
+              <a:rPr lang="en-US" dirty="0">
+                <a:latin typeface="+mj-lt"/>
+              </a:rPr>
+              <a:t>	</a:t>
+            </a:r>
+          </a:p>
+          <a:p>
+            <a:pPr marL="0" indent="0">
+              <a:buNone/>
+            </a:pPr>
+            <a:endParaRPr lang="en-US" dirty="0">
+              <a:latin typeface="+mj-lt"/>
+            </a:endParaRPr>
+          </a:p>
+          <a:p>
+            <a:pPr marL="228600" lvl="1" indent="0">
+              <a:buNone/>
+            </a:pPr>
+            <a:r>
+              <a:rPr lang="en-US" dirty="0">
+                <a:latin typeface="+mj-lt"/>
+              </a:rPr>
+              <a:t>	</a:t>
+            </a:r>
+          </a:p>
+          <a:p>
+            <a:pPr marL="228600" lvl="1" indent="0">
+              <a:buNone/>
+            </a:pPr>
+            <a:endParaRPr lang="en-US" dirty="0">
+              <a:latin typeface="+mj-lt"/>
+            </a:endParaRPr>
+          </a:p>
+        </p:txBody>
+      </p:sp>
+      <p:sp>
+        <p:nvSpPr>
+          <p:cNvPr id="3" name="Rectangle 3"/>
+          <p:cNvSpPr>
+            <a:spLocks noChangeArrowheads="1"/>
+          </p:cNvSpPr>
+          <p:nvPr/>
+        </p:nvSpPr>
+        <p:spPr bwMode="auto">
+          <a:xfrm>
+            <a:off x="0" y="0"/>
+            <a:ext cx="14630400" cy="457200"/>
+          </a:xfrm>
+          <a:prstGeom prst="rect">
+            <a:avLst/>
+          </a:prstGeom>
+          <a:solidFill>
+            <a:srgbClr val="F7F7F7"/>
+          </a:solidFill>
+          <a:ln>
+            <a:noFill/>
+          </a:ln>
+          <a:effectLst/>
+          <a:extLst>
+            <a:ext uri="{91240B29-F687-4F45-9708-019B960494DF}">
+              <a14:hiddenLine xmlns:a14="http://schemas.microsoft.com/office/drawing/2010/main" w="9525">
+                <a:solidFill>
+                  <a:schemeClr val="tx1"/>
+                </a:solidFill>
+                <a:miter lim="800000"/>
+                <a:headEnd/>
+                <a:tailEnd/>
+              </a14:hiddenLine>
+            </a:ext>
+            <a:ext uri="{AF507438-7753-43E0-B8FC-AC1667EBCBE1}">
+              <a14:hiddenEffects xmlns:a14="http://schemas.microsoft.com/office/drawing/2010/main">
+                <a:effectLst>
+                  <a:outerShdw dist="35921" dir="2700000" algn="ctr" rotWithShape="0">
+                    <a:schemeClr val="bg2"/>
+                  </a:outerShdw>
+                </a:effectLst>
+              </a14:hiddenEffects>
+            </a:ext>
+          </a:extLst>
+        </p:spPr>
+        <p:txBody>
+          <a:bodyPr vert="horz" wrap="none" lIns="91440" tIns="0" rIns="91440" bIns="193614" numCol="1" anchor="ctr" anchorCtr="0" compatLnSpc="1">
+            <a:prstTxWarp prst="textNoShape">
+              <a:avLst/>
+            </a:prstTxWarp>
+            <a:spAutoFit/>
+          </a:bodyPr>
+          <a:lstStyle/>
+          <a:p>
+            <a:pPr marL="0" marR="0" lvl="0" indent="0" algn="l" defTabSz="914400" rtl="0" eaLnBrk="0" fontAlgn="base" latinLnBrk="0" hangingPunct="0">
+              <a:lnSpc>
+                <a:spcPct val="100000"/>
+              </a:lnSpc>
+              <a:spcBef>
+                <a:spcPct val="0"/>
+              </a:spcBef>
+              <a:spcAft>
+                <a:spcPct val="0"/>
+              </a:spcAft>
+              <a:buClrTx/>
+              <a:buSzTx/>
+              <a:buFontTx/>
+              <a:buNone/>
+              <a:tabLst/>
+            </a:pPr>
+            <a:r>
+              <a:rPr kumimoji="0" lang="en-US" altLang="en-US" sz="1000" b="0" i="0" u="none" strike="noStrike" cap="none" normalizeH="0" baseline="0">
+                <a:ln>
+                  <a:noFill/>
+                </a:ln>
+                <a:solidFill>
+                  <a:srgbClr val="000000"/>
+                </a:solidFill>
+                <a:effectLst/>
+                <a:latin typeface="Courier New" panose="02070309020205020404" pitchFamily="49" charset="0"/>
+                <a:ea typeface="Source Sans Pro"/>
+                <a:cs typeface="Courier New" panose="02070309020205020404" pitchFamily="49" charset="0"/>
+              </a:rPr>
+              <a:t>npm install --save-dev devtron</a:t>
+            </a:r>
+            <a:endParaRPr kumimoji="0" lang="en-US" altLang="en-US" sz="1400" b="0" i="0" u="none" strike="noStrike" cap="none" normalizeH="0" baseline="0">
+              <a:ln>
+                <a:noFill/>
+              </a:ln>
+              <a:solidFill>
+                <a:schemeClr val="tx1"/>
+              </a:solidFill>
+              <a:effectLst/>
+            </a:endParaRPr>
+          </a:p>
+          <a:p>
+            <a:pPr marL="0" marR="0" lvl="0" indent="0" algn="l" defTabSz="914400" rtl="0" eaLnBrk="0" fontAlgn="base" latinLnBrk="0" hangingPunct="0">
+              <a:lnSpc>
+                <a:spcPct val="100000"/>
+              </a:lnSpc>
+              <a:spcBef>
+                <a:spcPct val="0"/>
+              </a:spcBef>
+              <a:spcAft>
+                <a:spcPct val="0"/>
+              </a:spcAft>
+              <a:buClrTx/>
+              <a:buSzTx/>
+              <a:buFontTx/>
+              <a:buNone/>
+              <a:tabLst/>
+            </a:pPr>
+            <a:br>
+              <a:rPr kumimoji="0" lang="en-US" altLang="en-US" sz="1800" b="0" i="0" u="none" strike="noStrike" cap="none" normalizeH="0" baseline="0">
+                <a:ln>
+                  <a:noFill/>
+                </a:ln>
+                <a:solidFill>
+                  <a:schemeClr val="tx1"/>
+                </a:solidFill>
+                <a:effectLst/>
+                <a:latin typeface="Arial" panose="020B0604020202020204" pitchFamily="34" charset="0"/>
+              </a:rPr>
+            </a:br>
+            <a:endParaRPr kumimoji="0" lang="en-US" altLang="en-US" sz="1800" b="0" i="0" u="none" strike="noStrike" cap="none" normalizeH="0" baseline="0">
+              <a:ln>
+                <a:noFill/>
+              </a:ln>
+              <a:solidFill>
+                <a:schemeClr val="tx1"/>
+              </a:solidFill>
+              <a:effectLst/>
+              <a:latin typeface="Arial" panose="020B0604020202020204" pitchFamily="34" charset="0"/>
+            </a:endParaRPr>
+          </a:p>
+        </p:txBody>
+      </p:sp>
+    </p:spTree>
+    <p:extLst>
+      <p:ext uri="{BB962C8B-B14F-4D97-AF65-F5344CB8AC3E}">
+        <p14:creationId xmlns:p14="http://schemas.microsoft.com/office/powerpoint/2010/main" val="1879315639"/>
+      </p:ext>
+    </p:extLst>
+  </p:cSld>
+  <p:clrMapOvr>
+    <a:masterClrMapping/>
+  </p:clrMapOvr>
+  <mc:AlternateContent xmlns:mc="http://schemas.openxmlformats.org/markup-compatibility/2006" xmlns:p14="http://schemas.microsoft.com/office/powerpoint/2010/main">
+    <mc:Choice Requires="p14">
+      <p:transition spd="med" p14:dur="700">
+        <p:fade/>
+      </p:transition>
+    </mc:Choice>
+    <mc:Fallback xmlns="">
+      <p:transition spd="med">
+        <p:fade/>
+      </p:transition>
+    </mc:Fallback>
+  </mc:AlternateContent>
+</p:sld>
+</file>
+
+<file path=ppt/slides/slide18.xml><?xml version="1.0" encoding="utf-8"?>
+<p:sld xmlns:a="http://schemas.openxmlformats.org/drawingml/2006/main" xmlns:r="http://schemas.openxmlformats.org/officeDocument/2006/relationships" xmlns:p="http://schemas.openxmlformats.org/presentationml/2006/main">
+  <p:cSld>
+    <p:spTree>
+      <p:nvGrpSpPr>
+        <p:cNvPr id="1" name=""/>
+        <p:cNvGrpSpPr/>
+        <p:nvPr/>
+      </p:nvGrpSpPr>
+      <p:grpSpPr>
+        <a:xfrm>
+          <a:off x="0" y="0"/>
+          <a:ext cx="0" cy="0"/>
+          <a:chOff x="0" y="0"/>
+          <a:chExt cx="0" cy="0"/>
+        </a:xfrm>
+      </p:grpSpPr>
+      <p:sp>
+        <p:nvSpPr>
           <p:cNvPr id="3" name="Title 2">
             <a:extLst>
               <a:ext uri="{FF2B5EF4-FFF2-40B4-BE49-F238E27FC236}">
@@ -14193,7 +15298,7 @@
 </p:sld>
 </file>
 
-<file path=ppt/slides/slide16.xml><?xml version="1.0" encoding="utf-8"?>
+<file path=ppt/slides/slide19.xml><?xml version="1.0" encoding="utf-8"?>
 <p:sld xmlns:a="http://schemas.openxmlformats.org/drawingml/2006/main" xmlns:r="http://schemas.openxmlformats.org/officeDocument/2006/relationships" xmlns:p="http://schemas.openxmlformats.org/presentationml/2006/main">
   <p:cSld>
     <p:spTree>

--- a/Electron.pptx
+++ b/Electron.pptx
@@ -20,7 +20,7 @@
     <p:sldId id="305" r:id="rId8"/>
     <p:sldId id="438" r:id="rId9"/>
     <p:sldId id="443" r:id="rId10"/>
-    <p:sldId id="446" r:id="rId11"/>
+    <p:sldId id="448" r:id="rId11"/>
     <p:sldId id="303" r:id="rId12"/>
     <p:sldId id="307" r:id="rId13"/>
     <p:sldId id="375" r:id="rId14"/>
@@ -309,7 +309,7 @@
                 <a:latin typeface="Arial"/>
                 <a:cs typeface="Arial"/>
               </a:rPr>
-              <a:t>2/13/19</a:t>
+              <a:t>2/14/19</a:t>
             </a:fld>
             <a:endParaRPr lang="en-US">
               <a:latin typeface="Arial"/>
@@ -494,7 +494,7 @@
             <a:fld id="{73B26A0F-F4D6-9B4F-A87B-D8948CDE3BB4}" type="datetimeFigureOut">
               <a:rPr lang="en-US" smtClean="0"/>
               <a:pPr/>
-              <a:t>2/13/19</a:t>
+              <a:t>2/14/19</a:t>
             </a:fld>
             <a:endParaRPr lang="en-US"/>
           </a:p>
@@ -1106,6 +1106,37 @@
               </a:rPr>
               <a:t>framework created by Cheng Zhao</a:t>
             </a:r>
+          </a:p>
+          <a:p>
+            <a:r>
+              <a:rPr lang="en-US" sz="1920" b="0" i="0" kern="1200" dirty="0">
+                <a:solidFill>
+                  <a:schemeClr val="tx1"/>
+                </a:solidFill>
+                <a:effectLst/>
+                <a:latin typeface="Arial"/>
+                <a:ea typeface="+mn-ea"/>
+                <a:cs typeface="Arial"/>
+              </a:rPr>
+              <a:t>Chromium’s rendering library</a:t>
+            </a:r>
+          </a:p>
+          <a:p>
+            <a:r>
+              <a:rPr lang="en-US" sz="1920" b="0" i="0" kern="1200" dirty="0">
+                <a:solidFill>
+                  <a:schemeClr val="tx1"/>
+                </a:solidFill>
+                <a:effectLst/>
+                <a:latin typeface="Arial"/>
+                <a:ea typeface="+mn-ea"/>
+                <a:cs typeface="Arial"/>
+              </a:rPr>
+              <a:t>The third component is a thick layer of C++, extending the usual set of available APIs with native implementations for common operating system operations such as sending native notifications, accessing system preferences, and creating native dialog</a:t>
+            </a:r>
+            <a:endParaRPr lang="en-US" dirty="0"/>
+          </a:p>
+          <a:p>
             <a:endParaRPr lang="en-US" dirty="0"/>
           </a:p>
         </p:txBody>
@@ -1191,32 +1222,6 @@
           <a:bodyPr/>
           <a:lstStyle/>
           <a:p>
-            <a:r>
-              <a:rPr lang="en-US" sz="1920" b="0" i="0" kern="1200" dirty="0">
-                <a:solidFill>
-                  <a:schemeClr val="tx1"/>
-                </a:solidFill>
-                <a:effectLst/>
-                <a:latin typeface="Arial"/>
-                <a:ea typeface="+mn-ea"/>
-                <a:cs typeface="Arial"/>
-              </a:rPr>
-              <a:t>Chromium’s rendering library</a:t>
-            </a:r>
-          </a:p>
-          <a:p>
-            <a:r>
-              <a:rPr lang="en-US" sz="1920" b="0" i="0" kern="1200" dirty="0">
-                <a:solidFill>
-                  <a:schemeClr val="tx1"/>
-                </a:solidFill>
-                <a:effectLst/>
-                <a:latin typeface="Arial"/>
-                <a:ea typeface="+mn-ea"/>
-                <a:cs typeface="Arial"/>
-              </a:rPr>
-              <a:t>The third component is a thick layer of C++, extending the usual set of available APIs with native implementations for common operating system operations such as sending native notifications, accessing system preferences, and creating native dialog</a:t>
-            </a:r>
             <a:endParaRPr lang="en-US" dirty="0"/>
           </a:p>
         </p:txBody>
@@ -1414,30 +1419,8 @@
           <a:lstStyle/>
           <a:p>
             <a:r>
-              <a:rPr lang="en-US" sz="1920" b="0" i="0" kern="1200" dirty="0">
-                <a:solidFill>
-                  <a:schemeClr val="tx1"/>
-                </a:solidFill>
-                <a:effectLst/>
-                <a:latin typeface="Arial"/>
-                <a:ea typeface="+mn-ea"/>
-                <a:cs typeface="Arial"/>
-              </a:rPr>
-              <a:t>Chromium’s rendering library</a:t>
-            </a:r>
-          </a:p>
-          <a:p>
-            <a:r>
-              <a:rPr lang="en-US" sz="1920" b="0" i="0" kern="1200" dirty="0">
-                <a:solidFill>
-                  <a:schemeClr val="tx1"/>
-                </a:solidFill>
-                <a:effectLst/>
-                <a:latin typeface="Arial"/>
-                <a:ea typeface="+mn-ea"/>
-                <a:cs typeface="Arial"/>
-              </a:rPr>
-              <a:t>The third component is a thick layer of C++, extending the usual set of available APIs with native implementations for common operating system operations such as sending native notifications, accessing system preferences, and creating native dialog</a:t>
+              <a:rPr lang="en-US" dirty="0"/>
+              <a:t>https://github.com/electron/electron-api-demos</a:t>
             </a:r>
             <a:endParaRPr lang="en-US" dirty="0"/>
           </a:p>
@@ -1525,30 +1508,8 @@
           <a:lstStyle/>
           <a:p>
             <a:r>
-              <a:rPr lang="en-US" sz="1920" b="0" i="0" kern="1200" dirty="0">
-                <a:solidFill>
-                  <a:schemeClr val="tx1"/>
-                </a:solidFill>
-                <a:effectLst/>
-                <a:latin typeface="Arial"/>
-                <a:ea typeface="+mn-ea"/>
-                <a:cs typeface="Arial"/>
-              </a:rPr>
-              <a:t>Chromium’s rendering library</a:t>
-            </a:r>
-          </a:p>
-          <a:p>
-            <a:r>
-              <a:rPr lang="en-US" sz="1920" b="0" i="0" kern="1200" dirty="0">
-                <a:solidFill>
-                  <a:schemeClr val="tx1"/>
-                </a:solidFill>
-                <a:effectLst/>
-                <a:latin typeface="Arial"/>
-                <a:ea typeface="+mn-ea"/>
-                <a:cs typeface="Arial"/>
-              </a:rPr>
-              <a:t>The third component is a thick layer of C++, extending the usual set of available APIs with native implementations for common operating system operations such as sending native notifications, accessing system preferences, and creating native dialog</a:t>
+              <a:rPr lang="en-US" dirty="0"/>
+              <a:t>https://github.com/electron/electron-api-demos</a:t>
             </a:r>
             <a:endParaRPr lang="en-US" dirty="0"/>
           </a:p>
@@ -1581,7 +1542,7 @@
     </p:spTree>
     <p:extLst>
       <p:ext uri="{BB962C8B-B14F-4D97-AF65-F5344CB8AC3E}">
-        <p14:creationId xmlns:p14="http://schemas.microsoft.com/office/powerpoint/2010/main" val="556588646"/>
+        <p14:creationId xmlns:p14="http://schemas.microsoft.com/office/powerpoint/2010/main" val="2764597619"/>
       </p:ext>
     </p:extLst>
   </p:cSld>
@@ -3489,7 +3450,7 @@
                   <a:spcPts val="0"/>
                 </a:spcBef>
               </a:pPr>
-              <a:t>February 13, 2019</a:t>
+              <a:t>February 14, 2019</a:t>
             </a:fld>
             <a:endParaRPr lang="en-US" sz="1400" b="0" dirty="0">
               <a:solidFill>
@@ -5339,7 +5300,7 @@
                   <a:spcPct val="50000"/>
                 </a:spcBef>
               </a:pPr>
-              <a:t>February 13, 2019</a:t>
+              <a:t>February 14, 2019</a:t>
             </a:fld>
             <a:endParaRPr lang="en-US" sz="1100" b="0" dirty="0">
               <a:solidFill>
@@ -8240,7 +8201,7 @@
                   <a:spcPts val="0"/>
                 </a:spcBef>
               </a:pPr>
-              <a:t>February 13, 2019</a:t>
+              <a:t>February 14, 2019</a:t>
             </a:fld>
             <a:endParaRPr lang="en-US" sz="1400" b="0" dirty="0">
               <a:solidFill>
@@ -9631,7 +9592,7 @@
                   <a:spcPts val="0"/>
                 </a:spcBef>
               </a:pPr>
-              <a:t>February 13, 2019</a:t>
+              <a:t>February 14, 2019</a:t>
             </a:fld>
             <a:endParaRPr lang="en-US" sz="1400" b="0" dirty="0">
               <a:solidFill>
@@ -11192,7 +11153,7 @@
                   <a:spcPts val="0"/>
                 </a:spcBef>
               </a:pPr>
-              <a:t>February 13, 2019</a:t>
+              <a:t>February 14, 2019</a:t>
             </a:fld>
             <a:endParaRPr lang="en-US" sz="1400" b="0" dirty="0">
               <a:solidFill>
@@ -13202,7 +13163,7 @@
                   <a:spcPts val="0"/>
                 </a:spcBef>
               </a:pPr>
-              <a:t>February 13, 2019</a:t>
+              <a:t>February 14, 2019</a:t>
             </a:fld>
             <a:endParaRPr lang="en-US" sz="1100" b="0" dirty="0">
               <a:solidFill>
@@ -13891,19 +13852,16 @@
           <a:p>
             <a:r>
               <a:rPr lang="en-US" dirty="0"/>
-              <a:t>installation and preference</a:t>
-            </a:r>
+              <a:t>Installation and preference</a:t>
+            </a:r>
+            <a:endParaRPr lang="en-US" dirty="0"/>
           </a:p>
         </p:txBody>
       </p:sp>
       <p:sp>
         <p:nvSpPr>
-          <p:cNvPr id="7" name="Content Placeholder 2">
-            <a:extLst>
-              <a:ext uri="{FF2B5EF4-FFF2-40B4-BE49-F238E27FC236}">
-                <a16:creationId xmlns:a16="http://schemas.microsoft.com/office/drawing/2014/main" id="{56891CAE-92E3-44D1-9A27-CD1EE1450C93}"/>
-              </a:ext>
-            </a:extLst>
+          <p:cNvPr id="6" name="Content Placeholder 2">
+            <a:extLst/>
           </p:cNvPr>
           <p:cNvSpPr>
             <a:spLocks noGrp="1"/>
@@ -13914,8 +13872,8 @@
         </p:nvSpPr>
         <p:spPr>
           <a:xfrm>
-            <a:off x="681318" y="1752600"/>
-            <a:ext cx="9300882" cy="5121275"/>
+            <a:off x="681038" y="1752600"/>
+            <a:ext cx="9301162" cy="5121275"/>
           </a:xfrm>
         </p:spPr>
         <p:txBody>
@@ -14017,147 +13975,10 @@
           </a:p>
         </p:txBody>
       </p:sp>
-      <p:sp>
-        <p:nvSpPr>
-          <p:cNvPr id="3" name="Rectangle 3"/>
-          <p:cNvSpPr>
-            <a:spLocks noChangeArrowheads="1"/>
-          </p:cNvSpPr>
-          <p:nvPr/>
-        </p:nvSpPr>
-        <p:spPr bwMode="auto">
-          <a:xfrm>
-            <a:off x="0" y="0"/>
-            <a:ext cx="14630400" cy="457200"/>
-          </a:xfrm>
-          <a:prstGeom prst="rect">
-            <a:avLst/>
-          </a:prstGeom>
-          <a:solidFill>
-            <a:srgbClr val="F7F7F7"/>
-          </a:solidFill>
-          <a:ln>
-            <a:noFill/>
-          </a:ln>
-          <a:effectLst/>
-          <a:extLst>
-            <a:ext uri="{91240B29-F687-4F45-9708-019B960494DF}">
-              <a14:hiddenLine xmlns:a14="http://schemas.microsoft.com/office/drawing/2010/main" w="9525">
-                <a:solidFill>
-                  <a:schemeClr val="tx1"/>
-                </a:solidFill>
-                <a:miter lim="800000"/>
-                <a:headEnd/>
-                <a:tailEnd/>
-              </a14:hiddenLine>
-            </a:ext>
-            <a:ext uri="{AF507438-7753-43E0-B8FC-AC1667EBCBE1}">
-              <a14:hiddenEffects xmlns:a14="http://schemas.microsoft.com/office/drawing/2010/main">
-                <a:effectLst>
-                  <a:outerShdw dist="35921" dir="2700000" algn="ctr" rotWithShape="0">
-                    <a:schemeClr val="bg2"/>
-                  </a:outerShdw>
-                </a:effectLst>
-              </a14:hiddenEffects>
-            </a:ext>
-          </a:extLst>
-        </p:spPr>
-        <p:txBody>
-          <a:bodyPr vert="horz" wrap="none" lIns="91440" tIns="0" rIns="91440" bIns="193614" numCol="1" anchor="ctr" anchorCtr="0" compatLnSpc="1">
-            <a:prstTxWarp prst="textNoShape">
-              <a:avLst/>
-            </a:prstTxWarp>
-            <a:spAutoFit/>
-          </a:bodyPr>
-          <a:lstStyle/>
-          <a:p>
-            <a:pPr marL="0" marR="0" lvl="0" indent="0" algn="l" defTabSz="914400" rtl="0" eaLnBrk="0" fontAlgn="base" latinLnBrk="0" hangingPunct="0">
-              <a:lnSpc>
-                <a:spcPct val="100000"/>
-              </a:lnSpc>
-              <a:spcBef>
-                <a:spcPct val="0"/>
-              </a:spcBef>
-              <a:spcAft>
-                <a:spcPct val="0"/>
-              </a:spcAft>
-              <a:buClrTx/>
-              <a:buSzTx/>
-              <a:buFontTx/>
-              <a:buNone/>
-              <a:tabLst/>
-            </a:pPr>
-            <a:r>
-              <a:rPr kumimoji="0" lang="en-US" altLang="en-US" sz="1000" b="0" i="0" u="none" strike="noStrike" cap="none" normalizeH="0" baseline="0">
-                <a:ln>
-                  <a:noFill/>
-                </a:ln>
-                <a:solidFill>
-                  <a:srgbClr val="000000"/>
-                </a:solidFill>
-                <a:effectLst/>
-                <a:latin typeface="Courier New" panose="02070309020205020404" pitchFamily="49" charset="0"/>
-                <a:ea typeface="Source Sans Pro"/>
-                <a:cs typeface="Courier New" panose="02070309020205020404" pitchFamily="49" charset="0"/>
-              </a:rPr>
-              <a:t>npm install --save-dev devtron</a:t>
-            </a:r>
-            <a:endParaRPr kumimoji="0" lang="en-US" altLang="en-US" sz="1400" b="0" i="0" u="none" strike="noStrike" cap="none" normalizeH="0" baseline="0">
-              <a:ln>
-                <a:noFill/>
-              </a:ln>
-              <a:solidFill>
-                <a:schemeClr val="tx1"/>
-              </a:solidFill>
-              <a:effectLst/>
-            </a:endParaRPr>
-          </a:p>
-          <a:p>
-            <a:pPr marL="0" marR="0" lvl="0" indent="0" algn="l" defTabSz="914400" rtl="0" eaLnBrk="0" fontAlgn="base" latinLnBrk="0" hangingPunct="0">
-              <a:lnSpc>
-                <a:spcPct val="100000"/>
-              </a:lnSpc>
-              <a:spcBef>
-                <a:spcPct val="0"/>
-              </a:spcBef>
-              <a:spcAft>
-                <a:spcPct val="0"/>
-              </a:spcAft>
-              <a:buClrTx/>
-              <a:buSzTx/>
-              <a:buFontTx/>
-              <a:buNone/>
-              <a:tabLst/>
-            </a:pPr>
-            <a:br>
-              <a:rPr kumimoji="0" lang="en-US" altLang="en-US" sz="1800" b="0" i="0" u="none" strike="noStrike" cap="none" normalizeH="0" baseline="0">
-                <a:ln>
-                  <a:noFill/>
-                </a:ln>
-                <a:solidFill>
-                  <a:schemeClr val="tx1"/>
-                </a:solidFill>
-                <a:effectLst/>
-                <a:latin typeface="Arial" panose="020B0604020202020204" pitchFamily="34" charset="0"/>
-              </a:rPr>
-            </a:br>
-            <a:endParaRPr kumimoji="0" lang="en-US" altLang="en-US" sz="1800" b="0" i="0" u="none" strike="noStrike" cap="none" normalizeH="0" baseline="0">
-              <a:ln>
-                <a:noFill/>
-              </a:ln>
-              <a:solidFill>
-                <a:schemeClr val="tx1"/>
-              </a:solidFill>
-              <a:effectLst/>
-              <a:latin typeface="Arial" panose="020B0604020202020204" pitchFamily="34" charset="0"/>
-            </a:endParaRPr>
-          </a:p>
-        </p:txBody>
-      </p:sp>
     </p:spTree>
     <p:extLst>
       <p:ext uri="{BB962C8B-B14F-4D97-AF65-F5344CB8AC3E}">
-        <p14:creationId xmlns:p14="http://schemas.microsoft.com/office/powerpoint/2010/main" val="2381936710"/>
+        <p14:creationId xmlns:p14="http://schemas.microsoft.com/office/powerpoint/2010/main" val="2993957224"/>
       </p:ext>
     </p:extLst>
   </p:cSld>
@@ -15449,33 +15270,25 @@
           <a:lstStyle/>
           <a:p>
             <a:r>
-              <a:rPr lang="en-US" sz="2800" dirty="0">
-                <a:latin typeface="-apple-system"/>
-              </a:rPr>
+              <a:rPr lang="en-US" sz="2800" dirty="0"/>
               <a:t>Introduction	</a:t>
             </a:r>
           </a:p>
           <a:p>
             <a:r>
-              <a:rPr lang="en-US" sz="2800" dirty="0">
-                <a:latin typeface="-apple-system"/>
-              </a:rPr>
+              <a:rPr lang="en-US" sz="2800" dirty="0"/>
               <a:t>What Electron?</a:t>
             </a:r>
           </a:p>
           <a:p>
             <a:r>
-              <a:rPr lang="en-US" sz="2800" dirty="0">
-                <a:latin typeface="-apple-system"/>
-              </a:rPr>
+              <a:rPr lang="en-US" sz="2800" dirty="0"/>
               <a:t>Why Desktop Apps?</a:t>
             </a:r>
           </a:p>
           <a:p>
             <a:r>
-              <a:rPr lang="en-US" sz="2800" dirty="0">
-                <a:latin typeface="-apple-system"/>
-              </a:rPr>
+              <a:rPr lang="en-US" sz="2800" dirty="0"/>
               <a:t>Why Electron?</a:t>
             </a:r>
           </a:p>
@@ -15484,16 +15297,11 @@
               <a:rPr lang="en-US" sz="2800" dirty="0"/>
               <a:t>Explore the Electron APIs.</a:t>
             </a:r>
-            <a:endParaRPr lang="en-US" sz="2800" dirty="0">
-              <a:latin typeface="-apple-system"/>
-            </a:endParaRPr>
           </a:p>
           <a:p>
             <a:pPr lvl="0"/>
             <a:r>
-              <a:rPr lang="en-US" sz="2800" dirty="0">
-                <a:latin typeface="-apple-system"/>
-              </a:rPr>
+              <a:rPr lang="en-US" sz="2800" dirty="0"/>
               <a:t>Electron under the hood.</a:t>
             </a:r>
           </a:p>
@@ -15874,35 +15682,27 @@
           <a:p>
             <a:pPr fontAlgn="base"/>
             <a:r>
-              <a:rPr lang="en-US" dirty="0">
-                <a:latin typeface="-apple-system"/>
-              </a:rPr>
+              <a:rPr lang="en-US" dirty="0"/>
               <a:t>Electron began in 2013 as the framework on.</a:t>
             </a:r>
           </a:p>
           <a:p>
             <a:pPr fontAlgn="base"/>
             <a:r>
-              <a:rPr lang="en-US" dirty="0">
-                <a:latin typeface="-apple-system"/>
-              </a:rPr>
+              <a:rPr lang="en-US" dirty="0"/>
               <a:t>Formerly knows as Atom Shell</a:t>
             </a:r>
           </a:p>
           <a:p>
             <a:r>
-              <a:rPr lang="en-US" dirty="0">
-                <a:latin typeface="-apple-system"/>
-              </a:rPr>
+              <a:rPr lang="en-US" dirty="0"/>
               <a:t>A combination of:</a:t>
             </a:r>
           </a:p>
           <a:p>
             <a:pPr lvl="1"/>
             <a:r>
-              <a:rPr lang="en-US" sz="2400" dirty="0">
-                <a:latin typeface="-apple-system"/>
-              </a:rPr>
+              <a:rPr lang="en-US" dirty="0"/>
               <a:t>Chromium </a:t>
             </a:r>
           </a:p>
@@ -15932,13 +15732,13 @@
           </a:p>
           <a:p>
             <a:r>
-              <a:rPr lang="en-US" sz="2000" dirty="0"/>
+              <a:rPr lang="en-US" dirty="0"/>
               <a:t>Two or more operating system level processes running concurrently </a:t>
             </a:r>
           </a:p>
           <a:p>
             <a:r>
-              <a:rPr lang="en-US" sz="2000" dirty="0"/>
+              <a:rPr lang="en-US" dirty="0"/>
               <a:t>Multiple process decision originate from chromium </a:t>
             </a:r>
           </a:p>

--- a/Electron.pptx
+++ b/Electron.pptx
@@ -16,18 +16,18 @@
     <p:sldId id="374" r:id="rId4"/>
     <p:sldId id="302" r:id="rId5"/>
     <p:sldId id="304" r:id="rId6"/>
-    <p:sldId id="440" r:id="rId7"/>
-    <p:sldId id="305" r:id="rId8"/>
-    <p:sldId id="438" r:id="rId9"/>
-    <p:sldId id="443" r:id="rId10"/>
-    <p:sldId id="448" r:id="rId11"/>
-    <p:sldId id="303" r:id="rId12"/>
-    <p:sldId id="307" r:id="rId13"/>
-    <p:sldId id="375" r:id="rId14"/>
-    <p:sldId id="441" r:id="rId15"/>
-    <p:sldId id="442" r:id="rId16"/>
-    <p:sldId id="444" r:id="rId17"/>
-    <p:sldId id="447" r:id="rId18"/>
+    <p:sldId id="305" r:id="rId7"/>
+    <p:sldId id="438" r:id="rId8"/>
+    <p:sldId id="443" r:id="rId9"/>
+    <p:sldId id="448" r:id="rId10"/>
+    <p:sldId id="303" r:id="rId11"/>
+    <p:sldId id="307" r:id="rId12"/>
+    <p:sldId id="375" r:id="rId13"/>
+    <p:sldId id="441" r:id="rId14"/>
+    <p:sldId id="442" r:id="rId15"/>
+    <p:sldId id="444" r:id="rId16"/>
+    <p:sldId id="447" r:id="rId17"/>
+    <p:sldId id="449" r:id="rId18"/>
     <p:sldId id="271" r:id="rId19"/>
     <p:sldId id="373" r:id="rId20"/>
   </p:sldIdLst>
@@ -309,7 +309,7 @@
                 <a:latin typeface="Arial"/>
                 <a:cs typeface="Arial"/>
               </a:rPr>
-              <a:t>2/14/19</a:t>
+              <a:t>2/18/19</a:t>
             </a:fld>
             <a:endParaRPr lang="en-US">
               <a:latin typeface="Arial"/>
@@ -494,7 +494,7 @@
             <a:fld id="{73B26A0F-F4D6-9B4F-A87B-D8948CDE3BB4}" type="datetimeFigureOut">
               <a:rPr lang="en-US" smtClean="0"/>
               <a:pPr/>
-              <a:t>2/14/19</a:t>
+              <a:t>2/18/19</a:t>
             </a:fld>
             <a:endParaRPr lang="en-US"/>
           </a:p>
@@ -955,7 +955,7 @@
     </p:spTree>
     <p:extLst>
       <p:ext uri="{BB962C8B-B14F-4D97-AF65-F5344CB8AC3E}">
-        <p14:creationId xmlns:p14="http://schemas.microsoft.com/office/powerpoint/2010/main" val="706450171"/>
+        <p14:creationId xmlns:p14="http://schemas.microsoft.com/office/powerpoint/2010/main" val="2956192072"/>
       </p:ext>
     </p:extLst>
   </p:cSld>
@@ -1222,6 +1222,32 @@
           <a:bodyPr/>
           <a:lstStyle/>
           <a:p>
+            <a:r>
+              <a:rPr lang="en-US" sz="1920" b="0" i="0" kern="1200" dirty="0">
+                <a:solidFill>
+                  <a:schemeClr val="tx1"/>
+                </a:solidFill>
+                <a:effectLst/>
+                <a:latin typeface="Arial"/>
+                <a:ea typeface="+mn-ea"/>
+                <a:cs typeface="Arial"/>
+              </a:rPr>
+              <a:t>Chromium’s rendering library</a:t>
+            </a:r>
+          </a:p>
+          <a:p>
+            <a:r>
+              <a:rPr lang="en-US" sz="1920" b="0" i="0" kern="1200" dirty="0">
+                <a:solidFill>
+                  <a:schemeClr val="tx1"/>
+                </a:solidFill>
+                <a:effectLst/>
+                <a:latin typeface="Arial"/>
+                <a:ea typeface="+mn-ea"/>
+                <a:cs typeface="Arial"/>
+              </a:rPr>
+              <a:t>The third component is a thick layer of C++, extending the usual set of available APIs with native implementations for common operating system operations such as sending native notifications, accessing system preferences, and creating native dialog</a:t>
+            </a:r>
             <a:endParaRPr lang="en-US" dirty="0"/>
           </a:p>
         </p:txBody>
@@ -1244,7 +1270,7 @@
             <a:fld id="{7DE2E8FF-3D0C-9D4D-B4D1-3089215958A5}" type="slidenum">
               <a:rPr lang="en-US" smtClean="0"/>
               <a:pPr/>
-              <a:t>6</a:t>
+              <a:t>7</a:t>
             </a:fld>
             <a:endParaRPr lang="en-US"/>
           </a:p>
@@ -1253,7 +1279,7 @@
     </p:spTree>
     <p:extLst>
       <p:ext uri="{BB962C8B-B14F-4D97-AF65-F5344CB8AC3E}">
-        <p14:creationId xmlns:p14="http://schemas.microsoft.com/office/powerpoint/2010/main" val="1056107418"/>
+        <p14:creationId xmlns:p14="http://schemas.microsoft.com/office/powerpoint/2010/main" val="3800268087"/>
       </p:ext>
     </p:extLst>
   </p:cSld>
@@ -1308,32 +1334,9 @@
           <a:lstStyle/>
           <a:p>
             <a:r>
-              <a:rPr lang="en-US" sz="1920" b="0" i="0" kern="1200" dirty="0">
-                <a:solidFill>
-                  <a:schemeClr val="tx1"/>
-                </a:solidFill>
-                <a:effectLst/>
-                <a:latin typeface="Arial"/>
-                <a:ea typeface="+mn-ea"/>
-                <a:cs typeface="Arial"/>
-              </a:rPr>
-              <a:t>Chromium’s rendering library</a:t>
-            </a:r>
-          </a:p>
-          <a:p>
-            <a:r>
-              <a:rPr lang="en-US" sz="1920" b="0" i="0" kern="1200" dirty="0">
-                <a:solidFill>
-                  <a:schemeClr val="tx1"/>
-                </a:solidFill>
-                <a:effectLst/>
-                <a:latin typeface="Arial"/>
-                <a:ea typeface="+mn-ea"/>
-                <a:cs typeface="Arial"/>
-              </a:rPr>
-              <a:t>The third component is a thick layer of C++, extending the usual set of available APIs with native implementations for common operating system operations such as sending native notifications, accessing system preferences, and creating native dialog</a:t>
-            </a:r>
-            <a:endParaRPr lang="en-US" dirty="0"/>
+              <a:rPr lang="en-US" dirty="0"/>
+              <a:t>https://github.com/electron/electron-api-demos</a:t>
+            </a:r>
           </a:p>
         </p:txBody>
       </p:sp>
@@ -1364,7 +1367,7 @@
     </p:spTree>
     <p:extLst>
       <p:ext uri="{BB962C8B-B14F-4D97-AF65-F5344CB8AC3E}">
-        <p14:creationId xmlns:p14="http://schemas.microsoft.com/office/powerpoint/2010/main" val="3800268087"/>
+        <p14:creationId xmlns:p14="http://schemas.microsoft.com/office/powerpoint/2010/main" val="630391478"/>
       </p:ext>
     </p:extLst>
   </p:cSld>
@@ -1422,7 +1425,6 @@
               <a:rPr lang="en-US" dirty="0"/>
               <a:t>https://github.com/electron/electron-api-demos</a:t>
             </a:r>
-            <a:endParaRPr lang="en-US" dirty="0"/>
           </a:p>
         </p:txBody>
       </p:sp>
@@ -1453,7 +1455,7 @@
     </p:spTree>
     <p:extLst>
       <p:ext uri="{BB962C8B-B14F-4D97-AF65-F5344CB8AC3E}">
-        <p14:creationId xmlns:p14="http://schemas.microsoft.com/office/powerpoint/2010/main" val="630391478"/>
+        <p14:creationId xmlns:p14="http://schemas.microsoft.com/office/powerpoint/2010/main" val="2764597619"/>
       </p:ext>
     </p:extLst>
   </p:cSld>
@@ -1508,10 +1510,222 @@
           <a:lstStyle/>
           <a:p>
             <a:r>
-              <a:rPr lang="en-US" dirty="0"/>
-              <a:t>https://github.com/electron/electron-api-demos</a:t>
-            </a:r>
-            <a:endParaRPr lang="en-US" dirty="0"/>
+              <a:rPr lang="en-US" sz="1920" kern="1200" dirty="0">
+                <a:solidFill>
+                  <a:schemeClr val="tx1"/>
+                </a:solidFill>
+                <a:effectLst/>
+                <a:latin typeface="Arial"/>
+                <a:ea typeface="+mn-ea"/>
+                <a:cs typeface="Arial"/>
+              </a:rPr>
+              <a:t>Why? Impossible to build the rendering engine that never crashes or hangs, perfectly secure</a:t>
+            </a:r>
+          </a:p>
+          <a:p>
+            <a:r>
+              <a:rPr lang="en-US" sz="1920" kern="1200" dirty="0">
+                <a:solidFill>
+                  <a:schemeClr val="tx1"/>
+                </a:solidFill>
+                <a:effectLst/>
+                <a:latin typeface="Arial"/>
+                <a:ea typeface="+mn-ea"/>
+                <a:cs typeface="Arial"/>
+              </a:rPr>
+              <a:t>Process -&gt; instance of a computer program that is being executed.</a:t>
+            </a:r>
+          </a:p>
+          <a:p>
+            <a:r>
+              <a:rPr lang="en-US" sz="1920" kern="1200" dirty="0">
+                <a:solidFill>
+                  <a:schemeClr val="tx1"/>
+                </a:solidFill>
+                <a:effectLst/>
+                <a:latin typeface="Arial"/>
+                <a:ea typeface="+mn-ea"/>
+                <a:cs typeface="Arial"/>
+              </a:rPr>
+              <a:t>Misbehaving: all it took is one browser or plug-in bug to bring down the entire browser and all of the currently running tabs</a:t>
+            </a:r>
+          </a:p>
+          <a:p>
+            <a:r>
+              <a:rPr lang="en-US" sz="1920" kern="1200" dirty="0">
+                <a:solidFill>
+                  <a:schemeClr val="tx1"/>
+                </a:solidFill>
+                <a:effectLst/>
+                <a:latin typeface="Arial"/>
+                <a:ea typeface="+mn-ea"/>
+                <a:cs typeface="Arial"/>
+              </a:rPr>
+              <a:t>In a separate processes don't share memory or state so that if one tab runs into fatal error, it doesn't bring down the entire application</a:t>
+            </a:r>
+          </a:p>
+          <a:p>
+            <a:r>
+              <a:rPr lang="en-US" sz="1920" kern="1200" dirty="0">
+                <a:solidFill>
+                  <a:schemeClr val="tx1"/>
+                </a:solidFill>
+                <a:effectLst/>
+                <a:latin typeface="Arial"/>
+                <a:ea typeface="+mn-ea"/>
+                <a:cs typeface="Arial"/>
+              </a:rPr>
+              <a:t> </a:t>
+            </a:r>
+          </a:p>
+          <a:p>
+            <a:r>
+              <a:rPr lang="en-US" sz="1920" kern="1200" dirty="0">
+                <a:solidFill>
+                  <a:schemeClr val="tx1"/>
+                </a:solidFill>
+                <a:effectLst/>
+                <a:latin typeface="Arial"/>
+                <a:ea typeface="+mn-ea"/>
+                <a:cs typeface="Arial"/>
+              </a:rPr>
+              <a:t>What? Protect the overall application from bug and glitches in the rendering engine</a:t>
+            </a:r>
+          </a:p>
+          <a:p>
+            <a:r>
+              <a:rPr lang="en-US" sz="1920" kern="1200" dirty="0">
+                <a:solidFill>
+                  <a:schemeClr val="tx1"/>
+                </a:solidFill>
+                <a:effectLst/>
+                <a:latin typeface="Arial"/>
+                <a:ea typeface="+mn-ea"/>
+                <a:cs typeface="Arial"/>
+              </a:rPr>
+              <a:t>Processes' memory and resources are isolate from each other</a:t>
+            </a:r>
+            <a:br>
+              <a:rPr lang="en-US" sz="1920" kern="1200" dirty="0">
+                <a:solidFill>
+                  <a:schemeClr val="tx1"/>
+                </a:solidFill>
+                <a:effectLst/>
+                <a:latin typeface="Arial"/>
+                <a:ea typeface="+mn-ea"/>
+                <a:cs typeface="Arial"/>
+              </a:rPr>
+            </a:br>
+            <a:r>
+              <a:rPr lang="en-US" sz="1920" kern="1200" dirty="0">
+                <a:solidFill>
+                  <a:schemeClr val="tx1"/>
+                </a:solidFill>
+                <a:effectLst/>
+                <a:latin typeface="Arial"/>
+                <a:ea typeface="+mn-ea"/>
+                <a:cs typeface="Arial"/>
+              </a:rPr>
+              <a:t> </a:t>
+            </a:r>
+          </a:p>
+          <a:p>
+            <a:r>
+              <a:rPr lang="en-US" sz="1920" kern="1200" dirty="0">
+                <a:solidFill>
+                  <a:schemeClr val="tx1"/>
+                </a:solidFill>
+                <a:effectLst/>
+                <a:latin typeface="Arial"/>
+                <a:ea typeface="+mn-ea"/>
+                <a:cs typeface="Arial"/>
+              </a:rPr>
+              <a:t>How? Refer the main process that runs the UI and manages tab and plugin processes as the browser </a:t>
+            </a:r>
+          </a:p>
+          <a:p>
+            <a:r>
+              <a:rPr lang="en-US" sz="1920" kern="1200" dirty="0">
+                <a:solidFill>
+                  <a:schemeClr val="tx1"/>
+                </a:solidFill>
+                <a:effectLst/>
+                <a:latin typeface="Arial"/>
+                <a:ea typeface="+mn-ea"/>
+                <a:cs typeface="Arial"/>
+              </a:rPr>
+              <a:t>The tab-specific process are called render processes </a:t>
+            </a:r>
+          </a:p>
+          <a:p>
+            <a:r>
+              <a:rPr lang="en-US" sz="1920" kern="1200" dirty="0">
+                <a:solidFill>
+                  <a:schemeClr val="tx1"/>
+                </a:solidFill>
+                <a:effectLst/>
+                <a:latin typeface="Arial"/>
+                <a:ea typeface="+mn-ea"/>
+                <a:cs typeface="Arial"/>
+              </a:rPr>
+              <a:t> </a:t>
+            </a:r>
+          </a:p>
+          <a:p>
+            <a:r>
+              <a:rPr lang="en-US" sz="1920" kern="1200" dirty="0">
+                <a:solidFill>
+                  <a:schemeClr val="tx1"/>
+                </a:solidFill>
+                <a:effectLst/>
+                <a:latin typeface="Arial"/>
+                <a:ea typeface="+mn-ea"/>
+                <a:cs typeface="Arial"/>
+              </a:rPr>
+              <a:t>Process -&gt; instance of a computer program that is being executed.</a:t>
+            </a:r>
+          </a:p>
+          <a:p>
+            <a:r>
+              <a:rPr lang="en-US" sz="1920" kern="1200" dirty="0">
+                <a:solidFill>
+                  <a:schemeClr val="tx1"/>
+                </a:solidFill>
+                <a:effectLst/>
+                <a:latin typeface="Arial"/>
+                <a:ea typeface="+mn-ea"/>
+                <a:cs typeface="Arial"/>
+              </a:rPr>
+              <a:t> </a:t>
+            </a:r>
+          </a:p>
+          <a:p>
+            <a:r>
+              <a:rPr lang="en-US" sz="1920" kern="1200" dirty="0">
+                <a:solidFill>
+                  <a:schemeClr val="tx1"/>
+                </a:solidFill>
+                <a:effectLst/>
+                <a:latin typeface="Arial"/>
+                <a:ea typeface="+mn-ea"/>
+                <a:cs typeface="Arial"/>
+              </a:rPr>
+              <a:t>Processes' memory and resources are isolate from each other</a:t>
+            </a:r>
+          </a:p>
+          <a:p>
+            <a:r>
+              <a:rPr lang="en-US" sz="1920" kern="1200" dirty="0">
+                <a:solidFill>
+                  <a:schemeClr val="tx1"/>
+                </a:solidFill>
+                <a:effectLst/>
+                <a:latin typeface="Arial"/>
+                <a:ea typeface="+mn-ea"/>
+                <a:cs typeface="Arial"/>
+              </a:rPr>
+              <a:t> </a:t>
+            </a:r>
           </a:p>
         </p:txBody>
       </p:sp>
@@ -1533,7 +1747,7 @@
             <a:fld id="{7DE2E8FF-3D0C-9D4D-B4D1-3089215958A5}" type="slidenum">
               <a:rPr lang="en-US" smtClean="0"/>
               <a:pPr/>
-              <a:t>10</a:t>
+              <a:t>11</a:t>
             </a:fld>
             <a:endParaRPr lang="en-US"/>
           </a:p>
@@ -1542,7 +1756,7 @@
     </p:spTree>
     <p:extLst>
       <p:ext uri="{BB962C8B-B14F-4D97-AF65-F5344CB8AC3E}">
-        <p14:creationId xmlns:p14="http://schemas.microsoft.com/office/powerpoint/2010/main" val="2764597619"/>
+        <p14:creationId xmlns:p14="http://schemas.microsoft.com/office/powerpoint/2010/main" val="3747825194"/>
       </p:ext>
     </p:extLst>
   </p:cSld>
@@ -1597,6 +1811,73 @@
           <a:lstStyle/>
           <a:p>
             <a:r>
+              <a:rPr lang="en-US" sz="1920" b="0" i="0" kern="1200" dirty="0">
+                <a:solidFill>
+                  <a:schemeClr val="tx1"/>
+                </a:solidFill>
+                <a:effectLst/>
+                <a:latin typeface="Arial"/>
+                <a:ea typeface="+mn-ea"/>
+                <a:cs typeface="Arial"/>
+              </a:rPr>
+              <a:t>Main Process: This is responsible to send and receive request, transfer data between different windows, you can think of it as a central exchange for all the windows. All the memory management like creation and destruction of windows are handled here.</a:t>
+            </a:r>
+          </a:p>
+          <a:p>
+            <a:r>
+              <a:rPr lang="en-US" sz="1920" b="0" i="0" kern="1200" dirty="0">
+                <a:solidFill>
+                  <a:schemeClr val="tx1"/>
+                </a:solidFill>
+                <a:effectLst/>
+                <a:latin typeface="Arial"/>
+                <a:ea typeface="+mn-ea"/>
+                <a:cs typeface="Arial"/>
+              </a:rPr>
+              <a:t>exactly one main process aka “browser process”.</a:t>
+            </a:r>
+          </a:p>
+          <a:p>
+            <a:endParaRPr lang="en-US" sz="1920" b="0" i="0" kern="1200" dirty="0">
+              <a:solidFill>
+                <a:schemeClr val="tx1"/>
+              </a:solidFill>
+              <a:effectLst/>
+              <a:latin typeface="Arial"/>
+              <a:ea typeface="+mn-ea"/>
+              <a:cs typeface="Arial"/>
+            </a:endParaRPr>
+          </a:p>
+          <a:p>
+            <a:endParaRPr lang="en-US" sz="1920" b="0" i="0" kern="1200" dirty="0">
+              <a:solidFill>
+                <a:schemeClr val="tx1"/>
+              </a:solidFill>
+              <a:effectLst/>
+              <a:latin typeface="Arial"/>
+              <a:ea typeface="+mn-ea"/>
+              <a:cs typeface="Arial"/>
+            </a:endParaRPr>
+          </a:p>
+          <a:p>
+            <a:pPr marL="0" marR="0" lvl="0" indent="0" algn="l" defTabSz="731520" rtl="0" eaLnBrk="1" fontAlgn="auto" latinLnBrk="0" hangingPunct="1">
+              <a:lnSpc>
+                <a:spcPct val="100000"/>
+              </a:lnSpc>
+              <a:spcBef>
+                <a:spcPts val="0"/>
+              </a:spcBef>
+              <a:spcAft>
+                <a:spcPts val="0"/>
+              </a:spcAft>
+              <a:buClrTx/>
+              <a:buSzTx/>
+              <a:buFontTx/>
+              <a:buNone/>
+              <a:tabLst/>
+              <a:defRPr/>
+            </a:pPr>
+            <a:r>
               <a:rPr lang="en-US" sz="1920" kern="1200" dirty="0">
                 <a:solidFill>
                   <a:schemeClr val="tx1"/>
@@ -1606,10 +1887,44 @@
                 <a:ea typeface="+mn-ea"/>
                 <a:cs typeface="Arial"/>
               </a:rPr>
-              <a:t>Why? Impossible to build the rendering engine that never crashes or hangs, perfectly secure</a:t>
-            </a:r>
-          </a:p>
-          <a:p>
+              <a:t>Main: native menu and dialogs, auto update </a:t>
+            </a:r>
+            <a:r>
+              <a:rPr lang="en-US" sz="1920" kern="1200" dirty="0" err="1">
+                <a:solidFill>
+                  <a:schemeClr val="tx1"/>
+                </a:solidFill>
+                <a:effectLst/>
+                <a:latin typeface="Arial"/>
+                <a:ea typeface="+mn-ea"/>
+                <a:cs typeface="Arial"/>
+              </a:rPr>
+              <a:t>event,</a:t>
+            </a:r>
+            <a:r>
+              <a:rPr lang="en-US" sz="1920" b="0" i="0" kern="1200" dirty="0" err="1">
+                <a:solidFill>
+                  <a:schemeClr val="tx1"/>
+                </a:solidFill>
+                <a:effectLst/>
+                <a:latin typeface="Arial"/>
+                <a:ea typeface="+mn-ea"/>
+                <a:cs typeface="Arial"/>
+              </a:rPr>
+              <a:t>Creating</a:t>
+            </a:r>
+            <a:r>
+              <a:rPr lang="en-US" sz="1920" b="0" i="0" kern="1200" dirty="0">
+                <a:solidFill>
+                  <a:schemeClr val="tx1"/>
+                </a:solidFill>
+                <a:effectLst/>
+                <a:latin typeface="Arial"/>
+                <a:ea typeface="+mn-ea"/>
+                <a:cs typeface="Arial"/>
+              </a:rPr>
+              <a:t> renderer processes</a:t>
+            </a:r>
             <a:r>
               <a:rPr lang="en-US" sz="1920" kern="1200" dirty="0">
                 <a:solidFill>
@@ -1620,7 +1935,7 @@
                 <a:ea typeface="+mn-ea"/>
                 <a:cs typeface="Arial"/>
               </a:rPr>
-              <a:t>Process -&gt; instance of a computer program that is being executed.</a:t>
+              <a:t> instances to run web pages</a:t>
             </a:r>
           </a:p>
           <a:p>
@@ -1634,185 +1949,11 @@
                 <a:ea typeface="+mn-ea"/>
                 <a:cs typeface="Arial"/>
               </a:rPr>
-              <a:t>Misbehaving: all it took is one browser or plug-in bug to bring down the entire browser and all of the currently running tabs</a:t>
-            </a:r>
-          </a:p>
-          <a:p>
-            <a:r>
-              <a:rPr lang="en-US" sz="1920" kern="1200" dirty="0">
-                <a:solidFill>
-                  <a:schemeClr val="tx1"/>
-                </a:solidFill>
-                <a:effectLst/>
-                <a:latin typeface="Arial"/>
-                <a:ea typeface="+mn-ea"/>
-                <a:cs typeface="Arial"/>
-              </a:rPr>
-              <a:t>In a separate processes don't share memory or state so that if one tab runs into fatal error, it doesn't bring down the entire application</a:t>
-            </a:r>
-          </a:p>
-          <a:p>
-            <a:r>
-              <a:rPr lang="en-US" sz="1920" kern="1200" dirty="0">
-                <a:solidFill>
-                  <a:schemeClr val="tx1"/>
-                </a:solidFill>
-                <a:effectLst/>
-                <a:latin typeface="Arial"/>
-                <a:ea typeface="+mn-ea"/>
-                <a:cs typeface="Arial"/>
-              </a:rPr>
-              <a:t> </a:t>
-            </a:r>
-          </a:p>
-          <a:p>
-            <a:r>
-              <a:rPr lang="en-US" sz="1920" kern="1200" dirty="0">
-                <a:solidFill>
-                  <a:schemeClr val="tx1"/>
-                </a:solidFill>
-                <a:effectLst/>
-                <a:latin typeface="Arial"/>
-                <a:ea typeface="+mn-ea"/>
-                <a:cs typeface="Arial"/>
-              </a:rPr>
-              <a:t>What? Protect the overall application from bug and glitches in the rendering engine</a:t>
-            </a:r>
-          </a:p>
-          <a:p>
-            <a:r>
-              <a:rPr lang="en-US" sz="1920" kern="1200" dirty="0">
-                <a:solidFill>
-                  <a:schemeClr val="tx1"/>
-                </a:solidFill>
-                <a:effectLst/>
-                <a:latin typeface="Arial"/>
-                <a:ea typeface="+mn-ea"/>
-                <a:cs typeface="Arial"/>
-              </a:rPr>
-              <a:t>Processes' memory and resources are isolate from each other</a:t>
-            </a:r>
-            <a:br>
-              <a:rPr lang="en-US" sz="1920" kern="1200" dirty="0">
-                <a:solidFill>
-                  <a:schemeClr val="tx1"/>
-                </a:solidFill>
-                <a:effectLst/>
-                <a:latin typeface="Arial"/>
-                <a:ea typeface="+mn-ea"/>
-                <a:cs typeface="Arial"/>
-              </a:rPr>
-            </a:br>
-            <a:r>
-              <a:rPr lang="en-US" sz="1920" kern="1200" dirty="0">
-                <a:solidFill>
-                  <a:schemeClr val="tx1"/>
-                </a:solidFill>
-                <a:effectLst/>
-                <a:latin typeface="Arial"/>
-                <a:ea typeface="+mn-ea"/>
-                <a:cs typeface="Arial"/>
-              </a:rPr>
-              <a:t> </a:t>
-            </a:r>
-          </a:p>
-          <a:p>
-            <a:r>
-              <a:rPr lang="en-US" sz="1920" kern="1200" dirty="0">
-                <a:solidFill>
-                  <a:schemeClr val="tx1"/>
-                </a:solidFill>
-                <a:effectLst/>
-                <a:latin typeface="Arial"/>
-                <a:ea typeface="+mn-ea"/>
-                <a:cs typeface="Arial"/>
-              </a:rPr>
-              <a:t>How? Refer the main process that runs the UI and manages tab and plugin processes as the browser </a:t>
-            </a:r>
-          </a:p>
-          <a:p>
-            <a:r>
-              <a:rPr lang="en-US" sz="1920" kern="1200" dirty="0">
-                <a:solidFill>
-                  <a:schemeClr val="tx1"/>
-                </a:solidFill>
-                <a:effectLst/>
-                <a:latin typeface="Arial"/>
-                <a:ea typeface="+mn-ea"/>
-                <a:cs typeface="Arial"/>
-              </a:rPr>
-              <a:t>The tab-specific process are called render processes </a:t>
-            </a:r>
-          </a:p>
-          <a:p>
-            <a:r>
-              <a:rPr lang="en-US" sz="1920" kern="1200" dirty="0">
-                <a:solidFill>
-                  <a:schemeClr val="tx1"/>
-                </a:solidFill>
-                <a:effectLst/>
-                <a:latin typeface="Arial"/>
-                <a:ea typeface="+mn-ea"/>
-                <a:cs typeface="Arial"/>
-              </a:rPr>
-              <a:t> </a:t>
-            </a:r>
-          </a:p>
-          <a:p>
-            <a:r>
-              <a:rPr lang="en-US" sz="1920" kern="1200" dirty="0">
-                <a:solidFill>
-                  <a:schemeClr val="tx1"/>
-                </a:solidFill>
-                <a:effectLst/>
-                <a:latin typeface="Arial"/>
-                <a:ea typeface="+mn-ea"/>
-                <a:cs typeface="Arial"/>
-              </a:rPr>
-              <a:t>Process -&gt; instance of a computer program that is being executed.</a:t>
-            </a:r>
-          </a:p>
-          <a:p>
-            <a:r>
-              <a:rPr lang="en-US" sz="1920" kern="1200" dirty="0">
-                <a:solidFill>
-                  <a:schemeClr val="tx1"/>
-                </a:solidFill>
-                <a:effectLst/>
-                <a:latin typeface="Arial"/>
-                <a:ea typeface="+mn-ea"/>
-                <a:cs typeface="Arial"/>
-              </a:rPr>
-              <a:t> </a:t>
-            </a:r>
-          </a:p>
-          <a:p>
-            <a:r>
-              <a:rPr lang="en-US" sz="1920" kern="1200" dirty="0">
-                <a:solidFill>
-                  <a:schemeClr val="tx1"/>
-                </a:solidFill>
-                <a:effectLst/>
-                <a:latin typeface="Arial"/>
-                <a:ea typeface="+mn-ea"/>
-                <a:cs typeface="Arial"/>
-              </a:rPr>
-              <a:t>Processes' memory and resources are isolate from each other</a:t>
-            </a:r>
-          </a:p>
-          <a:p>
-            <a:r>
-              <a:rPr lang="en-US" sz="1920" kern="1200" dirty="0">
-                <a:solidFill>
-                  <a:schemeClr val="tx1"/>
-                </a:solidFill>
-                <a:effectLst/>
-                <a:latin typeface="Arial"/>
-                <a:ea typeface="+mn-ea"/>
-                <a:cs typeface="Arial"/>
-              </a:rPr>
-              <a:t> </a:t>
-            </a:r>
+              <a:t>Render: responsible for running the user-interface of your app</a:t>
+            </a:r>
+          </a:p>
+          <a:p>
+            <a:endParaRPr lang="en-US" dirty="0"/>
           </a:p>
         </p:txBody>
       </p:sp>
@@ -1843,7 +1984,7 @@
     </p:spTree>
     <p:extLst>
       <p:ext uri="{BB962C8B-B14F-4D97-AF65-F5344CB8AC3E}">
-        <p14:creationId xmlns:p14="http://schemas.microsoft.com/office/powerpoint/2010/main" val="3747825194"/>
+        <p14:creationId xmlns:p14="http://schemas.microsoft.com/office/powerpoint/2010/main" val="203782985"/>
       </p:ext>
     </p:extLst>
   </p:cSld>
@@ -1907,7 +2048,7 @@
                 <a:ea typeface="+mn-ea"/>
                 <a:cs typeface="Arial"/>
               </a:rPr>
-              <a:t>Main Process: This is responsible to send and receive request, transfer data between different windows, you can think of it as a central exchange for all the windows. All the memory management like creation and destruction of windows are handled here.</a:t>
+              <a:t>Chromium’s rendering library</a:t>
             </a:r>
           </a:p>
           <a:p>
@@ -1921,125 +2062,8 @@
                 <a:ea typeface="+mn-ea"/>
                 <a:cs typeface="Arial"/>
               </a:rPr>
-              <a:t>exactly one main process aka “browser process”.</a:t>
-            </a:r>
-          </a:p>
-          <a:p>
-            <a:endParaRPr lang="en-US" sz="1920" b="0" i="0" kern="1200" dirty="0">
-              <a:solidFill>
-                <a:schemeClr val="tx1"/>
-              </a:solidFill>
-              <a:effectLst/>
-              <a:latin typeface="Arial"/>
-              <a:ea typeface="+mn-ea"/>
-              <a:cs typeface="Arial"/>
-            </a:endParaRPr>
-          </a:p>
-          <a:p>
-            <a:endParaRPr lang="en-US" sz="1920" b="0" i="0" kern="1200" dirty="0">
-              <a:solidFill>
-                <a:schemeClr val="tx1"/>
-              </a:solidFill>
-              <a:effectLst/>
-              <a:latin typeface="Arial"/>
-              <a:ea typeface="+mn-ea"/>
-              <a:cs typeface="Arial"/>
-            </a:endParaRPr>
-          </a:p>
-          <a:p>
-            <a:pPr marL="0" marR="0" lvl="0" indent="0" algn="l" defTabSz="731520" rtl="0" eaLnBrk="1" fontAlgn="auto" latinLnBrk="0" hangingPunct="1">
-              <a:lnSpc>
-                <a:spcPct val="100000"/>
-              </a:lnSpc>
-              <a:spcBef>
-                <a:spcPts val="0"/>
-              </a:spcBef>
-              <a:spcAft>
-                <a:spcPts val="0"/>
-              </a:spcAft>
-              <a:buClrTx/>
-              <a:buSzTx/>
-              <a:buFontTx/>
-              <a:buNone/>
-              <a:tabLst/>
-              <a:defRPr/>
-            </a:pPr>
-            <a:r>
-              <a:rPr lang="en-US" sz="1920" kern="1200" dirty="0">
-                <a:solidFill>
-                  <a:schemeClr val="tx1"/>
-                </a:solidFill>
-                <a:effectLst/>
-                <a:latin typeface="Arial"/>
-                <a:ea typeface="+mn-ea"/>
-                <a:cs typeface="Arial"/>
-              </a:rPr>
-              <a:t>Main: native menu and dialogs, auto update </a:t>
-            </a:r>
-            <a:r>
-              <a:rPr lang="en-US" sz="1920" kern="1200" dirty="0" err="1">
-                <a:solidFill>
-                  <a:schemeClr val="tx1"/>
-                </a:solidFill>
-                <a:effectLst/>
-                <a:latin typeface="Arial"/>
-                <a:ea typeface="+mn-ea"/>
-                <a:cs typeface="Arial"/>
-              </a:rPr>
-              <a:t>event,</a:t>
-            </a:r>
-            <a:r>
-              <a:rPr lang="en-US" sz="1920" b="0" i="0" kern="1200" dirty="0" err="1">
-                <a:solidFill>
-                  <a:schemeClr val="tx1"/>
-                </a:solidFill>
-                <a:effectLst/>
-                <a:latin typeface="Arial"/>
-                <a:ea typeface="+mn-ea"/>
-                <a:cs typeface="Arial"/>
-              </a:rPr>
-              <a:t>Creating</a:t>
-            </a:r>
-            <a:r>
-              <a:rPr lang="en-US" sz="1920" b="0" i="0" kern="1200" dirty="0">
-                <a:solidFill>
-                  <a:schemeClr val="tx1"/>
-                </a:solidFill>
-                <a:effectLst/>
-                <a:latin typeface="Arial"/>
-                <a:ea typeface="+mn-ea"/>
-                <a:cs typeface="Arial"/>
-              </a:rPr>
-              <a:t> renderer processes</a:t>
-            </a:r>
-            <a:r>
-              <a:rPr lang="en-US" sz="1920" kern="1200" dirty="0">
-                <a:solidFill>
-                  <a:schemeClr val="tx1"/>
-                </a:solidFill>
-                <a:effectLst/>
-                <a:latin typeface="Arial"/>
-                <a:ea typeface="+mn-ea"/>
-                <a:cs typeface="Arial"/>
-              </a:rPr>
-              <a:t> instances to run web pages</a:t>
-            </a:r>
-          </a:p>
-          <a:p>
-            <a:r>
-              <a:rPr lang="en-US" sz="1920" kern="1200" dirty="0">
-                <a:solidFill>
-                  <a:schemeClr val="tx1"/>
-                </a:solidFill>
-                <a:effectLst/>
-                <a:latin typeface="Arial"/>
-                <a:ea typeface="+mn-ea"/>
-                <a:cs typeface="Arial"/>
-              </a:rPr>
-              <a:t>Render: responsible for running the user-interface of your app</a:t>
-            </a:r>
-          </a:p>
-          <a:p>
+              <a:t>The third component is a thick layer of C++, extending the usual set of available APIs with native implementations for common operating system operations such as sending native notifications, accessing system preferences, and creating native dialog</a:t>
+            </a:r>
             <a:endParaRPr lang="en-US" dirty="0"/>
           </a:p>
         </p:txBody>
@@ -2062,7 +2086,7 @@
             <a:fld id="{7DE2E8FF-3D0C-9D4D-B4D1-3089215958A5}" type="slidenum">
               <a:rPr lang="en-US" smtClean="0"/>
               <a:pPr/>
-              <a:t>13</a:t>
+              <a:t>16</a:t>
             </a:fld>
             <a:endParaRPr lang="en-US"/>
           </a:p>
@@ -2071,7 +2095,7 @@
     </p:spTree>
     <p:extLst>
       <p:ext uri="{BB962C8B-B14F-4D97-AF65-F5344CB8AC3E}">
-        <p14:creationId xmlns:p14="http://schemas.microsoft.com/office/powerpoint/2010/main" val="203782985"/>
+        <p14:creationId xmlns:p14="http://schemas.microsoft.com/office/powerpoint/2010/main" val="706450171"/>
       </p:ext>
     </p:extLst>
   </p:cSld>
@@ -3450,7 +3474,7 @@
                   <a:spcPts val="0"/>
                 </a:spcBef>
               </a:pPr>
-              <a:t>February 14, 2019</a:t>
+              <a:t>February 18, 2019</a:t>
             </a:fld>
             <a:endParaRPr lang="en-US" sz="1400" b="0" dirty="0">
               <a:solidFill>
@@ -5300,7 +5324,7 @@
                   <a:spcPct val="50000"/>
                 </a:spcBef>
               </a:pPr>
-              <a:t>February 14, 2019</a:t>
+              <a:t>February 18, 2019</a:t>
             </a:fld>
             <a:endParaRPr lang="en-US" sz="1100" b="0" dirty="0">
               <a:solidFill>
@@ -8201,7 +8225,7 @@
                   <a:spcPts val="0"/>
                 </a:spcBef>
               </a:pPr>
-              <a:t>February 14, 2019</a:t>
+              <a:t>February 18, 2019</a:t>
             </a:fld>
             <a:endParaRPr lang="en-US" sz="1400" b="0" dirty="0">
               <a:solidFill>
@@ -9592,7 +9616,7 @@
                   <a:spcPts val="0"/>
                 </a:spcBef>
               </a:pPr>
-              <a:t>February 14, 2019</a:t>
+              <a:t>February 18, 2019</a:t>
             </a:fld>
             <a:endParaRPr lang="en-US" sz="1400" b="0" dirty="0">
               <a:solidFill>
@@ -11153,7 +11177,7 @@
                   <a:spcPts val="0"/>
                 </a:spcBef>
               </a:pPr>
-              <a:t>February 14, 2019</a:t>
+              <a:t>February 18, 2019</a:t>
             </a:fld>
             <a:endParaRPr lang="en-US" sz="1400" b="0" dirty="0">
               <a:solidFill>
@@ -13163,7 +13187,7 @@
                   <a:spcPts val="0"/>
                 </a:spcBef>
               </a:pPr>
-              <a:t>February 14, 2019</a:t>
+              <a:t>February 18, 2019</a:t>
             </a:fld>
             <a:endParaRPr lang="en-US" sz="1100" b="0" dirty="0">
               <a:solidFill>
@@ -13852,133 +13876,34 @@
           <a:p>
             <a:r>
               <a:rPr lang="en-US" dirty="0"/>
-              <a:t>Installation and preference</a:t>
-            </a:r>
-            <a:endParaRPr lang="en-US" dirty="0"/>
+              <a:t>Electron under the hood</a:t>
+            </a:r>
           </a:p>
         </p:txBody>
       </p:sp>
       <p:sp>
         <p:nvSpPr>
-          <p:cNvPr id="6" name="Content Placeholder 2">
-            <a:extLst/>
-          </p:cNvPr>
+          <p:cNvPr id="10" name="Subtitle 9"/>
           <p:cNvSpPr>
             <a:spLocks noGrp="1"/>
           </p:cNvSpPr>
           <p:nvPr>
-            <p:ph idx="1"/>
+            <p:ph type="subTitle" idx="1"/>
           </p:nvPr>
         </p:nvSpPr>
-        <p:spPr>
-          <a:xfrm>
-            <a:off x="681038" y="1752600"/>
-            <a:ext cx="9301162" cy="5121275"/>
-          </a:xfrm>
-        </p:spPr>
+        <p:spPr/>
         <p:txBody>
-          <a:bodyPr>
-            <a:noAutofit/>
-          </a:bodyPr>
+          <a:bodyPr/>
           <a:lstStyle/>
           <a:p>
-            <a:r>
-              <a:rPr lang="en-US" dirty="0">
-                <a:latin typeface="+mj-lt"/>
-              </a:rPr>
-              <a:t>Prerequisites</a:t>
-            </a:r>
-          </a:p>
-          <a:p>
-            <a:pPr lvl="1"/>
-            <a:r>
-              <a:rPr lang="en-US" dirty="0" err="1"/>
-              <a:t>Nodejs</a:t>
-            </a:r>
-            <a:r>
-              <a:rPr lang="en-US" dirty="0"/>
-              <a:t> </a:t>
-            </a:r>
-            <a:endParaRPr lang="en-US" dirty="0">
-              <a:latin typeface="+mj-lt"/>
-            </a:endParaRPr>
-          </a:p>
-          <a:p>
-            <a:r>
-              <a:rPr lang="en-US" dirty="0">
-                <a:latin typeface="+mj-lt"/>
-              </a:rPr>
-              <a:t>Installing Electron</a:t>
-            </a:r>
-          </a:p>
-          <a:p>
-            <a:pPr lvl="1"/>
-            <a:r>
-              <a:rPr lang="en-US" dirty="0" err="1">
-                <a:latin typeface="+mj-lt"/>
-              </a:rPr>
-              <a:t>npm</a:t>
-            </a:r>
-            <a:r>
-              <a:rPr lang="en-US" dirty="0">
-                <a:latin typeface="+mj-lt"/>
-              </a:rPr>
-              <a:t> install electron –g</a:t>
-            </a:r>
-          </a:p>
-          <a:p>
-            <a:pPr lvl="1"/>
-            <a:r>
-              <a:rPr lang="en-US" dirty="0" err="1">
-                <a:latin typeface="+mj-lt"/>
-              </a:rPr>
-              <a:t>npm</a:t>
-            </a:r>
-            <a:r>
-              <a:rPr lang="en-US" dirty="0">
-                <a:latin typeface="+mj-lt"/>
-              </a:rPr>
-              <a:t> install electron --save-dev --save-exact</a:t>
-            </a:r>
-          </a:p>
-          <a:p>
-            <a:r>
-              <a:rPr lang="en-US" dirty="0">
-                <a:latin typeface="+mj-lt"/>
-              </a:rPr>
-              <a:t>Preference</a:t>
-            </a:r>
-          </a:p>
-          <a:p>
-            <a:pPr lvl="1"/>
-            <a:r>
-              <a:rPr lang="en-US" dirty="0" err="1">
-                <a:latin typeface="+mj-lt"/>
-              </a:rPr>
-              <a:t>npm</a:t>
-            </a:r>
-            <a:r>
-              <a:rPr lang="en-US" dirty="0">
-                <a:latin typeface="+mj-lt"/>
-              </a:rPr>
-              <a:t> install --save-dev </a:t>
-            </a:r>
-            <a:r>
-              <a:rPr lang="en-US" dirty="0" err="1">
-                <a:latin typeface="+mj-lt"/>
-              </a:rPr>
-              <a:t>devtron</a:t>
-            </a:r>
-            <a:endParaRPr lang="en-US" dirty="0">
-              <a:latin typeface="+mj-lt"/>
-            </a:endParaRPr>
+            <a:endParaRPr lang="en-US" dirty="0"/>
           </a:p>
         </p:txBody>
       </p:sp>
     </p:spTree>
     <p:extLst>
       <p:ext uri="{BB962C8B-B14F-4D97-AF65-F5344CB8AC3E}">
-        <p14:creationId xmlns:p14="http://schemas.microsoft.com/office/powerpoint/2010/main" val="2993957224"/>
+        <p14:creationId xmlns:p14="http://schemas.microsoft.com/office/powerpoint/2010/main" val="2169011245"/>
       </p:ext>
     </p:extLst>
   </p:cSld>
@@ -14032,119 +13957,19 @@
           <a:bodyPr/>
           <a:lstStyle/>
           <a:p>
-            <a:r>
-              <a:rPr lang="en-US" dirty="0"/>
-              <a:t>Electron under the hood</a:t>
-            </a:r>
-          </a:p>
-        </p:txBody>
-      </p:sp>
-      <p:sp>
-        <p:nvSpPr>
-          <p:cNvPr id="10" name="Subtitle 9"/>
-          <p:cNvSpPr>
-            <a:spLocks noGrp="1"/>
-          </p:cNvSpPr>
-          <p:nvPr>
-            <p:ph type="subTitle" idx="1"/>
-          </p:nvPr>
-        </p:nvSpPr>
-        <p:spPr/>
-        <p:txBody>
-          <a:bodyPr/>
-          <a:lstStyle/>
-          <a:p>
             <a:endParaRPr lang="en-US" dirty="0"/>
-          </a:p>
-        </p:txBody>
-      </p:sp>
-    </p:spTree>
-    <p:extLst>
-      <p:ext uri="{BB962C8B-B14F-4D97-AF65-F5344CB8AC3E}">
-        <p14:creationId xmlns:p14="http://schemas.microsoft.com/office/powerpoint/2010/main" val="2169011245"/>
-      </p:ext>
-    </p:extLst>
-  </p:cSld>
-  <p:clrMapOvr>
-    <a:masterClrMapping/>
-  </p:clrMapOvr>
-  <mc:AlternateContent xmlns:mc="http://schemas.openxmlformats.org/markup-compatibility/2006" xmlns:p14="http://schemas.microsoft.com/office/powerpoint/2010/main">
-    <mc:Choice Requires="p14">
-      <p:transition spd="med" p14:dur="700">
-        <p:fade/>
-      </p:transition>
-    </mc:Choice>
-    <mc:Fallback xmlns="">
-      <p:transition spd="med">
-        <p:fade/>
-      </p:transition>
-    </mc:Fallback>
-  </mc:AlternateContent>
-</p:sld>
-</file>
-
-<file path=ppt/slides/slide12.xml><?xml version="1.0" encoding="utf-8"?>
-<p:sld xmlns:a="http://schemas.openxmlformats.org/drawingml/2006/main" xmlns:r="http://schemas.openxmlformats.org/officeDocument/2006/relationships" xmlns:p="http://schemas.openxmlformats.org/presentationml/2006/main">
-  <p:cSld>
-    <p:spTree>
-      <p:nvGrpSpPr>
-        <p:cNvPr id="1" name=""/>
-        <p:cNvGrpSpPr/>
-        <p:nvPr/>
-      </p:nvGrpSpPr>
-      <p:grpSpPr>
-        <a:xfrm>
-          <a:off x="0" y="0"/>
-          <a:ext cx="0" cy="0"/>
-          <a:chOff x="0" y="0"/>
-          <a:chExt cx="0" cy="0"/>
-        </a:xfrm>
-      </p:grpSpPr>
-      <p:sp>
-        <p:nvSpPr>
-          <p:cNvPr id="5" name="Title 4"/>
-          <p:cNvSpPr>
-            <a:spLocks noGrp="1"/>
-          </p:cNvSpPr>
-          <p:nvPr>
-            <p:ph type="title"/>
-          </p:nvPr>
-        </p:nvSpPr>
-        <p:spPr/>
-        <p:txBody>
-          <a:bodyPr/>
-          <a:lstStyle/>
-          <a:p>
-            <a:endParaRPr lang="en-US" dirty="0"/>
-          </a:p>
-        </p:txBody>
-      </p:sp>
-      <p:sp>
-        <p:nvSpPr>
-          <p:cNvPr id="2" name="Content Placeholder 1"/>
-          <p:cNvSpPr>
-            <a:spLocks noGrp="1"/>
-          </p:cNvSpPr>
-          <p:nvPr>
-            <p:ph sz="half" idx="1"/>
-          </p:nvPr>
-        </p:nvSpPr>
-        <p:spPr/>
-        <p:txBody>
-          <a:bodyPr/>
-          <a:lstStyle/>
-          <a:p>
-            <a:endParaRPr lang="en-US"/>
           </a:p>
         </p:txBody>
       </p:sp>
       <p:pic>
         <p:nvPicPr>
-          <p:cNvPr id="3" name="Picture 2"/>
+          <p:cNvPr id="6" name="Content Placeholder 5"/>
           <p:cNvPicPr>
-            <a:picLocks noChangeAspect="1"/>
+            <a:picLocks noGrp="1" noChangeAspect="1"/>
           </p:cNvPicPr>
-          <p:nvPr/>
+          <p:nvPr>
+            <p:ph sz="half" idx="1"/>
+          </p:nvPr>
         </p:nvPicPr>
         <p:blipFill>
           <a:blip r:embed="rId3"/>
@@ -14154,12 +13979,9 @@
         </p:blipFill>
         <p:spPr>
           <a:xfrm>
-            <a:off x="1143000" y="457200"/>
-            <a:ext cx="12039600" cy="6914872"/>
+            <a:off x="1828800" y="639763"/>
+            <a:ext cx="11577918" cy="6622387"/>
           </a:xfrm>
-          <a:prstGeom prst="rect">
-            <a:avLst/>
-          </a:prstGeom>
         </p:spPr>
       </p:pic>
     </p:spTree>
@@ -14187,7 +14009,7 @@
 </p:sld>
 </file>
 
-<file path=ppt/slides/slide13.xml><?xml version="1.0" encoding="utf-8"?>
+<file path=ppt/slides/slide12.xml><?xml version="1.0" encoding="utf-8"?>
 <p:sld xmlns:a="http://schemas.openxmlformats.org/drawingml/2006/main" xmlns:r="http://schemas.openxmlformats.org/officeDocument/2006/relationships" xmlns:p="http://schemas.openxmlformats.org/presentationml/2006/main">
   <p:cSld>
     <p:spTree>
@@ -14280,6 +14102,130 @@
 </p:sld>
 </file>
 
+<file path=ppt/slides/slide13.xml><?xml version="1.0" encoding="utf-8"?>
+<p:sld xmlns:a="http://schemas.openxmlformats.org/drawingml/2006/main" xmlns:r="http://schemas.openxmlformats.org/officeDocument/2006/relationships" xmlns:p="http://schemas.openxmlformats.org/presentationml/2006/main">
+  <p:cSld>
+    <p:spTree>
+      <p:nvGrpSpPr>
+        <p:cNvPr id="1" name=""/>
+        <p:cNvGrpSpPr/>
+        <p:nvPr/>
+      </p:nvGrpSpPr>
+      <p:grpSpPr>
+        <a:xfrm>
+          <a:off x="0" y="0"/>
+          <a:ext cx="0" cy="0"/>
+          <a:chOff x="0" y="0"/>
+          <a:chExt cx="0" cy="0"/>
+        </a:xfrm>
+      </p:grpSpPr>
+      <p:sp>
+        <p:nvSpPr>
+          <p:cNvPr id="5" name="Title 4"/>
+          <p:cNvSpPr>
+            <a:spLocks noGrp="1"/>
+          </p:cNvSpPr>
+          <p:nvPr>
+            <p:ph type="title"/>
+          </p:nvPr>
+        </p:nvSpPr>
+        <p:spPr/>
+        <p:txBody>
+          <a:bodyPr/>
+          <a:lstStyle/>
+          <a:p>
+            <a:r>
+              <a:rPr lang="en-US" b="0" dirty="0"/>
+              <a:t>Greeting the world</a:t>
+            </a:r>
+          </a:p>
+        </p:txBody>
+      </p:sp>
+      <p:sp>
+        <p:nvSpPr>
+          <p:cNvPr id="10" name="Subtitle 9"/>
+          <p:cNvSpPr>
+            <a:spLocks noGrp="1"/>
+          </p:cNvSpPr>
+          <p:nvPr>
+            <p:ph type="subTitle" idx="1"/>
+          </p:nvPr>
+        </p:nvSpPr>
+        <p:spPr/>
+        <p:txBody>
+          <a:bodyPr/>
+          <a:lstStyle/>
+          <a:p>
+            <a:endParaRPr lang="en-US" dirty="0"/>
+          </a:p>
+        </p:txBody>
+      </p:sp>
+      <p:sp>
+        <p:nvSpPr>
+          <p:cNvPr id="2" name="Rectangle 1">
+            <a:extLst>
+              <a:ext uri="{FF2B5EF4-FFF2-40B4-BE49-F238E27FC236}">
+                <a16:creationId xmlns:a16="http://schemas.microsoft.com/office/drawing/2014/main" id="{AF72AEEC-90DC-4748-BDCC-9F30B5F0D00B}"/>
+              </a:ext>
+            </a:extLst>
+          </p:cNvPr>
+          <p:cNvSpPr/>
+          <p:nvPr/>
+        </p:nvSpPr>
+        <p:spPr>
+          <a:xfrm>
+            <a:off x="3657600" y="3403836"/>
+            <a:ext cx="7315200" cy="1421928"/>
+          </a:xfrm>
+          <a:prstGeom prst="rect">
+            <a:avLst/>
+          </a:prstGeom>
+        </p:spPr>
+        <p:txBody>
+          <a:bodyPr>
+            <a:spAutoFit/>
+          </a:bodyPr>
+          <a:lstStyle/>
+          <a:p>
+            <a:r>
+              <a:rPr lang="en-US" dirty="0"/>
+              <a:t>Greeting the world</a:t>
+            </a:r>
+            <a:br>
+              <a:rPr lang="en-US" dirty="0"/>
+            </a:br>
+            <a:br>
+              <a:rPr lang="en-US" dirty="0"/>
+            </a:br>
+            <a:endParaRPr lang="en-US" dirty="0"/>
+          </a:p>
+        </p:txBody>
+      </p:sp>
+    </p:spTree>
+    <p:extLst>
+      <p:ext uri="{BB962C8B-B14F-4D97-AF65-F5344CB8AC3E}">
+        <p14:creationId xmlns:p14="http://schemas.microsoft.com/office/powerpoint/2010/main" val="1852140378"/>
+      </p:ext>
+    </p:extLst>
+  </p:cSld>
+  <p:clrMapOvr>
+    <a:masterClrMapping/>
+  </p:clrMapOvr>
+  <mc:AlternateContent xmlns:mc="http://schemas.openxmlformats.org/markup-compatibility/2006" xmlns:p14="http://schemas.microsoft.com/office/powerpoint/2010/main">
+    <mc:Choice Requires="p14">
+      <p:transition spd="med" p14:dur="700">
+        <p:fade/>
+      </p:transition>
+    </mc:Choice>
+    <mc:Fallback xmlns="">
+      <p:transition spd="med">
+        <p:fade/>
+      </p:transition>
+    </mc:Fallback>
+  </mc:AlternateContent>
+</p:sld>
+</file>
+
 <file path=ppt/slides/slide14.xml><?xml version="1.0" encoding="utf-8"?>
 <p:sld xmlns:a="http://schemas.openxmlformats.org/drawingml/2006/main" xmlns:r="http://schemas.openxmlformats.org/officeDocument/2006/relationships" xmlns:p="http://schemas.openxmlformats.org/presentationml/2006/main">
   <p:cSld>
@@ -14314,7 +14260,7 @@
           <a:p>
             <a:r>
               <a:rPr lang="en-US" b="0" dirty="0"/>
-              <a:t>Greeting the world</a:t>
+              <a:t>Demo Main and Renderer Process</a:t>
             </a:r>
           </a:p>
         </p:txBody>
@@ -14338,51 +14284,10 @@
           </a:p>
         </p:txBody>
       </p:sp>
-      <p:sp>
-        <p:nvSpPr>
-          <p:cNvPr id="2" name="Rectangle 1">
-            <a:extLst>
-              <a:ext uri="{FF2B5EF4-FFF2-40B4-BE49-F238E27FC236}">
-                <a16:creationId xmlns:a16="http://schemas.microsoft.com/office/drawing/2014/main" id="{AF72AEEC-90DC-4748-BDCC-9F30B5F0D00B}"/>
-              </a:ext>
-            </a:extLst>
-          </p:cNvPr>
-          <p:cNvSpPr/>
-          <p:nvPr/>
-        </p:nvSpPr>
-        <p:spPr>
-          <a:xfrm>
-            <a:off x="3657600" y="3403836"/>
-            <a:ext cx="7315200" cy="1421928"/>
-          </a:xfrm>
-          <a:prstGeom prst="rect">
-            <a:avLst/>
-          </a:prstGeom>
-        </p:spPr>
-        <p:txBody>
-          <a:bodyPr>
-            <a:spAutoFit/>
-          </a:bodyPr>
-          <a:lstStyle/>
-          <a:p>
-            <a:r>
-              <a:rPr lang="en-US" dirty="0"/>
-              <a:t>Greeting the world</a:t>
-            </a:r>
-            <a:br>
-              <a:rPr lang="en-US" dirty="0"/>
-            </a:br>
-            <a:br>
-              <a:rPr lang="en-US" dirty="0"/>
-            </a:br>
-            <a:endParaRPr lang="en-US" dirty="0"/>
-          </a:p>
-        </p:txBody>
-      </p:sp>
     </p:spTree>
     <p:extLst>
       <p:ext uri="{BB962C8B-B14F-4D97-AF65-F5344CB8AC3E}">
-        <p14:creationId xmlns:p14="http://schemas.microsoft.com/office/powerpoint/2010/main" val="1852140378"/>
+        <p14:creationId xmlns:p14="http://schemas.microsoft.com/office/powerpoint/2010/main" val="1431418592"/>
       </p:ext>
     </p:extLst>
   </p:cSld>
@@ -14438,7 +14343,7 @@
           <a:p>
             <a:r>
               <a:rPr lang="en-US" b="0" dirty="0"/>
-              <a:t>Demo Main and Renderer Process</a:t>
+              <a:t>IPC</a:t>
             </a:r>
           </a:p>
         </p:txBody>
@@ -14465,7 +14370,7 @@
     </p:spTree>
     <p:extLst>
       <p:ext uri="{BB962C8B-B14F-4D97-AF65-F5344CB8AC3E}">
-        <p14:creationId xmlns:p14="http://schemas.microsoft.com/office/powerpoint/2010/main" val="1431418592"/>
+        <p14:creationId xmlns:p14="http://schemas.microsoft.com/office/powerpoint/2010/main" val="3440344944"/>
       </p:ext>
     </p:extLst>
   </p:cSld>
@@ -14520,35 +14425,441 @@
           <a:lstStyle/>
           <a:p>
             <a:r>
-              <a:rPr lang="en-US" b="0" dirty="0"/>
-              <a:t>IPC</a:t>
+              <a:rPr lang="en-US" dirty="0"/>
+              <a:t>Sync IPC</a:t>
             </a:r>
           </a:p>
         </p:txBody>
       </p:sp>
       <p:sp>
         <p:nvSpPr>
-          <p:cNvPr id="10" name="Subtitle 9"/>
+          <p:cNvPr id="7" name="Content Placeholder 2">
+            <a:extLst>
+              <a:ext uri="{FF2B5EF4-FFF2-40B4-BE49-F238E27FC236}">
+                <a16:creationId xmlns:a16="http://schemas.microsoft.com/office/drawing/2014/main" id="{56891CAE-92E3-44D1-9A27-CD1EE1450C93}"/>
+              </a:ext>
+            </a:extLst>
+          </p:cNvPr>
           <p:cNvSpPr>
             <a:spLocks noGrp="1"/>
           </p:cNvSpPr>
           <p:nvPr>
-            <p:ph type="subTitle" idx="1"/>
+            <p:ph idx="1"/>
           </p:nvPr>
         </p:nvSpPr>
-        <p:spPr/>
+        <p:spPr>
+          <a:xfrm>
+            <a:off x="681318" y="1752600"/>
+            <a:ext cx="6633882" cy="5121275"/>
+          </a:xfrm>
+        </p:spPr>
         <p:txBody>
-          <a:bodyPr/>
+          <a:bodyPr>
+            <a:noAutofit/>
+          </a:bodyPr>
           <a:lstStyle/>
           <a:p>
-            <a:endParaRPr lang="en-US" dirty="0"/>
+            <a:pPr marL="0" indent="0">
+              <a:buNone/>
+            </a:pPr>
+            <a:r>
+              <a:rPr lang="en-US" dirty="0">
+                <a:latin typeface="+mj-lt"/>
+              </a:rPr>
+              <a:t>Main process:</a:t>
+            </a:r>
+          </a:p>
+          <a:p>
+            <a:pPr marL="228600" lvl="1" indent="0">
+              <a:buNone/>
+            </a:pPr>
+            <a:r>
+              <a:rPr lang="en-US" dirty="0" err="1"/>
+              <a:t>ipc.on</a:t>
+            </a:r>
+            <a:r>
+              <a:rPr lang="en-US" dirty="0"/>
+              <a:t>('sync-message', function (event, </a:t>
+            </a:r>
+            <a:r>
+              <a:rPr lang="en-US" dirty="0" err="1"/>
+              <a:t>arg</a:t>
+            </a:r>
+            <a:r>
+              <a:rPr lang="en-US" dirty="0"/>
+              <a:t>) {</a:t>
+            </a:r>
+          </a:p>
+          <a:p>
+            <a:pPr marL="228600" lvl="1" indent="0">
+              <a:buNone/>
+            </a:pPr>
+            <a:r>
+              <a:rPr lang="en-US" dirty="0"/>
+              <a:t>  </a:t>
+            </a:r>
+            <a:r>
+              <a:rPr lang="en-US" dirty="0" err="1"/>
+              <a:t>event.returnValue</a:t>
+            </a:r>
+            <a:r>
+              <a:rPr lang="en-US" dirty="0"/>
+              <a:t> = 'sync-reply';</a:t>
+            </a:r>
+          </a:p>
+          <a:p>
+            <a:pPr marL="228600" lvl="1" indent="0">
+              <a:buNone/>
+            </a:pPr>
+            <a:r>
+              <a:rPr lang="en-US" dirty="0"/>
+              <a:t>})</a:t>
+            </a:r>
+          </a:p>
+          <a:p>
+            <a:pPr marL="228600" lvl="1" indent="0">
+              <a:buNone/>
+            </a:pPr>
+            <a:endParaRPr lang="en-US" dirty="0">
+              <a:latin typeface="+mj-lt"/>
+            </a:endParaRPr>
+          </a:p>
+          <a:p>
+            <a:pPr marL="0" indent="0">
+              <a:buNone/>
+            </a:pPr>
+            <a:r>
+              <a:rPr lang="en-US" dirty="0">
+                <a:latin typeface="+mj-lt"/>
+              </a:rPr>
+              <a:t>Render process:</a:t>
+            </a:r>
+          </a:p>
+          <a:p>
+            <a:pPr marL="228600" lvl="1" indent="0">
+              <a:buNone/>
+            </a:pPr>
+            <a:r>
+              <a:rPr lang="en-US" dirty="0" err="1">
+                <a:latin typeface="+mj-lt"/>
+              </a:rPr>
+              <a:t>syncBtn.addEventListener</a:t>
+            </a:r>
+            <a:r>
+              <a:rPr lang="en-US" dirty="0">
+                <a:latin typeface="+mj-lt"/>
+              </a:rPr>
+              <a:t>('click', () =&gt; {</a:t>
+            </a:r>
+          </a:p>
+          <a:p>
+            <a:pPr marL="228600" lvl="1" indent="0">
+              <a:buNone/>
+            </a:pPr>
+            <a:r>
+              <a:rPr lang="en-US" dirty="0">
+                <a:latin typeface="+mj-lt"/>
+              </a:rPr>
+              <a:t>    console.log('sync </a:t>
+            </a:r>
+            <a:r>
+              <a:rPr lang="en-US" dirty="0" err="1">
+                <a:latin typeface="+mj-lt"/>
+              </a:rPr>
+              <a:t>msg</a:t>
+            </a:r>
+            <a:r>
+              <a:rPr lang="en-US" dirty="0">
+                <a:latin typeface="+mj-lt"/>
+              </a:rPr>
+              <a:t> 1')</a:t>
+            </a:r>
+          </a:p>
+          <a:p>
+            <a:pPr marL="228600" lvl="1" indent="0">
+              <a:buNone/>
+            </a:pPr>
+            <a:r>
+              <a:rPr lang="en-US" dirty="0">
+                <a:latin typeface="+mj-lt"/>
+              </a:rPr>
+              <a:t>    </a:t>
+            </a:r>
+            <a:r>
+              <a:rPr lang="en-US" dirty="0" err="1">
+                <a:latin typeface="+mj-lt"/>
+              </a:rPr>
+              <a:t>const</a:t>
+            </a:r>
+            <a:r>
+              <a:rPr lang="en-US" dirty="0">
+                <a:latin typeface="+mj-lt"/>
+              </a:rPr>
+              <a:t> reply = </a:t>
+            </a:r>
+            <a:r>
+              <a:rPr lang="en-US" dirty="0" err="1">
+                <a:latin typeface="+mj-lt"/>
+              </a:rPr>
+              <a:t>ipc.sendSync</a:t>
+            </a:r>
+            <a:r>
+              <a:rPr lang="en-US" dirty="0">
+                <a:latin typeface="+mj-lt"/>
+              </a:rPr>
+              <a:t>('sync-message');</a:t>
+            </a:r>
+          </a:p>
+          <a:p>
+            <a:pPr marL="228600" lvl="1" indent="0">
+              <a:buNone/>
+            </a:pPr>
+            <a:r>
+              <a:rPr lang="en-US" dirty="0">
+                <a:latin typeface="+mj-lt"/>
+              </a:rPr>
+              <a:t>    console.log(reply);</a:t>
+            </a:r>
+          </a:p>
+          <a:p>
+            <a:pPr marL="228600" lvl="1" indent="0">
+              <a:buNone/>
+            </a:pPr>
+            <a:r>
+              <a:rPr lang="en-US" dirty="0">
+                <a:latin typeface="+mj-lt"/>
+              </a:rPr>
+              <a:t>    console.log('sync </a:t>
+            </a:r>
+            <a:r>
+              <a:rPr lang="en-US" dirty="0" err="1">
+                <a:latin typeface="+mj-lt"/>
+              </a:rPr>
+              <a:t>msg</a:t>
+            </a:r>
+            <a:r>
+              <a:rPr lang="en-US" dirty="0">
+                <a:latin typeface="+mj-lt"/>
+              </a:rPr>
+              <a:t> 2')  </a:t>
+            </a:r>
+          </a:p>
+          <a:p>
+            <a:pPr marL="228600" lvl="1" indent="0">
+              <a:buNone/>
+            </a:pPr>
+            <a:r>
+              <a:rPr lang="en-US" dirty="0">
+                <a:latin typeface="+mj-lt"/>
+              </a:rPr>
+              <a:t>})</a:t>
+            </a:r>
+          </a:p>
+          <a:p>
+            <a:pPr marL="0" indent="0">
+              <a:buNone/>
+            </a:pPr>
+            <a:r>
+              <a:rPr lang="en-US" dirty="0">
+                <a:latin typeface="+mj-lt"/>
+              </a:rPr>
+              <a:t>	</a:t>
+            </a:r>
+          </a:p>
+          <a:p>
+            <a:pPr marL="0" indent="0">
+              <a:buNone/>
+            </a:pPr>
+            <a:endParaRPr lang="en-US" dirty="0">
+              <a:latin typeface="+mj-lt"/>
+            </a:endParaRPr>
+          </a:p>
+          <a:p>
+            <a:pPr marL="228600" lvl="1" indent="0">
+              <a:buNone/>
+            </a:pPr>
+            <a:r>
+              <a:rPr lang="en-US" dirty="0">
+                <a:latin typeface="+mj-lt"/>
+              </a:rPr>
+              <a:t>	</a:t>
+            </a:r>
+          </a:p>
+          <a:p>
+            <a:pPr marL="228600" lvl="1" indent="0">
+              <a:buNone/>
+            </a:pPr>
+            <a:endParaRPr lang="en-US" dirty="0">
+              <a:latin typeface="+mj-lt"/>
+            </a:endParaRPr>
           </a:p>
         </p:txBody>
       </p:sp>
+      <p:sp>
+        <p:nvSpPr>
+          <p:cNvPr id="3" name="Rectangle 3"/>
+          <p:cNvSpPr>
+            <a:spLocks noChangeArrowheads="1"/>
+          </p:cNvSpPr>
+          <p:nvPr/>
+        </p:nvSpPr>
+        <p:spPr bwMode="auto">
+          <a:xfrm>
+            <a:off x="0" y="0"/>
+            <a:ext cx="14630400" cy="457200"/>
+          </a:xfrm>
+          <a:prstGeom prst="rect">
+            <a:avLst/>
+          </a:prstGeom>
+          <a:solidFill>
+            <a:srgbClr val="F7F7F7"/>
+          </a:solidFill>
+          <a:ln>
+            <a:noFill/>
+          </a:ln>
+          <a:effectLst/>
+          <a:extLst>
+            <a:ext uri="{91240B29-F687-4F45-9708-019B960494DF}">
+              <a14:hiddenLine xmlns:a14="http://schemas.microsoft.com/office/drawing/2010/main" w="9525">
+                <a:solidFill>
+                  <a:schemeClr val="tx1"/>
+                </a:solidFill>
+                <a:miter lim="800000"/>
+                <a:headEnd/>
+                <a:tailEnd/>
+              </a14:hiddenLine>
+            </a:ext>
+            <a:ext uri="{AF507438-7753-43E0-B8FC-AC1667EBCBE1}">
+              <a14:hiddenEffects xmlns:a14="http://schemas.microsoft.com/office/drawing/2010/main">
+                <a:effectLst>
+                  <a:outerShdw dist="35921" dir="2700000" algn="ctr" rotWithShape="0">
+                    <a:schemeClr val="bg2"/>
+                  </a:outerShdw>
+                </a:effectLst>
+              </a14:hiddenEffects>
+            </a:ext>
+          </a:extLst>
+        </p:spPr>
+        <p:txBody>
+          <a:bodyPr vert="horz" wrap="none" lIns="91440" tIns="0" rIns="91440" bIns="193614" numCol="1" anchor="ctr" anchorCtr="0" compatLnSpc="1">
+            <a:prstTxWarp prst="textNoShape">
+              <a:avLst/>
+            </a:prstTxWarp>
+            <a:spAutoFit/>
+          </a:bodyPr>
+          <a:lstStyle/>
+          <a:p>
+            <a:pPr marL="0" marR="0" lvl="0" indent="0" algn="l" defTabSz="914400" rtl="0" eaLnBrk="0" fontAlgn="base" latinLnBrk="0" hangingPunct="0">
+              <a:lnSpc>
+                <a:spcPct val="100000"/>
+              </a:lnSpc>
+              <a:spcBef>
+                <a:spcPct val="0"/>
+              </a:spcBef>
+              <a:spcAft>
+                <a:spcPct val="0"/>
+              </a:spcAft>
+              <a:buClrTx/>
+              <a:buSzTx/>
+              <a:buFontTx/>
+              <a:buNone/>
+              <a:tabLst/>
+            </a:pPr>
+            <a:r>
+              <a:rPr kumimoji="0" lang="en-US" altLang="en-US" sz="1000" b="0" i="0" u="none" strike="noStrike" cap="none" normalizeH="0" baseline="0">
+                <a:ln>
+                  <a:noFill/>
+                </a:ln>
+                <a:solidFill>
+                  <a:srgbClr val="000000"/>
+                </a:solidFill>
+                <a:effectLst/>
+                <a:latin typeface="Courier New" panose="02070309020205020404" pitchFamily="49" charset="0"/>
+                <a:ea typeface="Source Sans Pro"/>
+                <a:cs typeface="Courier New" panose="02070309020205020404" pitchFamily="49" charset="0"/>
+              </a:rPr>
+              <a:t>npm install --save-dev devtron</a:t>
+            </a:r>
+            <a:endParaRPr kumimoji="0" lang="en-US" altLang="en-US" sz="1400" b="0" i="0" u="none" strike="noStrike" cap="none" normalizeH="0" baseline="0">
+              <a:ln>
+                <a:noFill/>
+              </a:ln>
+              <a:solidFill>
+                <a:schemeClr val="tx1"/>
+              </a:solidFill>
+              <a:effectLst/>
+            </a:endParaRPr>
+          </a:p>
+          <a:p>
+            <a:pPr marL="0" marR="0" lvl="0" indent="0" algn="l" defTabSz="914400" rtl="0" eaLnBrk="0" fontAlgn="base" latinLnBrk="0" hangingPunct="0">
+              <a:lnSpc>
+                <a:spcPct val="100000"/>
+              </a:lnSpc>
+              <a:spcBef>
+                <a:spcPct val="0"/>
+              </a:spcBef>
+              <a:spcAft>
+                <a:spcPct val="0"/>
+              </a:spcAft>
+              <a:buClrTx/>
+              <a:buSzTx/>
+              <a:buFontTx/>
+              <a:buNone/>
+              <a:tabLst/>
+            </a:pPr>
+            <a:br>
+              <a:rPr kumimoji="0" lang="en-US" altLang="en-US" sz="1800" b="0" i="0" u="none" strike="noStrike" cap="none" normalizeH="0" baseline="0">
+                <a:ln>
+                  <a:noFill/>
+                </a:ln>
+                <a:solidFill>
+                  <a:schemeClr val="tx1"/>
+                </a:solidFill>
+                <a:effectLst/>
+                <a:latin typeface="Arial" panose="020B0604020202020204" pitchFamily="34" charset="0"/>
+              </a:rPr>
+            </a:br>
+            <a:endParaRPr kumimoji="0" lang="en-US" altLang="en-US" sz="1800" b="0" i="0" u="none" strike="noStrike" cap="none" normalizeH="0" baseline="0">
+              <a:ln>
+                <a:noFill/>
+              </a:ln>
+              <a:solidFill>
+                <a:schemeClr val="tx1"/>
+              </a:solidFill>
+              <a:effectLst/>
+              <a:latin typeface="Arial" panose="020B0604020202020204" pitchFamily="34" charset="0"/>
+            </a:endParaRPr>
+          </a:p>
+        </p:txBody>
+      </p:sp>
+      <p:pic>
+        <p:nvPicPr>
+          <p:cNvPr id="4" name="Picture 3"/>
+          <p:cNvPicPr>
+            <a:picLocks noChangeAspect="1"/>
+          </p:cNvPicPr>
+          <p:nvPr/>
+        </p:nvPicPr>
+        <p:blipFill>
+          <a:blip r:embed="rId3"/>
+          <a:stretch>
+            <a:fillRect/>
+          </a:stretch>
+        </p:blipFill>
+        <p:spPr>
+          <a:xfrm>
+            <a:off x="7315200" y="2438400"/>
+            <a:ext cx="7010400" cy="4213233"/>
+          </a:xfrm>
+          <a:prstGeom prst="rect">
+            <a:avLst/>
+          </a:prstGeom>
+        </p:spPr>
+      </p:pic>
     </p:spTree>
     <p:extLst>
       <p:ext uri="{BB962C8B-B14F-4D97-AF65-F5344CB8AC3E}">
-        <p14:creationId xmlns:p14="http://schemas.microsoft.com/office/powerpoint/2010/main" val="3440344944"/>
+        <p14:creationId xmlns:p14="http://schemas.microsoft.com/office/powerpoint/2010/main" val="1879315639"/>
       </p:ext>
     </p:extLst>
   </p:cSld>
@@ -14603,8 +14914,12 @@
           <a:lstStyle/>
           <a:p>
             <a:r>
+              <a:rPr lang="en-US" dirty="0" err="1"/>
+              <a:t>ASync</a:t>
+            </a:r>
+            <a:r>
               <a:rPr lang="en-US" dirty="0"/>
-              <a:t>Sync IPC</a:t>
+              <a:t> IPC</a:t>
             </a:r>
           </a:p>
         </p:txBody>
@@ -14628,7 +14943,7 @@
         <p:spPr>
           <a:xfrm>
             <a:off x="681318" y="1752600"/>
-            <a:ext cx="9300882" cy="5121275"/>
+            <a:ext cx="6633882" cy="5121275"/>
           </a:xfrm>
         </p:spPr>
         <p:txBody>
@@ -14653,19 +14968,11 @@
             </a:pPr>
             <a:r>
               <a:rPr lang="en-US" dirty="0" err="1"/>
-              <a:t>ipc.on</a:t>
+              <a:t>showErrorMess</a:t>
             </a:r>
             <a:r>
               <a:rPr lang="en-US" dirty="0"/>
-              <a:t>('sync-message', function (event, </a:t>
-            </a:r>
-            <a:r>
-              <a:rPr lang="en-US" dirty="0" err="1"/>
-              <a:t>arg</a:t>
-            </a:r>
-            <a:r>
-              <a:rPr lang="en-US" dirty="0"/>
-              <a:t>) {</a:t>
+              <a:t> = (event) =&gt; {</a:t>
             </a:r>
           </a:p>
           <a:p>
@@ -14678,11 +14985,11 @@
             </a:r>
             <a:r>
               <a:rPr lang="en-US" dirty="0" err="1"/>
-              <a:t>event.returnValue</a:t>
+              <a:t>dialog.showErrorBox</a:t>
             </a:r>
             <a:r>
               <a:rPr lang="en-US" dirty="0"/>
-              <a:t> = 'sync-reply';</a:t>
+              <a:t>('An Error Message', 'Demo');</a:t>
             </a:r>
           </a:p>
           <a:p>
@@ -14691,8 +14998,46 @@
             </a:pPr>
             <a:r>
               <a:rPr lang="en-US" dirty="0"/>
-              <a:t>})</a:t>
-            </a:r>
+              <a:t>  </a:t>
+            </a:r>
+            <a:r>
+              <a:rPr lang="en-US" dirty="0" err="1"/>
+              <a:t>event.sender.send</a:t>
+            </a:r>
+            <a:r>
+              <a:rPr lang="en-US" dirty="0"/>
+              <a:t>('</a:t>
+            </a:r>
+            <a:r>
+              <a:rPr lang="en-US" dirty="0" err="1"/>
+              <a:t>opend</a:t>
+            </a:r>
+            <a:r>
+              <a:rPr lang="en-US" dirty="0"/>
+              <a:t>-error-dialog', 'The error      	dialog is </a:t>
+            </a:r>
+            <a:r>
+              <a:rPr lang="en-US" dirty="0" err="1"/>
+              <a:t>opend</a:t>
+            </a:r>
+            <a:r>
+              <a:rPr lang="en-US" dirty="0"/>
+              <a:t>')</a:t>
+            </a:r>
+          </a:p>
+          <a:p>
+            <a:pPr marL="228600" lvl="1" indent="0">
+              <a:buNone/>
+            </a:pPr>
+            <a:r>
+              <a:rPr lang="en-US" dirty="0"/>
+              <a:t>};</a:t>
+            </a:r>
+          </a:p>
+          <a:p>
+            <a:pPr marL="228600" lvl="1" indent="0">
+              <a:buNone/>
+            </a:pPr>
             <a:endParaRPr lang="en-US" dirty="0">
               <a:latin typeface="+mj-lt"/>
             </a:endParaRPr>
@@ -14713,16 +15058,28 @@
               <a:buNone/>
             </a:pPr>
             <a:r>
-              <a:rPr lang="en-US" dirty="0" err="1">
-                <a:latin typeface="+mj-lt"/>
-              </a:rPr>
-              <a:t>syncBtn.addEventListener</a:t>
-            </a:r>
-            <a:r>
-              <a:rPr lang="en-US" dirty="0">
-                <a:latin typeface="+mj-lt"/>
-              </a:rPr>
-              <a:t>('click', () =&gt; {</a:t>
+              <a:rPr lang="en-US" dirty="0" err="1"/>
+              <a:t>const</a:t>
+            </a:r>
+            <a:r>
+              <a:rPr lang="en-US" dirty="0"/>
+              <a:t> </a:t>
+            </a:r>
+            <a:r>
+              <a:rPr lang="en-US" dirty="0" err="1"/>
+              <a:t>errorShown</a:t>
+            </a:r>
+            <a:r>
+              <a:rPr lang="en-US" dirty="0"/>
+              <a:t> = (event, </a:t>
+            </a:r>
+            <a:r>
+              <a:rPr lang="en-US" dirty="0" err="1"/>
+              <a:t>arg</a:t>
+            </a:r>
+            <a:r>
+              <a:rPr lang="en-US" dirty="0"/>
+              <a:t>) =&gt; {</a:t>
             </a:r>
           </a:p>
           <a:p>
@@ -14730,22 +15087,36 @@
               <a:buNone/>
             </a:pPr>
             <a:r>
-              <a:rPr lang="en-US" dirty="0">
-                <a:latin typeface="+mj-lt"/>
-              </a:rPr>
-              <a:t>    console.log('sync </a:t>
-            </a:r>
-            <a:r>
-              <a:rPr lang="en-US" dirty="0" err="1">
-                <a:latin typeface="+mj-lt"/>
-              </a:rPr>
-              <a:t>msg</a:t>
-            </a:r>
-            <a:r>
-              <a:rPr lang="en-US" dirty="0">
-                <a:latin typeface="+mj-lt"/>
-              </a:rPr>
-              <a:t> 1')</a:t>
+              <a:rPr lang="en-US" dirty="0" err="1"/>
+              <a:t>const</a:t>
+            </a:r>
+            <a:r>
+              <a:rPr lang="en-US" dirty="0"/>
+              <a:t> </a:t>
+            </a:r>
+            <a:r>
+              <a:rPr lang="en-US" dirty="0" err="1"/>
+              <a:t>pTag</a:t>
+            </a:r>
+            <a:r>
+              <a:rPr lang="en-US" dirty="0"/>
+              <a:t> = </a:t>
+            </a:r>
+            <a:r>
+              <a:rPr lang="en-US" dirty="0" err="1"/>
+              <a:t>document.getElementById</a:t>
+            </a:r>
+            <a:r>
+              <a:rPr lang="en-US" dirty="0"/>
+              <a:t>('</a:t>
+            </a:r>
+            <a:r>
+              <a:rPr lang="en-US" dirty="0" err="1"/>
+              <a:t>errorShown</a:t>
+            </a:r>
+            <a:r>
+              <a:rPr lang="en-US" dirty="0"/>
+              <a:t>');</a:t>
             </a:r>
           </a:p>
           <a:p>
@@ -14753,34 +15124,20 @@
               <a:buNone/>
             </a:pPr>
             <a:r>
-              <a:rPr lang="en-US" dirty="0">
-                <a:latin typeface="+mj-lt"/>
-              </a:rPr>
-              <a:t>    </a:t>
-            </a:r>
-            <a:r>
-              <a:rPr lang="en-US" dirty="0" err="1">
-                <a:latin typeface="+mj-lt"/>
-              </a:rPr>
-              <a:t>const</a:t>
-            </a:r>
-            <a:r>
-              <a:rPr lang="en-US" dirty="0">
-                <a:latin typeface="+mj-lt"/>
-              </a:rPr>
-              <a:t> reply = </a:t>
-            </a:r>
-            <a:r>
-              <a:rPr lang="en-US" dirty="0" err="1">
-                <a:latin typeface="+mj-lt"/>
-              </a:rPr>
-              <a:t>ipc.sendSync</a:t>
-            </a:r>
-            <a:r>
-              <a:rPr lang="en-US" dirty="0">
-                <a:latin typeface="+mj-lt"/>
-              </a:rPr>
-              <a:t>('sync-message');</a:t>
+              <a:rPr lang="en-US" dirty="0" err="1"/>
+              <a:t>pTag.textContent</a:t>
+            </a:r>
+            <a:r>
+              <a:rPr lang="en-US" dirty="0"/>
+              <a:t> = </a:t>
+            </a:r>
+            <a:r>
+              <a:rPr lang="en-US" dirty="0" err="1"/>
+              <a:t>arg</a:t>
+            </a:r>
+            <a:r>
+              <a:rPr lang="en-US" dirty="0"/>
+              <a:t>;</a:t>
             </a:r>
           </a:p>
           <a:p>
@@ -14788,48 +15145,39 @@
               <a:buNone/>
             </a:pPr>
             <a:r>
-              <a:rPr lang="en-US" dirty="0">
-                <a:latin typeface="+mj-lt"/>
-              </a:rPr>
-              <a:t>    console.log(reply);</a:t>
+              <a:rPr lang="en-US" dirty="0"/>
+              <a:t>}</a:t>
+            </a:r>
+            <a:br>
+              <a:rPr lang="en-US" dirty="0"/>
+            </a:br>
+            <a:r>
+              <a:rPr lang="en-US" dirty="0" err="1"/>
+              <a:t>ipcRenderer.on</a:t>
+            </a:r>
+            <a:r>
+              <a:rPr lang="en-US" dirty="0"/>
+              <a:t>('</a:t>
+            </a:r>
+            <a:r>
+              <a:rPr lang="en-US" dirty="0" err="1"/>
+              <a:t>opend</a:t>
+            </a:r>
+            <a:r>
+              <a:rPr lang="en-US" dirty="0"/>
+              <a:t>-error-dialog', </a:t>
+            </a:r>
+            <a:r>
+              <a:rPr lang="en-US" dirty="0" err="1"/>
+              <a:t>errorShown</a:t>
+            </a:r>
+            <a:r>
+              <a:rPr lang="en-US" dirty="0"/>
+              <a:t>);</a:t>
             </a:r>
           </a:p>
           <a:p>
             <a:pPr marL="228600" lvl="1" indent="0">
-              <a:buNone/>
-            </a:pPr>
-            <a:r>
-              <a:rPr lang="en-US" dirty="0">
-                <a:latin typeface="+mj-lt"/>
-              </a:rPr>
-              <a:t>    console.log('sync </a:t>
-            </a:r>
-            <a:r>
-              <a:rPr lang="en-US" dirty="0" err="1">
-                <a:latin typeface="+mj-lt"/>
-              </a:rPr>
-              <a:t>msg</a:t>
-            </a:r>
-            <a:r>
-              <a:rPr lang="en-US" dirty="0">
-                <a:latin typeface="+mj-lt"/>
-              </a:rPr>
-              <a:t> 2')  </a:t>
-            </a:r>
-          </a:p>
-          <a:p>
-            <a:pPr marL="228600" lvl="1" indent="0">
-              <a:buNone/>
-            </a:pPr>
-            <a:r>
-              <a:rPr lang="en-US" dirty="0">
-                <a:latin typeface="+mj-lt"/>
-              </a:rPr>
-              <a:t>})</a:t>
-            </a:r>
-          </a:p>
-          <a:p>
-            <a:pPr marL="0" indent="0">
               <a:buNone/>
             </a:pPr>
             <a:r>
@@ -15005,10 +15353,34 @@
           </a:p>
         </p:txBody>
       </p:sp>
+      <p:pic>
+        <p:nvPicPr>
+          <p:cNvPr id="6" name="Picture 5"/>
+          <p:cNvPicPr>
+            <a:picLocks noChangeAspect="1"/>
+          </p:cNvPicPr>
+          <p:nvPr/>
+        </p:nvPicPr>
+        <p:blipFill>
+          <a:blip r:embed="rId3"/>
+          <a:stretch>
+            <a:fillRect/>
+          </a:stretch>
+        </p:blipFill>
+        <p:spPr>
+          <a:xfrm>
+            <a:off x="8653462" y="2590800"/>
+            <a:ext cx="4681538" cy="4015127"/>
+          </a:xfrm>
+          <a:prstGeom prst="rect">
+            <a:avLst/>
+          </a:prstGeom>
+        </p:spPr>
+      </p:pic>
     </p:spTree>
     <p:extLst>
       <p:ext uri="{BB962C8B-B14F-4D97-AF65-F5344CB8AC3E}">
-        <p14:creationId xmlns:p14="http://schemas.microsoft.com/office/powerpoint/2010/main" val="1879315639"/>
+        <p14:creationId xmlns:p14="http://schemas.microsoft.com/office/powerpoint/2010/main" val="2062841816"/>
       </p:ext>
     </p:extLst>
   </p:cSld>
@@ -15278,12 +15650,6 @@
             <a:r>
               <a:rPr lang="en-US" sz="2800" dirty="0"/>
               <a:t>What Electron?</a:t>
-            </a:r>
-          </a:p>
-          <a:p>
-            <a:r>
-              <a:rPr lang="en-US" sz="2800" dirty="0"/>
-              <a:t>Why Desktop Apps?</a:t>
             </a:r>
           </a:p>
           <a:p>
@@ -15683,17 +16049,11 @@
             <a:pPr fontAlgn="base"/>
             <a:r>
               <a:rPr lang="en-US" dirty="0"/>
-              <a:t>Electron began in 2013 as the framework on.</a:t>
+              <a:t>Electron began in 2013 as the framework on which Atom </a:t>
             </a:r>
           </a:p>
           <a:p>
             <a:pPr fontAlgn="base"/>
-            <a:r>
-              <a:rPr lang="en-US" dirty="0"/>
-              <a:t>Formerly knows as Atom Shell</a:t>
-            </a:r>
-          </a:p>
-          <a:p>
             <a:r>
               <a:rPr lang="en-US" dirty="0"/>
               <a:t>A combination of:</a:t>
@@ -15723,7 +16083,7 @@
             <a:pPr lvl="1"/>
             <a:r>
               <a:rPr lang="en-US" dirty="0"/>
-              <a:t>C++</a:t>
+              <a:t>Native plugin</a:t>
             </a:r>
           </a:p>
           <a:p>
@@ -15864,7 +16224,7 @@
           <a:p>
             <a:r>
               <a:rPr lang="en-US" dirty="0"/>
-              <a:t>Why desktop App?</a:t>
+              <a:t>Why Electron?</a:t>
             </a:r>
           </a:p>
         </p:txBody>
@@ -15887,70 +16247,49 @@
         </p:nvSpPr>
         <p:spPr>
           <a:xfrm>
-            <a:off x="681318" y="1752600"/>
-            <a:ext cx="9300882" cy="5121275"/>
+            <a:off x="685800" y="1653951"/>
+            <a:ext cx="11201400" cy="5121275"/>
           </a:xfrm>
         </p:spPr>
         <p:txBody>
           <a:bodyPr>
-            <a:noAutofit/>
+            <a:normAutofit/>
           </a:bodyPr>
           <a:lstStyle/>
           <a:p>
-            <a:pPr lvl="1">
-              <a:buFont typeface="Wingdings" panose="05000000000000000000" pitchFamily="2" charset="2"/>
-              <a:buChar char="§"/>
+            <a:r>
+              <a:rPr lang="en-US" sz="2800" dirty="0"/>
+              <a:t>Your Application will be available for all the platforms.</a:t>
+            </a:r>
+          </a:p>
+          <a:p>
+            <a:r>
+              <a:rPr lang="en-US" sz="2800" dirty="0"/>
+              <a:t>Consistence native menus, notifications, dialogs.</a:t>
+            </a:r>
+          </a:p>
+          <a:p>
+            <a:r>
+              <a:rPr lang="en-US" sz="2800" dirty="0"/>
+              <a:t>Code and App Management</a:t>
+            </a:r>
+            <a:endParaRPr lang="en-US" sz="2800" dirty="0"/>
+          </a:p>
+          <a:p>
+            <a:r>
+              <a:rPr lang="en-US" sz="2800" dirty="0"/>
+              <a:t>Cost and Time</a:t>
+            </a:r>
+            <a:r>
+              <a:rPr lang="en-US" sz="2800" dirty="0"/>
+              <a:t>.</a:t>
+            </a:r>
+          </a:p>
+          <a:p>
+            <a:pPr marL="0" indent="0">
+              <a:buNone/>
             </a:pPr>
-            <a:r>
-              <a:rPr lang="en-US" sz="2400" dirty="0"/>
-              <a:t>Offline.</a:t>
-            </a:r>
-          </a:p>
-          <a:p>
-            <a:pPr lvl="1">
-              <a:buFont typeface="Wingdings" panose="05000000000000000000" pitchFamily="2" charset="2"/>
-              <a:buChar char="§"/>
-            </a:pPr>
-            <a:r>
-              <a:rPr lang="en-US" sz="2400" dirty="0"/>
-              <a:t>Printers, devices, other local hardware.</a:t>
-            </a:r>
-          </a:p>
-          <a:p>
-            <a:pPr lvl="1">
-              <a:buFont typeface="Wingdings" panose="05000000000000000000" pitchFamily="2" charset="2"/>
-              <a:buChar char="§"/>
-            </a:pPr>
-            <a:r>
-              <a:rPr lang="en-US" sz="2400" dirty="0"/>
-              <a:t>Edit local files.</a:t>
-            </a:r>
-          </a:p>
-          <a:p>
-            <a:pPr lvl="1">
-              <a:buFont typeface="Wingdings" panose="05000000000000000000" pitchFamily="2" charset="2"/>
-              <a:buChar char="§"/>
-            </a:pPr>
-            <a:r>
-              <a:rPr lang="en-US" sz="2400" dirty="0"/>
-              <a:t>Internal.</a:t>
-            </a:r>
-          </a:p>
-          <a:p>
-            <a:pPr lvl="1">
-              <a:buFont typeface="Wingdings" panose="05000000000000000000" pitchFamily="2" charset="2"/>
-              <a:buChar char="§"/>
-            </a:pPr>
-            <a:r>
-              <a:rPr lang="en-US" sz="2400" dirty="0"/>
-              <a:t>Data security</a:t>
-            </a:r>
-          </a:p>
-          <a:p>
-            <a:pPr lvl="1"/>
-            <a:endParaRPr lang="en-US" dirty="0">
-              <a:latin typeface="-apple-system"/>
-            </a:endParaRPr>
+            <a:endParaRPr lang="en-US" dirty="0"/>
           </a:p>
           <a:p>
             <a:pPr marL="0" indent="0">
@@ -15962,51 +16301,10 @@
           </a:p>
         </p:txBody>
       </p:sp>
-      <p:pic>
-        <p:nvPicPr>
-          <p:cNvPr id="1026" name="Picture 2" descr="Related image"/>
-          <p:cNvPicPr>
-            <a:picLocks noChangeAspect="1" noChangeArrowheads="1"/>
-          </p:cNvPicPr>
-          <p:nvPr/>
-        </p:nvPicPr>
-        <p:blipFill>
-          <a:blip r:embed="rId3">
-            <a:extLst>
-              <a:ext uri="{28A0092B-C50C-407E-A947-70E740481C1C}">
-                <a14:useLocalDpi xmlns:a14="http://schemas.microsoft.com/office/drawing/2010/main" val="0"/>
-              </a:ext>
-            </a:extLst>
-          </a:blip>
-          <a:srcRect/>
-          <a:stretch>
-            <a:fillRect/>
-          </a:stretch>
-        </p:blipFill>
-        <p:spPr bwMode="auto">
-          <a:xfrm>
-            <a:off x="9372600" y="2438400"/>
-            <a:ext cx="4286250" cy="4645502"/>
-          </a:xfrm>
-          <a:prstGeom prst="rect">
-            <a:avLst/>
-          </a:prstGeom>
-          <a:noFill/>
-          <a:extLst>
-            <a:ext uri="{909E8E84-426E-40DD-AFC4-6F175D3DCCD1}">
-              <a14:hiddenFill xmlns:a14="http://schemas.microsoft.com/office/drawing/2010/main">
-                <a:solidFill>
-                  <a:srgbClr val="FFFFFF"/>
-                </a:solidFill>
-              </a14:hiddenFill>
-            </a:ext>
-          </a:extLst>
-        </p:spPr>
-      </p:pic>
     </p:spTree>
     <p:extLst>
       <p:ext uri="{BB962C8B-B14F-4D97-AF65-F5344CB8AC3E}">
-        <p14:creationId xmlns:p14="http://schemas.microsoft.com/office/powerpoint/2010/main" val="3623134842"/>
+        <p14:creationId xmlns:p14="http://schemas.microsoft.com/office/powerpoint/2010/main" val="4158465900"/>
       </p:ext>
     </p:extLst>
   </p:cSld>
@@ -16062,7 +16360,7 @@
           <a:p>
             <a:r>
               <a:rPr lang="en-US" dirty="0"/>
-              <a:t>Why Electron?</a:t>
+              <a:t>Built with Electron</a:t>
             </a:r>
           </a:p>
         </p:txBody>
@@ -16085,93 +16383,15 @@
         </p:nvSpPr>
         <p:spPr>
           <a:xfrm>
-            <a:off x="685800" y="1653951"/>
-            <a:ext cx="11201400" cy="5121275"/>
+            <a:off x="681318" y="1752600"/>
+            <a:ext cx="9300882" cy="5121275"/>
           </a:xfrm>
         </p:spPr>
         <p:txBody>
           <a:bodyPr>
-            <a:normAutofit/>
+            <a:noAutofit/>
           </a:bodyPr>
           <a:lstStyle/>
-          <a:p>
-            <a:r>
-              <a:rPr lang="en-US" sz="2800" dirty="0">
-                <a:latin typeface="-apple-system"/>
-              </a:rPr>
-              <a:t>You want </a:t>
-            </a:r>
-            <a:r>
-              <a:rPr lang="en-US" dirty="0"/>
-              <a:t>desktop application are the simplification of packaging, installation</a:t>
-            </a:r>
-            <a:r>
-              <a:rPr lang="en-US" sz="2800" dirty="0">
-                <a:latin typeface="-apple-system"/>
-              </a:rPr>
-              <a:t>.</a:t>
-            </a:r>
-          </a:p>
-          <a:p>
-            <a:r>
-              <a:rPr lang="en-US" dirty="0"/>
-              <a:t>you want your application to be available for all the platforms.</a:t>
-            </a:r>
-          </a:p>
-          <a:p>
-            <a:r>
-              <a:rPr lang="en-US" sz="2800" dirty="0">
-                <a:latin typeface="-apple-system"/>
-              </a:rPr>
-              <a:t>You want consistence </a:t>
-            </a:r>
-            <a:r>
-              <a:rPr lang="en-US" dirty="0"/>
-              <a:t>native menus, notifications, dialogs</a:t>
-            </a:r>
-            <a:r>
-              <a:rPr lang="en-US" sz="2800" dirty="0">
-                <a:latin typeface="-apple-system"/>
-              </a:rPr>
-              <a:t>.</a:t>
-            </a:r>
-          </a:p>
-          <a:p>
-            <a:r>
-              <a:rPr lang="en-US" sz="2800" dirty="0">
-                <a:latin typeface="-apple-system"/>
-              </a:rPr>
-              <a:t>You’re starting from </a:t>
-            </a:r>
-            <a:r>
-              <a:rPr lang="en-US" dirty="0"/>
-              <a:t>web technologies</a:t>
-            </a:r>
-            <a:r>
-              <a:rPr lang="en-US" sz="2800" dirty="0">
-                <a:latin typeface="-apple-system"/>
-              </a:rPr>
-              <a:t>.</a:t>
-            </a:r>
-          </a:p>
-          <a:p>
-            <a:r>
-              <a:rPr lang="en-US" sz="2800" dirty="0">
-                <a:latin typeface="-apple-system"/>
-              </a:rPr>
-              <a:t>You want </a:t>
-            </a:r>
-            <a:r>
-              <a:rPr lang="en-US" dirty="0"/>
-              <a:t>your app silently automatic updates.</a:t>
-            </a:r>
-          </a:p>
-          <a:p>
-            <a:pPr marL="0" indent="0">
-              <a:buNone/>
-            </a:pPr>
-            <a:endParaRPr lang="en-US" dirty="0"/>
-          </a:p>
           <a:p>
             <a:pPr marL="0" indent="0">
               <a:buNone/>
@@ -16182,10 +16402,34 @@
           </a:p>
         </p:txBody>
       </p:sp>
+      <p:pic>
+        <p:nvPicPr>
+          <p:cNvPr id="3" name="Picture 2"/>
+          <p:cNvPicPr>
+            <a:picLocks noChangeAspect="1"/>
+          </p:cNvPicPr>
+          <p:nvPr/>
+        </p:nvPicPr>
+        <p:blipFill>
+          <a:blip r:embed="rId3"/>
+          <a:stretch>
+            <a:fillRect/>
+          </a:stretch>
+        </p:blipFill>
+        <p:spPr>
+          <a:xfrm>
+            <a:off x="1595718" y="1306748"/>
+            <a:ext cx="11282082" cy="6012978"/>
+          </a:xfrm>
+          <a:prstGeom prst="rect">
+            <a:avLst/>
+          </a:prstGeom>
+        </p:spPr>
+      </p:pic>
     </p:spTree>
     <p:extLst>
       <p:ext uri="{BB962C8B-B14F-4D97-AF65-F5344CB8AC3E}">
-        <p14:creationId xmlns:p14="http://schemas.microsoft.com/office/powerpoint/2010/main" val="4158465900"/>
+        <p14:creationId xmlns:p14="http://schemas.microsoft.com/office/powerpoint/2010/main" val="1874665126"/>
       </p:ext>
     </p:extLst>
   </p:cSld>
@@ -16241,7 +16485,7 @@
           <a:p>
             <a:r>
               <a:rPr lang="en-US" dirty="0"/>
-              <a:t>Built with Electron</a:t>
+              <a:t>Explore the Electron APIs </a:t>
             </a:r>
           </a:p>
         </p:txBody>
@@ -16285,32 +16529,55 @@
       </p:sp>
       <p:pic>
         <p:nvPicPr>
-          <p:cNvPr id="2" name="Picture 1"/>
+          <p:cNvPr id="1026" name="Picture 2" descr="Image result for THE ELECTRON APIS">
+            <a:extLst>
+              <a:ext uri="{FF2B5EF4-FFF2-40B4-BE49-F238E27FC236}">
+                <a16:creationId xmlns:a16="http://schemas.microsoft.com/office/drawing/2014/main" id="{FFA15D83-C816-472E-A20A-BA9ADEEB5D32}"/>
+              </a:ext>
+            </a:extLst>
+          </p:cNvPr>
           <p:cNvPicPr>
-            <a:picLocks noChangeAspect="1"/>
+            <a:picLocks noChangeAspect="1" noChangeArrowheads="1"/>
           </p:cNvPicPr>
           <p:nvPr/>
         </p:nvPicPr>
         <p:blipFill>
-          <a:blip r:embed="rId3"/>
+          <a:blip r:embed="rId3">
+            <a:extLst>
+              <a:ext uri="{28A0092B-C50C-407E-A947-70E740481C1C}">
+                <a14:useLocalDpi xmlns:a14="http://schemas.microsoft.com/office/drawing/2010/main" val="0"/>
+              </a:ext>
+            </a:extLst>
+          </a:blip>
+          <a:srcRect/>
           <a:stretch>
             <a:fillRect/>
           </a:stretch>
         </p:blipFill>
-        <p:spPr>
+        <p:spPr bwMode="auto">
           <a:xfrm>
-            <a:off x="685800" y="1348581"/>
-            <a:ext cx="12701637" cy="5525294"/>
+            <a:off x="3617259" y="1068925"/>
+            <a:ext cx="7315200" cy="6488624"/>
           </a:xfrm>
           <a:prstGeom prst="rect">
             <a:avLst/>
           </a:prstGeom>
+          <a:noFill/>
+          <a:extLst>
+            <a:ext uri="{909E8E84-426E-40DD-AFC4-6F175D3DCCD1}">
+              <a14:hiddenFill xmlns:a14="http://schemas.microsoft.com/office/drawing/2010/main">
+                <a:solidFill>
+                  <a:srgbClr val="FFFFFF"/>
+                </a:solidFill>
+              </a14:hiddenFill>
+            </a:ext>
+          </a:extLst>
         </p:spPr>
       </p:pic>
     </p:spTree>
     <p:extLst>
       <p:ext uri="{BB962C8B-B14F-4D97-AF65-F5344CB8AC3E}">
-        <p14:creationId xmlns:p14="http://schemas.microsoft.com/office/powerpoint/2010/main" val="1874665126"/>
+        <p14:creationId xmlns:p14="http://schemas.microsoft.com/office/powerpoint/2010/main" val="3092128238"/>
       </p:ext>
     </p:extLst>
   </p:cSld>
@@ -16366,19 +16633,15 @@
           <a:p>
             <a:r>
               <a:rPr lang="en-US" dirty="0"/>
-              <a:t>Explore the Electron APIs </a:t>
+              <a:t>Installation and preference</a:t>
             </a:r>
           </a:p>
         </p:txBody>
       </p:sp>
       <p:sp>
         <p:nvSpPr>
-          <p:cNvPr id="7" name="Content Placeholder 2">
-            <a:extLst>
-              <a:ext uri="{FF2B5EF4-FFF2-40B4-BE49-F238E27FC236}">
-                <a16:creationId xmlns:a16="http://schemas.microsoft.com/office/drawing/2014/main" id="{56891CAE-92E3-44D1-9A27-CD1EE1450C93}"/>
-              </a:ext>
-            </a:extLst>
+          <p:cNvPr id="6" name="Content Placeholder 2">
+            <a:extLst/>
           </p:cNvPr>
           <p:cNvSpPr>
             <a:spLocks noGrp="1"/>
@@ -16389,8 +16652,8 @@
         </p:nvSpPr>
         <p:spPr>
           <a:xfrm>
-            <a:off x="681318" y="1752600"/>
-            <a:ext cx="9300882" cy="5121275"/>
+            <a:off x="681038" y="1752600"/>
+            <a:ext cx="9301162" cy="5121275"/>
           </a:xfrm>
         </p:spPr>
         <p:txBody>
@@ -16399,66 +16662,124 @@
           </a:bodyPr>
           <a:lstStyle/>
           <a:p>
-            <a:pPr marL="0" indent="0">
-              <a:buNone/>
-            </a:pPr>
-            <a:endParaRPr lang="en-US" sz="2800" dirty="0">
-              <a:latin typeface="-apple-system"/>
+            <a:r>
+              <a:rPr lang="en-US" dirty="0">
+                <a:latin typeface="+mj-lt"/>
+              </a:rPr>
+              <a:t>Prerequisites</a:t>
+            </a:r>
+          </a:p>
+          <a:p>
+            <a:pPr lvl="1"/>
+            <a:r>
+              <a:rPr lang="en-US" dirty="0" err="1"/>
+              <a:t>Nodejs</a:t>
+            </a:r>
+            <a:r>
+              <a:rPr lang="en-US" dirty="0"/>
+              <a:t> </a:t>
+            </a:r>
+            <a:endParaRPr lang="en-US" dirty="0">
+              <a:latin typeface="+mj-lt"/>
             </a:endParaRPr>
+          </a:p>
+          <a:p>
+            <a:r>
+              <a:rPr lang="en-US" dirty="0">
+                <a:latin typeface="+mj-lt"/>
+              </a:rPr>
+              <a:t>Installing Electron</a:t>
+            </a:r>
+          </a:p>
+          <a:p>
+            <a:pPr lvl="1"/>
+            <a:r>
+              <a:rPr lang="en-US" dirty="0" err="1">
+                <a:latin typeface="+mj-lt"/>
+              </a:rPr>
+              <a:t>npm</a:t>
+            </a:r>
+            <a:r>
+              <a:rPr lang="en-US" dirty="0">
+                <a:latin typeface="+mj-lt"/>
+              </a:rPr>
+              <a:t> install electron –g</a:t>
+            </a:r>
+          </a:p>
+          <a:p>
+            <a:pPr lvl="1"/>
+            <a:r>
+              <a:rPr lang="en-US" dirty="0" err="1">
+                <a:latin typeface="+mj-lt"/>
+              </a:rPr>
+              <a:t>npm</a:t>
+            </a:r>
+            <a:r>
+              <a:rPr lang="en-US" dirty="0">
+                <a:latin typeface="+mj-lt"/>
+              </a:rPr>
+              <a:t> install electron --save-dev --save-exact</a:t>
+            </a:r>
+          </a:p>
+          <a:p>
+            <a:r>
+              <a:rPr lang="en-US" dirty="0">
+                <a:latin typeface="+mj-lt"/>
+              </a:rPr>
+              <a:t>Preference</a:t>
+            </a:r>
+          </a:p>
+          <a:p>
+            <a:pPr lvl="1"/>
+            <a:r>
+              <a:rPr lang="en-US" dirty="0" err="1">
+                <a:latin typeface="+mj-lt"/>
+              </a:rPr>
+              <a:t>npm</a:t>
+            </a:r>
+            <a:r>
+              <a:rPr lang="en-US" dirty="0">
+                <a:latin typeface="+mj-lt"/>
+              </a:rPr>
+              <a:t> install --save-dev </a:t>
+            </a:r>
+            <a:r>
+              <a:rPr lang="en-US" dirty="0" err="1">
+                <a:latin typeface="+mj-lt"/>
+              </a:rPr>
+              <a:t>devtron</a:t>
+            </a:r>
+            <a:endParaRPr lang="en-US" dirty="0">
+              <a:latin typeface="+mj-lt"/>
+            </a:endParaRPr>
+          </a:p>
+          <a:p>
+            <a:pPr lvl="1"/>
+            <a:r>
+              <a:rPr lang="en-US" dirty="0">
+                <a:latin typeface="+mj-lt"/>
+              </a:rPr>
+              <a:t>Font-end library : </a:t>
+            </a:r>
+            <a:r>
+              <a:rPr lang="en-US" dirty="0" err="1">
+                <a:latin typeface="+mj-lt"/>
+              </a:rPr>
+              <a:t>Vuejs</a:t>
+            </a:r>
+            <a:r>
+              <a:rPr lang="en-US" dirty="0">
+                <a:latin typeface="+mj-lt"/>
+              </a:rPr>
+              <a:t>, React, Angular</a:t>
+            </a:r>
           </a:p>
         </p:txBody>
       </p:sp>
-      <p:pic>
-        <p:nvPicPr>
-          <p:cNvPr id="1026" name="Picture 2" descr="Image result for THE ELECTRON APIS">
-            <a:extLst>
-              <a:ext uri="{FF2B5EF4-FFF2-40B4-BE49-F238E27FC236}">
-                <a16:creationId xmlns:a16="http://schemas.microsoft.com/office/drawing/2014/main" id="{FFA15D83-C816-472E-A20A-BA9ADEEB5D32}"/>
-              </a:ext>
-            </a:extLst>
-          </p:cNvPr>
-          <p:cNvPicPr>
-            <a:picLocks noChangeAspect="1" noChangeArrowheads="1"/>
-          </p:cNvPicPr>
-          <p:nvPr/>
-        </p:nvPicPr>
-        <p:blipFill>
-          <a:blip r:embed="rId3">
-            <a:extLst>
-              <a:ext uri="{28A0092B-C50C-407E-A947-70E740481C1C}">
-                <a14:useLocalDpi xmlns:a14="http://schemas.microsoft.com/office/drawing/2010/main" val="0"/>
-              </a:ext>
-            </a:extLst>
-          </a:blip>
-          <a:srcRect/>
-          <a:stretch>
-            <a:fillRect/>
-          </a:stretch>
-        </p:blipFill>
-        <p:spPr bwMode="auto">
-          <a:xfrm>
-            <a:off x="3581400" y="967863"/>
-            <a:ext cx="7315200" cy="6488624"/>
-          </a:xfrm>
-          <a:prstGeom prst="rect">
-            <a:avLst/>
-          </a:prstGeom>
-          <a:noFill/>
-          <a:extLst>
-            <a:ext uri="{909E8E84-426E-40DD-AFC4-6F175D3DCCD1}">
-              <a14:hiddenFill xmlns:a14="http://schemas.microsoft.com/office/drawing/2010/main">
-                <a:solidFill>
-                  <a:srgbClr val="FFFFFF"/>
-                </a:solidFill>
-              </a14:hiddenFill>
-            </a:ext>
-          </a:extLst>
-        </p:spPr>
-      </p:pic>
     </p:spTree>
     <p:extLst>
       <p:ext uri="{BB962C8B-B14F-4D97-AF65-F5344CB8AC3E}">
-        <p14:creationId xmlns:p14="http://schemas.microsoft.com/office/powerpoint/2010/main" val="3092128238"/>
+        <p14:creationId xmlns:p14="http://schemas.microsoft.com/office/powerpoint/2010/main" val="2993957224"/>
       </p:ext>
     </p:extLst>
   </p:cSld>
